--- a/audio.pptx
+++ b/audio.pptx
@@ -8,8 +8,12 @@
     <p:sldId id="256" r:id="rId2"/>
     <p:sldId id="257" r:id="rId3"/>
     <p:sldId id="258" r:id="rId4"/>
-    <p:sldId id="259" r:id="rId5"/>
-    <p:sldId id="260" r:id="rId6"/>
+    <p:sldId id="261" r:id="rId5"/>
+    <p:sldId id="266" r:id="rId6"/>
+    <p:sldId id="262" r:id="rId7"/>
+    <p:sldId id="263" r:id="rId8"/>
+    <p:sldId id="264" r:id="rId9"/>
+    <p:sldId id="265" r:id="rId10"/>
   </p:sldIdLst>
   <p:sldSz cx="12192000" cy="6858000"/>
   <p:notesSz cx="6858000" cy="9144000"/>
@@ -108,6 +112,11 @@
       </a:defRPr>
     </a:lvl9pPr>
   </p:defaultTextStyle>
+  <p:extLst>
+    <p:ext uri="{EFAFB233-063F-42B5-8137-9DF3F51BA10A}">
+      <p15:sldGuideLst xmlns:p15="http://schemas.microsoft.com/office/powerpoint/2012/main"/>
+    </p:ext>
+  </p:extLst>
 </p:presentation>
 </file>
 
@@ -119,27 +128,26 @@
         <inkml:traceFormat>
           <inkml:channel name="X" type="integer" min="-2.14748E9" max="2.14748E9" units="cm"/>
           <inkml:channel name="Y" type="integer" min="-2.14748E9" max="2.14748E9" units="cm"/>
-          <inkml:channel name="F" type="integer" max="32767" units="dev"/>
         </inkml:traceFormat>
         <inkml:channelProperties>
           <inkml:channelProperty channel="X" name="resolution" value="1000" units="1/cm"/>
           <inkml:channelProperty channel="Y" name="resolution" value="1000" units="1/cm"/>
-          <inkml:channelProperty channel="F" name="resolution" value="0" units="1/dev"/>
         </inkml:channelProperties>
       </inkml:inkSource>
-      <inkml:timestamp xml:id="ts0" timeString="2022-06-02T09:34:51.979"/>
+      <inkml:timestamp xml:id="ts0" timeString="2022-06-03T06:05:55.916"/>
     </inkml:context>
     <inkml:brush xml:id="br0">
-      <inkml:brushProperty name="width" value="0.05" units="cm"/>
-      <inkml:brushProperty name="height" value="0.05" units="cm"/>
+      <inkml:brushProperty name="width" value="0.1" units="cm"/>
+      <inkml:brushProperty name="height" value="0.1" units="cm"/>
       <inkml:brushProperty name="color" value="#FF4E00"/>
+      <inkml:brushProperty name="ignorePressure" value="1"/>
       <inkml:brushProperty name="inkEffects" value="rainbow"/>
-      <inkml:brushProperty name="anchorX" value="-22261.14063"/>
-      <inkml:brushProperty name="anchorY" value="-14846.1582"/>
+      <inkml:brushProperty name="anchorX" value="-313516.125"/>
+      <inkml:brushProperty name="anchorY" value="-44090.42188"/>
       <inkml:brushProperty name="scaleFactor" value="0.5"/>
     </inkml:brush>
   </inkml:definitions>
-  <inkml:trace contextRef="#ctx0" brushRef="#br0">44 52 24575,'0'0'0,"0"3"0,0 8 0,-3 6 0,1 3 0,-1 11 0,1 4 0,-6 0 0,1 6 0,1 7 0,1 7 0,1 12 0,2 4 0,1 9 0,1 0 0,0 10 0,0-13 0,0 4 0,1 2 0,-1-2 0,0-3 0,0-2 0,0-4 0,0-2 0,0-1 0,0-5 0,0-7 0,0 6 0,0 1 0,0-1 0,0-6 0,0 0 0,0-5 0,0-9 0,0 2 0,0-3 0,0 1 0,0-2 0,0-2 0,0 2 0,0-1 0,0-2 0,0-5 0,0-1 0,0 0 0,0-4 0,0 0 0,0 0 0,0 2 0,0-2 0,0 1 0,0 0 0,0-2 0,0 1 0,0 2 0,0 0 0,0-2 0,0 1 0,0 1 0,0-2 0,0 0 0,0 1 0,0-2 0,0 1 0,0 1 0,0 1 0,0-2 0,0 2 0,0-1 0,0-1 0,3-7 0,0 2 0,0 0 0,-1 3 0,0-1 0,-1 2 0,2-5 0,6 1 0,5-5 0,3-4 0,3-5 0,-2-1 0,1-2 0,0-2 0,1-2 0,2-1 0,2-1 0,-1 0 0,1 0 0,1 0 0,-2-1 0,0 1 0,1 0 0,2 0 0,-3 0 0,1 0 0,6 0 0,-1 0 0,5 0 0,7 0 0,4 0 0,-3 0 0,2 0 0,3 0 0,-6 0 0,7 0 0,3 0 0,-3 0 0,-1 0 0,9 0 0,-4 0 0,-6 0 0,-7 0 0,2 0 0,-2 0 0,-2 0 0,-2 0 0,0 0 0,4 0 0,-2 0 0,11 0 0,-6 0 0,4 7 0,2 0 0,3 0 0,1-1 0,2-2 0,-1-2 0,8 0 0,1-2 0,-8 1 0,-1-2 0,4 1 0,-5 0 0,0-1 0,-8 1 0,0 0 0,-4 0 0,-7 0 0,-3 0 0,-2 0 0,-2 0 0,-2 0 0,-1 0 0,6 0 0,-1 0 0,0 0 0,1 0 0,-4 0 0,0 0 0,6 0 0,-2 0 0,5 0 0,6 0 0,0 0 0,1 0 0,4 0 0,2 0 0,-2 0 0,-1 0 0,2 0 0,-3 0 0,-4 0 0,5 0 0,2 0 0,-1 0 0,-4 0 0,-1 0 0,2 0 0,-2 0 0,-5 0 0,2 0 0,-3 0 0,-3 0 0,-2 0 0,4 0 0,-1 0 0,-3 0 0,0 0 0,4 0 0,-3 0 0,6 0 0,-2 0 0,3 0 0,-1 0 0,3 0 0,-4 0 0,-1 0 0,-3 0 0,-4 0 0,-2 0 0,0 0 0,3 0 0,0 0 0,1 0 0,1 0 0,2 0 0,-1 0 0,6 0 0,-3 0 0,-2 0 0,5 0 0,-5 0 0,-1 0 0,-1 0 0,-4 0 0,-1 0 0,0 0 0,3 0 0,1 0 0,0 0 0,3 0 0,14 0 0,0 0 0,2 0 0,2 0 0,-4 0 0,-1 0 0,15 0 0,-4 0 0,-3 0 0,-8 0 0,-2 0 0,-5 0 0,-3 0 0,-6 0 0,-2 0 0,4 0 0,-3 0 0,6 0 0,5 0 0,-3 0 0,0 0 0,2 0 0,-4 0 0,4 0 0,-2 0 0,1 0 0,-1 0 0,3 0 0,-4 0 0,3 0 0,-1 0 0,-2 0 0,1 0 0,-2 0 0,1 0 0,-1 0 0,-2 0 0,-1 0 0,-4 0 0,-1 0 0,-1 0 0,-2 0 0,0 0 0,1 0 0,0 0 0,-1 0 0,1 0 0,1 0 0,-3 0 0,2 0 0,0 0 0,-2 0 0,1 0 0,1 0 0,1 0 0,-1 0 0,0 0 0,1 0 0,-3 0 0,2 0 0,0 0 0,-5 7 0,-4-4 0,-5-3 0,-5-8 0,-2-8 0,-2-6 0,-2-3 0,1-10 0,-1-3 0,0 3 0,0-1 0,1 2 0,-1 3 0,1 1 0,0 0 0,0 0 0,0 2 0,0-1 0,0 0 0,0 2 0,0-1 0,0-2 0,0 4 0,0-2 0,0-8 0,0-2 0,0 3 0,0-6 0,0 0 0,0 4 0,0-5 0,0 1 0,-2 5 0,-1 1 0,0-5 0,1 3 0,0 1 0,1 1 0,1 5 0,-1-1 0,1 1 0,-5 0 0,-1 2 0,0-1 0,2 0 0,0 2 0,2-1 0,1-1 0,0-2 0,1 3 0,1-1 0,-1 0 0,0 1 0,-2 0 0,-1-1 0,0 2 0,1-1 0,0-1 0,-4-2 0,-1 3 0,1-1 0,1-1 0,-3 3 0,0-1 0,1-2 0,2 0 0,2 2 0,-2-1 0,1-1 0,1 3 0,1-2 0,1 0 0,0-1 0,1 2 0,0-1 0,0-1 0,0 3 0,0-2 0,0 0 0,0 2 0,1-1 0,-1-1 0,0-1 0,0 2 0,-6-1 0,0-1 0,0 2 0,1 0 0,2-1 0,1-1 0,1-5 0,0-1 0,1-1 0,0 4 0,0 1 0,1 0 0,-1 3 0,0 1 0,0-1 0,0-2 0,0 3 0,0 0 0,0-2 0,0 3 0,0-1 0,0-1 0,0 2 0,0-1 0,0-1 0,-5 5 0,-12-1 0,-9 7 0,-4 0 0,-3 6 0,6-3 0,0 3 0,5 2 0,-1 4 0,0 2 0,2 2 0,-1 2 0,-2 0 0,3 0 0,-2 1 0,-1-7 0,-7-1 0,2 1 0,-1 0 0,1 2 0,3 2 0,0 0 0,0 1 0,3 1 0,0 1 0,-1-1 0,0 0 0,0 0 0,1 1 0,-2-1 0,-3 0 0,-7 0 0,0 0 0,-6 0 0,-2 0 0,2 0 0,-3 0 0,6 3 0,2 0 0,4 1 0,3-2 0,3 0 0,1 0 0,1-2 0,2 1 0,0-1 0,-2-1 0,2 1 0,-6 7 0,-2 0 0,-6 0 0,2-1 0,-4-2 0,-5-1 0,-4-2 0,4 0 0,-1 5 0,3 1 0,0 0 0,-2-2 0,3-1 0,-3-2 0,0-1 0,-4 0 0,4-1 0,3 0 0,6 0 0,-1-1 0,-4 1 0,3 0 0,-3 0 0,-4 0 0,2 0 0,-1 0 0,-10 0 0,-4 0 0,0 0 0,-1 0 0,-13 0 0,5 0 0,-6 0 0,-2 0 0,-3 0 0,2 0 0,-5 0 0,-1 0 0,3 0 0,6 0 0,4 0 0,7 0 0,4 0 0,2 0 0,1 0 0,-6 0 0,5 0 0,-6 0 0,1 0 0,-6 0 0,5 0 0,-3 0 0,3 0 0,8 0 0,-5 0 0,1 0 0,0 0 0,8 0 0,-6 0 0,1 0 0,4 0 0,2 0 0,-1 0 0,0 0 0,3 0 0,-5 0 0,5 0 0,-2 0 0,6 0 0,4 0 0,-1 0 0,5 0 0,2 0 0,2 0 0,1 0 0,3 0 0,1 0 0,0 0 0,2 0 0,-1 0 0,-6 0 0,-8 0 0,3 0 0,0-4 0,1 1 0,-1-1 0,2 1 0,-5 1 0,3 1 0,2 0 0,-4 1 0,-5 0 0,4 0 0,2 0 0,-3 0 0,-1 0 0,1 0 0,-3 1 0,4-1 0,-3 0 0,3 0 0,5 0 0,2 0 0,-4 0 0,1 0 0,3 0 0,2 0 0,0 0 0,4 0 0,0 0 0,0 0 0,2 0 0,-1 0 0,-1 0 0,-1 0 0,2 0 0,-1 0 0,0 0 0,1 0 0,0 0 0,-1 0 0,-2 0 0,3 0 0,-1 0 0,-1 0 0,3 0 0,4-7 0,-1 0 0,5 0 0</inkml:trace>
+  <inkml:trace contextRef="#ctx0" brushRef="#br0">1 0,'0'0,"4"0,6 0,10 0,10 0,2 0,7 0,3 0,3 0,-2 0,1 0,1 0,6 0,1 0,11 0,-5 0,9 0,-2 0,-7 0,-4 0,6 0,-5 0,7 0,9 0,-1 0,-7 0,-5 0,-5 0,-7 0,-2 0,-1 0,1 0,-4 0,1 0,2 0,-3 0,0 0,3 0,1 0,-3 0,2 0,10 0,-2 0,0 0,0 0,-5 0,-1 0,-1 0,-4 0,2 0,0 0,2 0,-3 0,1 0,2 0,-4 0,1 0,2 0,1 0,-3 0,2 0,-9 0,1 0,-4 0,3 0,4 0,3 0,-2 0,3 0,1 0,-2 0,0 0,3 0,-5 0,3 0,1 0,1 0,-2 0,10 0,2 0,-4 0,0 0,-2 0,-4 0,-1 0,0 0,2 0,-4 0,1 0,1 0,-4 0,2 0,2 0,2 0,-4 0,2 0,0 0,-3 0,2 0,0 0,-2 0,1 0,1 0,3 0,-4 0,2 0,0 0,-3 0,2 0,-9 0,1 0,2 0,-2 0,3 0,4 0,-3 0,3 0,2 0,-4 0,3 0,1 0,1 0,-2 0,0 0,2 0,-4 0,2 0,1 0,1 0,-8 0</inkml:trace>
 </inkml:ink>
 </file>
 
@@ -151,27 +159,26 @@
         <inkml:traceFormat>
           <inkml:channel name="X" type="integer" min="-2.14748E9" max="2.14748E9" units="cm"/>
           <inkml:channel name="Y" type="integer" min="-2.14748E9" max="2.14748E9" units="cm"/>
-          <inkml:channel name="F" type="integer" max="32767" units="dev"/>
         </inkml:traceFormat>
         <inkml:channelProperties>
           <inkml:channelProperty channel="X" name="resolution" value="1000" units="1/cm"/>
           <inkml:channelProperty channel="Y" name="resolution" value="1000" units="1/cm"/>
-          <inkml:channelProperty channel="F" name="resolution" value="0" units="1/dev"/>
         </inkml:channelProperties>
       </inkml:inkSource>
-      <inkml:timestamp xml:id="ts0" timeString="2022-06-02T09:35:00.520"/>
+      <inkml:timestamp xml:id="ts0" timeString="2022-06-03T06:06:24.433"/>
     </inkml:context>
     <inkml:brush xml:id="br0">
-      <inkml:brushProperty name="width" value="0.05" units="cm"/>
-      <inkml:brushProperty name="height" value="0.05" units="cm"/>
+      <inkml:brushProperty name="width" value="0.1" units="cm"/>
+      <inkml:brushProperty name="height" value="0.1" units="cm"/>
       <inkml:brushProperty name="color" value="#FF4E00"/>
+      <inkml:brushProperty name="ignorePressure" value="1"/>
       <inkml:brushProperty name="inkEffects" value="rainbow"/>
-      <inkml:brushProperty name="anchorX" value="-23168.85742"/>
-      <inkml:brushProperty name="anchorY" value="-15689.34277"/>
+      <inkml:brushProperty name="anchorX" value="-319988.75"/>
+      <inkml:brushProperty name="anchorY" value="-44937.08984"/>
       <inkml:brushProperty name="scaleFactor" value="0.5"/>
     </inkml:brush>
   </inkml:definitions>
-  <inkml:trace contextRef="#ctx0" brushRef="#br0">0 55 24575,'0'0'0,"0"2"0,0 2 0,0 5 0,0 4 0,0 6 0,0 2 0,0 2 0,0 9 0,3 5 0,0-3 0,0 3 0,-1 1 0,0 5 0,-1 3 0,-1 5 0,1 6 0,-1 0 0,5 3 0,1 7 0,0-6 0,-1-8 0,-2-3 0,0-8 0,-2-2 0,-1-2 0,0 1 0,0-6 0,0 1 0,0 1 0,-1-4 0,1 1 0,0-2 0,0 0 0,0-2 0,0 2 0,0 4 0,0-4 0,0-2 0,0 2 0,0-4 0,0-1 0,0 3 0,0-4 0,0 4 0,0-1 0,0-3 0,0 4 0,0 2 0,0 0 0,0 1 0,0-1 0,0 6 0,0-3 0,0 1 0,0 3 0,0-5 0,0 2 0,0-3 0,0-3 0,0-4 0,0-2 0,0 3 0,0 2 0,0-1 0,0 5 0,0 3 0,0-3 0,0-2 0,0-3 0,0-4 0,0-1 0,0-2 0,0 1 0,0-2 0,0 0 0,0 0 0,6-3 0,3-3 0,5-5 0,5-3 0,2-2 0,2-1 0,2-1 0,1-1 0,-1 0 0,1 1 0,0 1 0,-3 1 0,1 0 0,1 0 0,4-1 0,0 0 0,2 0 0,5-1 0,11 0 0,6 0 0,5 0 0,7 0 0,6 0 0,1 0 0,7 0 0,19 0 0,-10 0 0,-6 0 0,-7 0 0,-7 0 0,-9 0 0,-3 0 0,-2 0 0,-7 0 0,-5 0 0,-7 0 0,-5 0 0,-3 0 0,-4 0 0,0 0 0,1 0 0,0 0 0,-1 0 0,1 0 0,7 0 0,-3 0 0,8 0 0,5 0 0,5 0 0,-3 0 0,3 0 0,1 0 0,4 0 0,-1 0 0,10 0 0,-3 0 0,-8 0 0,-7 0 0,0 0 0,-1 0 0,-3 0 0,4 0 0,-6 0 0,-2 0 0,-3 0 0,-1 0 0,-4 0 0,-1 0 0,6 0 0,-3 0 0,1 4 0,0 0 0,3 1 0,5-2 0,0 0 0,0-1 0,1-1 0,4-1 0,4 0 0,3 0 0,4 0 0,0-1 0,1 1 0,9 0 0,1 0 0,-2 0 0,7 0 0,-1 0 0,-4 0 0,-2 0 0,6 0 0,-2 0 0,-9 0 0,3 0 0,-1 0 0,-6 0 0,-4 0 0,-1 0 0,-4 0 0,-1 0 0,-5 0 0,-2 0 0,-1 0 0,-1 0 0,-2 0 0,1 0 0,0 0 0,5 0 0,-4 0 0,4 0 0,-1 0 0,-4 0 0,-2 0 0,-2 0 0,-1 0 0,-3 0 0,0 0 0,0 0 0,-3 0 0,2 0 0,0 0 0,1 0 0,-1 0 0,0 0 0,7 0 0,-2 0 0,1 0 0,0 0 0,-4 0 0,0 0 0,0 0 0,0 0 0,-2 0 0,0 0 0,1 0 0,-2 0 0,1 0 0,1 0 0,-3 0 0,2 0 0,1 0 0,0 0 0,-1 0 0,0 0 0,2 0 0,-3 0 0,1 0 0,1 0 0,0 0 0,-1 0 0,1 0 0,0 0 0,-2 0 0,1 0 0,1 0 0,1 0 0,-3 0 0,2 0 0,0 0 0,-2 0 0,1 0 0,1 0 0,-2 0 0,1 0 0,0 0 0,2 0 0,-2 0 0,0 0 0,2 0 0,-3 0 0,1 0 0,1 0 0,0 0 0,-1 0 0,0 0 0,2 0 0,-3 0 0,1 0 0,0 0 0,-1 0 0,1 0 0,1 0 0,0 0 0,-1 0 0,1 0 0,0 0 0,-2 0 0,1 0 0,1 0 0,1 0 0,-2 0 0,0 0 0,1 0 0,-1 0 0,-6-2 0,-5-7 0,-5-4 0,-3-4 0,-3-1 0,-2-1 0,-1-2 0,0 1 0,0 0 0,0 1 0,1-1 0,-1 3 0,1-2 0,0 0 0,0 2 0,0-1 0,0 0 0,0-2 0,0 2 0,0 0 0,0-1 0,0 1 0,0 0 0,0-1 0,0 0 0,0 0 0,0 1 0,0-1 0,0 1 0,0 0 0,0-1 0,0 2 0,0-1 0,0-1 0,0 0 0,0 1 0,0-1 0,0 0 0,0 1 0,0-4 0,0-1 0,0 1 0,0 0 0,0-3 0,0 1 0,0-4 0,0 1 0,0-1 0,0 0 0,0 1 0,0 0 0,0 1 0,-5 1 0,-1 1 0,0 4 0,1-1 0,1 2 0,2 1 0,1-4 0,0-1 0,1 2 0,0 0 0,0-5 0,1 1 0,-1 1 0,0 1 0,0 2 0,0 2 0,0 0 0,0 0 0,0 2 0,0-1 0,0-1 0,0 0 0,0-3 0,-5 3 0,-1 0 0,0 0 0,1 2 0,2-1 0,1 0 0,0 1 0,2-1 0,0-1 0,0 0 0,0 1 0,0-1 0,1 0 0,-1 1 0,0 0 0,0 0 0,0-2 0,0 2 0,0-1 0,0 0 0,0 2 0,-3 3 0,0-1 0,1 0 0,-1 1 0,2-2 0,-1-1 0,2-2 0,0 1 0,0-1 0,0 0 0,0 1 0,0 0 0,0-1 0,0-1 0,0 2 0,0 0 0,0-1 0,0 1 0,0 0 0,0-1 0,0 2 0,0-1 0,0-1 0,0 0 0,0 0 0,0 1 0,-6 3 0,-5 4 0,-7 4 0,-1 3 0,-4 2 0,-2 1 0,1 2 0,-1 0 0,0-1 0,-2 1 0,3-1 0,-7 1 0,0-1 0,2 0 0,0 0 0,7 2 0,0 0 0,2 1 0,0-1 0,-2-1 0,-1 0 0,0-1 0,-1 0 0,-1 0 0,2 0 0,-1 0 0,-1 0 0,2 0 0,-1 0 0,0 0 0,-2 0 0,2 0 0,-6 0 0,-1 0 0,2 0 0,-6 0 0,1 0 0,-3 0 0,2 0 0,-5 0 0,-2 0 0,-4 0 0,-3 0 0,-3 0 0,-3 0 0,4 0 0,3 0 0,5 0 0,2 0 0,3 0 0,-2 0 0,-3 0 0,-4 0 0,-2 0 0,-2 0 0,-10 0 0,0 0 0,-9 0 0,0 0 0,2 0 0,-4 0 0,2 0 0,4 0 0,5 0 0,3 0 0,1 0 0,-7 0 0,3 0 0,0 0 0,1 0 0,0 0 0,2 0 0,-5 0 0,0 0 0,6 0 0,4 0 0,2-2 0,-1-1 0,0 1 0,-1 0 0,-2 1 0,-1 0 0,-6 1 0,-1-1 0,-5 1 0,0 1 0,-5-1 0,3 0 0,-6 0 0,2 0 0,7 0 0,-6 0 0,4 0 0,2 0 0,6 0 0,3 0 0,1 0 0,2 0 0,5 0 0,3 0 0,6 0 0,-2 0 0,7 0 0,3-4 0,-4-1 0,-1 1 0,-4 0 0,0 2 0,-3 0 0,0 1 0,3 1 0,-9 0 0,-2 0 0,-3 0 0,7 0 0,-6 0 0,-1 0 0,-1 0 0,0 0 0,-1-4 0,-5 0 0,5-1 0,3 1 0,7 2 0,1-4 0,0 0 0,6 1 0,4 2 0,-3 0 0,7 2 0,1-4 0,-4 0 0,4 1 0,1 0 0,2 2 0,5-2 0,2 1 0,2 1 0,0 0 0,-2 1 0,1 0 0,-1 1 0,-2 0 0,-1 0 0,4-4 0,2-1 0,-1 1 0,-1 1 0,1 0 0,-2 1 0,-1 2 0,-2-1 0,1 1 0,-1 0 0,0 0 0,2 1 0,-2-1 0,1 0 0,1 0 0,-1 0 0,-1 0 0,0 0 0,1 0 0,-1 0 0,0 0 0,2 0 0,4 0 0</inkml:trace>
+  <inkml:trace contextRef="#ctx0" brushRef="#br0">2951 1,'0'0,"-8"0,-6 0,-8 0,-16 0,-3 0,-3 0,-2 0,5 0,-9 0,0 0,4 0,1 0,2 0,1 0,4 0,8 0,1 0,-2 0,2 0,-3 0,-3 0,-2 0,1 0,-2 0,0 0,2 0,-1 0,-1 0,3 0,-2 0,-1 0,-1 0,2 0,0 0,-2 0,4 0,-2 0,-1 0,-1 0,2 0,0 0,-2 0,3 0,0 0,-2 0,3 0,-1 0,-2 0,-1 0,2 0,0 0,-2 0,4 0,-2 0,-1 0,-1 0,2 0,0 0,-2 0,4 0,-2 0,-1 0,-1 0,2 0,0 0,-2 0,4 0,-2 0,-1 0,3 0,-1 0,-2 0,-1 0,2 0,0 0,-2 0,4 0,-2 0,-1 0,12 0,16 0,12 0,6 0,11 0,8 0,4 0,3 0,5 0,1 0,-2 0,1 0,1 0,-4 0,2 0,0 0,-3 0,1 0,2 0,1 0,-3 0,2 0,0 0,-2 0,1 0,0 0,3 0,-3 0,0 0,2 0,-4 0,2 0,1 0,1 0,-3 0,2 0,0 0,-2 0,1 0,0 0,7 0,10 0,10 0,10 0,6 0,-8 0,2 0,1 0,4 0,-7 0,-1 0,-8 0,-6 0,-1 0,-3 0,13 0,-1 0,-6 0,4 0,-4 0,-8 0,-4 0,6 0,-6 0,-1 0,-2 0,0 0,-5 0,0 0,-1 0,-2 0,0 0,-8 0,2 0,-2 0,1 0,4 0,4 0,-2 0,2 0,1 0,-2 0,1 0,2 0,0 0,-2 0,0 0,2 0,-3 0,0 0,2 0,1 0,-2 0,1 0,0 0,-2 0,0 0,2 0,-3 0,1 0,2 0,1 0,-2 0,1 0,0 0,-2 0,0 0,2 0,2 0,-4 0,1 0,2 0,-4 0,2 0,1 0,-3 0,-16 0,-17 0,-11 0,-14 0,-9 0,-2 0,-5 0,-1 0,-3 0,4 0,0 0,-1 0,4 0,-1 0,-1 0,-1 0,2 0,-9 0,-1 0,3 0,0 0,-8 0,4 0,1 0,2 0,-4 0,-9 0,1 0,1 0,7 0,3 0,3 0,5 0,1 0,-1 0,-5 0,-10 0,-2 0,0 0,6 0,3 0,2 0,2 0,4 0,1 0,-1 0,3 0,-1 0,-1 0,-2 0,3 0,-2 0,0 0,7 0,3 0,-1 0,6 0</inkml:trace>
 </inkml:ink>
 </file>
 
@@ -183,27 +190,26 @@
         <inkml:traceFormat>
           <inkml:channel name="X" type="integer" min="-2.14748E9" max="2.14748E9" units="cm"/>
           <inkml:channel name="Y" type="integer" min="-2.14748E9" max="2.14748E9" units="cm"/>
-          <inkml:channel name="F" type="integer" max="32767" units="dev"/>
         </inkml:traceFormat>
         <inkml:channelProperties>
           <inkml:channelProperty channel="X" name="resolution" value="1000" units="1/cm"/>
           <inkml:channelProperty channel="Y" name="resolution" value="1000" units="1/cm"/>
-          <inkml:channelProperty channel="F" name="resolution" value="0" units="1/dev"/>
         </inkml:channelProperties>
       </inkml:inkSource>
-      <inkml:timestamp xml:id="ts0" timeString="2022-06-02T10:06:37.017"/>
+      <inkml:timestamp xml:id="ts0" timeString="2022-06-03T06:06:39.155"/>
     </inkml:context>
     <inkml:brush xml:id="br0">
       <inkml:brushProperty name="width" value="0.1" units="cm"/>
       <inkml:brushProperty name="height" value="0.1" units="cm"/>
       <inkml:brushProperty name="color" value="#FF4E00"/>
+      <inkml:brushProperty name="ignorePressure" value="1"/>
       <inkml:brushProperty name="inkEffects" value="rainbow"/>
-      <inkml:brushProperty name="anchorX" value="0"/>
-      <inkml:brushProperty name="anchorY" value="0"/>
+      <inkml:brushProperty name="anchorX" value="-318661.6875"/>
+      <inkml:brushProperty name="anchorY" value="-44090.42188"/>
       <inkml:brushProperty name="scaleFactor" value="0.5"/>
     </inkml:brush>
   </inkml:definitions>
-  <inkml:trace contextRef="#ctx0" brushRef="#br0">0 53 24575,'0'0'0,"4"0"0,12 0 0,4 0 0,9 0 0,7 0 0,7 0 0,-2 0 0,3 0 0,1 0 0,-3 0 0,0 0 0,2 0 0,-4 0 0,21 0 0,12 0 0,1 0 0,-6 0 0,5 0 0,4 0-3823,-4 0 1093,1 0 3007,4 0-746,-4 0 430,-1 0 39,-6-10 0,5-1 0,-4 1 3823,1 2-1092,-4 2-3008,-5 2 746,2 1-431,-4 3-38,8-1 0,-7 2 0,8-1 0,-3 1 0,-7-1 0,5 0 0,-1 0 0,-8 1 0,-2-1 0,-2 0 0,-6 0 0,-1 0 0,0 0 0,2 0 0,-3 0 0,0 0 0,2 0 0,-3 0 0,1 0 0,2 0 0,-4 0 0,2 0 0,2 0 0,1 0 0,-2 0 0,0 0 0,2 0 0,-4 0 0,1 0 0,2 0 0,2 0 0,-4 0 0,2 0 0,-10 0 0</inkml:trace>
+  <inkml:trace contextRef="#ctx0" brushRef="#br0">523 1,'0'0,"-7"3,-9 7,-4 1,-5 4,-5 2,2-1,-2 2,2-2,1-1,0 1,0-1,2 0,-2 1,-1 0,-7 4,-1 1,0-1,0 1,12-7,24-14,-1 1,1-1,-1 0,0 1,1-1,-1 0,0 1,1-1,-1 1,0-1,1 0,-1 1,1-1,-1 0,1 0,-1 1,1-1,0 0,0 0,0 0,0 0,0 0,0 0,0 0,0 0,0 0,0 0,0 0,1 0,-1-1,0 1,0 0,0 0,1 0,-1 0,0 0,1-1,-1 1,0 0,1 0,0-1,11-6,7-4,5-3,3-1,3-3,-3 3,-1 0,1-1,-2 2,0-1,2 0,2-2,3-1,2-2,-5 3</inkml:trace>
 </inkml:ink>
 </file>
 
@@ -215,27 +221,26 @@
         <inkml:traceFormat>
           <inkml:channel name="X" type="integer" min="-2.14748E9" max="2.14748E9" units="cm"/>
           <inkml:channel name="Y" type="integer" min="-2.14748E9" max="2.14748E9" units="cm"/>
-          <inkml:channel name="F" type="integer" max="32767" units="dev"/>
         </inkml:traceFormat>
         <inkml:channelProperties>
           <inkml:channelProperty channel="X" name="resolution" value="1000" units="1/cm"/>
           <inkml:channelProperty channel="Y" name="resolution" value="1000" units="1/cm"/>
-          <inkml:channelProperty channel="F" name="resolution" value="0" units="1/dev"/>
         </inkml:channelProperties>
       </inkml:inkSource>
-      <inkml:timestamp xml:id="ts0" timeString="2022-06-02T10:06:54.621"/>
+      <inkml:timestamp xml:id="ts0" timeString="2022-06-03T06:07:11.699"/>
     </inkml:context>
     <inkml:brush xml:id="br0">
       <inkml:brushProperty name="width" value="0.1" units="cm"/>
       <inkml:brushProperty name="height" value="0.1" units="cm"/>
       <inkml:brushProperty name="color" value="#FF4E00"/>
+      <inkml:brushProperty name="ignorePressure" value="1"/>
       <inkml:brushProperty name="inkEffects" value="rainbow"/>
-      <inkml:brushProperty name="anchorX" value="-3321.92261"/>
-      <inkml:brushProperty name="anchorY" value="-1277.53247"/>
+      <inkml:brushProperty name="anchorX" value="-316158.375"/>
+      <inkml:brushProperty name="anchorY" value="-42072.80078"/>
       <inkml:brushProperty name="scaleFactor" value="0.5"/>
     </inkml:brush>
   </inkml:definitions>
-  <inkml:trace contextRef="#ctx0" brushRef="#br0">0 0 24575,'0'0'0,"4"0"0,12 0 0,-1 10 0,4 1 0,-3 9 0,7-2 0,-3 4 0,-5 5 0,6-4 0,-3 6 0,-10-6 0,-8-22 0,0 0 0,0 0 0,0 0 0,0 1 0,0-1 0,0 0 0,-1 0 0,1 0 0,0 0 0,0 0 0,-1 0 0,1 0 0,-1 0 0,1 0 0,-2 2 0,-7 15 0,-2 4 0,1 7 0,2 7 0,3 0 0,-4 4 0,-7 4 0,0-4 0,-8-7 0,3-10 0</inkml:trace>
+  <inkml:trace contextRef="#ctx0" brushRef="#br0">536 310,'0'0,"-3"-2,-5-3,-7-3,-7-5,-6-3,-1-1,-3-1,-1-2,2 2,-1 0,-2-1,4 1,-1 0,-1 0,-2-2,3 2,-1 0,0-1,5 4,8 3</inkml:trace>
 </inkml:ink>
 </file>
 
@@ -247,27 +252,119 @@
         <inkml:traceFormat>
           <inkml:channel name="X" type="integer" min="-2.14748E9" max="2.14748E9" units="cm"/>
           <inkml:channel name="Y" type="integer" min="-2.14748E9" max="2.14748E9" units="cm"/>
-          <inkml:channel name="F" type="integer" max="32767" units="dev"/>
         </inkml:traceFormat>
         <inkml:channelProperties>
           <inkml:channelProperty channel="X" name="resolution" value="1000" units="1/cm"/>
           <inkml:channelProperty channel="Y" name="resolution" value="1000" units="1/cm"/>
-          <inkml:channelProperty channel="F" name="resolution" value="0" units="1/dev"/>
         </inkml:channelProperties>
       </inkml:inkSource>
-      <inkml:timestamp xml:id="ts0" timeString="2022-06-02T10:24:50.405"/>
+      <inkml:timestamp xml:id="ts0" timeString="2022-06-03T06:07:27.298"/>
     </inkml:context>
     <inkml:brush xml:id="br0">
       <inkml:brushProperty name="width" value="0.1" units="cm"/>
       <inkml:brushProperty name="height" value="0.1" units="cm"/>
       <inkml:brushProperty name="color" value="#FF4E00"/>
+      <inkml:brushProperty name="ignorePressure" value="1"/>
       <inkml:brushProperty name="inkEffects" value="rainbow"/>
-      <inkml:brushProperty name="anchorX" value="-4209.34277"/>
-      <inkml:brushProperty name="anchorY" value="-2647.08765"/>
+      <inkml:brushProperty name="anchorX" value="-314776.21875"/>
+      <inkml:brushProperty name="anchorY" value="-40916.95703"/>
       <inkml:brushProperty name="scaleFactor" value="0.5"/>
     </inkml:brush>
   </inkml:definitions>
-  <inkml:trace contextRef="#ctx0" brushRef="#br0">1 1 24575,'0'0'0</inkml:trace>
+  <inkml:trace contextRef="#ctx0" brushRef="#br0">1 1,'0'0,"0"4,0 11,0 5,0 10,0 16,0 1,0 5,0 0,0-5,0-1,0 0,0-5,0 1,0 1,0 1,0-3,0 1,0 1,0-3,0 2,0 0,0 3,0-4,0 1,0 2,0-4,0 2,0 0,0 3,0-4,0 1,0 2,0-4,0 2,0 0,0-2,0 1,0 1,0 3,0-4,0 1,0 2,0-4,0 1,0 2,0 2,0-4,0 2,0 0,0-3,0 2,0 0,0-2,0 1,0 1,0 3,0-4,0 2,0 0,0-2,0 0,0 2,0 1,0-3,0 1,0 2,0-4,0 2,0 1,0-4,0 2,0 2,0 1,0-8,0-8</inkml:trace>
+</inkml:ink>
+</file>
+
+<file path=ppt/ink/ink6.xml><?xml version="1.0" encoding="utf-8"?>
+<inkml:ink xmlns:inkml="http://www.w3.org/2003/InkML">
+  <inkml:definitions>
+    <inkml:context xml:id="ctx0">
+      <inkml:inkSource xml:id="inkSrc0">
+        <inkml:traceFormat>
+          <inkml:channel name="X" type="integer" min="-2.14748E9" max="2.14748E9" units="cm"/>
+          <inkml:channel name="Y" type="integer" min="-2.14748E9" max="2.14748E9" units="cm"/>
+        </inkml:traceFormat>
+        <inkml:channelProperties>
+          <inkml:channelProperty channel="X" name="resolution" value="1000" units="1/cm"/>
+          <inkml:channelProperty channel="Y" name="resolution" value="1000" units="1/cm"/>
+        </inkml:channelProperties>
+      </inkml:inkSource>
+      <inkml:timestamp xml:id="ts0" timeString="2022-06-03T06:08:20.188"/>
+    </inkml:context>
+    <inkml:brush xml:id="br0">
+      <inkml:brushProperty name="width" value="0.1" units="cm"/>
+      <inkml:brushProperty name="height" value="0.1" units="cm"/>
+      <inkml:brushProperty name="color" value="#FF4E00"/>
+      <inkml:brushProperty name="ignorePressure" value="1"/>
+      <inkml:brushProperty name="inkEffects" value="rainbow"/>
+      <inkml:brushProperty name="anchorX" value="-244461.5625"/>
+      <inkml:brushProperty name="anchorY" value="-112953.10938"/>
+      <inkml:brushProperty name="scaleFactor" value="0.5"/>
+    </inkml:brush>
+  </inkml:definitions>
+  <inkml:trace contextRef="#ctx0" brushRef="#br0">1 1,'0'0,"4"0,7 0,9 0,9 0,-1 0,0 0,4 0,4 0,-10 0,-2 0,3 0,-1 0,6 0,-6 0,5 0,-2 0,-4 0,2 0,5 0,-4 0,3 0,-1 0,-6 0,4 0,4 0,0 0,4 0,4 0,-6 0</inkml:trace>
+</inkml:ink>
+</file>
+
+<file path=ppt/ink/ink7.xml><?xml version="1.0" encoding="utf-8"?>
+<inkml:ink xmlns:inkml="http://www.w3.org/2003/InkML">
+  <inkml:definitions>
+    <inkml:context xml:id="ctx0">
+      <inkml:inkSource xml:id="inkSrc0">
+        <inkml:traceFormat>
+          <inkml:channel name="X" type="integer" min="-2.14748E9" max="2.14748E9" units="cm"/>
+          <inkml:channel name="Y" type="integer" min="-2.14748E9" max="2.14748E9" units="cm"/>
+        </inkml:traceFormat>
+        <inkml:channelProperties>
+          <inkml:channelProperty channel="X" name="resolution" value="1000" units="1/cm"/>
+          <inkml:channelProperty channel="Y" name="resolution" value="1000" units="1/cm"/>
+        </inkml:channelProperties>
+      </inkml:inkSource>
+      <inkml:timestamp xml:id="ts0" timeString="2022-06-03T06:08:29.259"/>
+    </inkml:context>
+    <inkml:brush xml:id="br0">
+      <inkml:brushProperty name="width" value="0.1" units="cm"/>
+      <inkml:brushProperty name="height" value="0.1" units="cm"/>
+      <inkml:brushProperty name="color" value="#FF4E00"/>
+      <inkml:brushProperty name="ignorePressure" value="1"/>
+      <inkml:brushProperty name="inkEffects" value="rainbow"/>
+      <inkml:brushProperty name="anchorX" value="-318661.6875"/>
+      <inkml:brushProperty name="anchorY" value="-44090.42188"/>
+      <inkml:brushProperty name="scaleFactor" value="0.5"/>
+    </inkml:brush>
+  </inkml:definitions>
+  <inkml:trace contextRef="#ctx0" brushRef="#br0">523 1,'0'0,"-7"3,-9 7,-4 1,-5 4,-5 2,2-1,-2 2,2-2,1-1,0 1,0-1,2 0,-2 1,-1 0,-7 4,-1 1,0-1,0 1,12-7,24-14,-1 1,1-1,-1 0,0 1,1-1,-1 0,0 1,1-1,-1 1,0-1,1 0,-1 1,1-1,-1 0,1 0,-1 1,1-1,0 0,0 0,0 0,0 0,0 0,0 0,0 0,0 0,0 0,0 0,0 0,1 0,-1-1,0 1,0 0,0 0,1 0,-1 0,0 0,1-1,-1 1,0 0,1 0,0-1,11-6,7-4,5-3,3-1,3-3,-3 3,-1 0,1-1,-2 2,0-1,2 0,2-2,3-1,2-2,-5 3</inkml:trace>
+</inkml:ink>
+</file>
+
+<file path=ppt/ink/ink8.xml><?xml version="1.0" encoding="utf-8"?>
+<inkml:ink xmlns:inkml="http://www.w3.org/2003/InkML">
+  <inkml:definitions>
+    <inkml:context xml:id="ctx0">
+      <inkml:inkSource xml:id="inkSrc0">
+        <inkml:traceFormat>
+          <inkml:channel name="X" type="integer" min="-2.14748E9" max="2.14748E9" units="cm"/>
+          <inkml:channel name="Y" type="integer" min="-2.14748E9" max="2.14748E9" units="cm"/>
+        </inkml:traceFormat>
+        <inkml:channelProperties>
+          <inkml:channelProperty channel="X" name="resolution" value="1000" units="1/cm"/>
+          <inkml:channelProperty channel="Y" name="resolution" value="1000" units="1/cm"/>
+        </inkml:channelProperties>
+      </inkml:inkSource>
+      <inkml:timestamp xml:id="ts0" timeString="2022-06-03T06:08:29.260"/>
+    </inkml:context>
+    <inkml:brush xml:id="br0">
+      <inkml:brushProperty name="width" value="0.1" units="cm"/>
+      <inkml:brushProperty name="height" value="0.1" units="cm"/>
+      <inkml:brushProperty name="color" value="#FF4E00"/>
+      <inkml:brushProperty name="ignorePressure" value="1"/>
+      <inkml:brushProperty name="inkEffects" value="rainbow"/>
+      <inkml:brushProperty name="anchorX" value="-316158.375"/>
+      <inkml:brushProperty name="anchorY" value="-42072.80078"/>
+      <inkml:brushProperty name="scaleFactor" value="0.5"/>
+    </inkml:brush>
+  </inkml:definitions>
+  <inkml:trace contextRef="#ctx0" brushRef="#br0">536 310,'0'0,"-3"-2,-5-3,-7-3,-7-5,-6-3,-1-1,-3-1,-1-2,2 2,-1 0,-2-1,4 1,-1 0,-1 0,-2-2,3 2,-1 0,0-1,5 4,8 3</inkml:trace>
 </inkml:ink>
 </file>
 
@@ -418,7 +515,7 @@
           <a:p>
             <a:fld id="{C90A5AA3-003B-4792-9309-656A3D43AED1}" type="datetimeFigureOut">
               <a:rPr lang="zh-TW" altLang="en-US" smtClean="0"/>
-              <a:t>2022/6/2</a:t>
+              <a:t>2022/6/4</a:t>
             </a:fld>
             <a:endParaRPr lang="zh-TW" altLang="en-US"/>
           </a:p>
@@ -616,7 +713,7 @@
           <a:p>
             <a:fld id="{C90A5AA3-003B-4792-9309-656A3D43AED1}" type="datetimeFigureOut">
               <a:rPr lang="zh-TW" altLang="en-US" smtClean="0"/>
-              <a:t>2022/6/2</a:t>
+              <a:t>2022/6/4</a:t>
             </a:fld>
             <a:endParaRPr lang="zh-TW" altLang="en-US"/>
           </a:p>
@@ -824,7 +921,7 @@
           <a:p>
             <a:fld id="{C90A5AA3-003B-4792-9309-656A3D43AED1}" type="datetimeFigureOut">
               <a:rPr lang="zh-TW" altLang="en-US" smtClean="0"/>
-              <a:t>2022/6/2</a:t>
+              <a:t>2022/6/4</a:t>
             </a:fld>
             <a:endParaRPr lang="zh-TW" altLang="en-US"/>
           </a:p>
@@ -1022,7 +1119,7 @@
           <a:p>
             <a:fld id="{C90A5AA3-003B-4792-9309-656A3D43AED1}" type="datetimeFigureOut">
               <a:rPr lang="zh-TW" altLang="en-US" smtClean="0"/>
-              <a:t>2022/6/2</a:t>
+              <a:t>2022/6/4</a:t>
             </a:fld>
             <a:endParaRPr lang="zh-TW" altLang="en-US"/>
           </a:p>
@@ -1297,7 +1394,7 @@
           <a:p>
             <a:fld id="{C90A5AA3-003B-4792-9309-656A3D43AED1}" type="datetimeFigureOut">
               <a:rPr lang="zh-TW" altLang="en-US" smtClean="0"/>
-              <a:t>2022/6/2</a:t>
+              <a:t>2022/6/4</a:t>
             </a:fld>
             <a:endParaRPr lang="zh-TW" altLang="en-US"/>
           </a:p>
@@ -1562,7 +1659,7 @@
           <a:p>
             <a:fld id="{C90A5AA3-003B-4792-9309-656A3D43AED1}" type="datetimeFigureOut">
               <a:rPr lang="zh-TW" altLang="en-US" smtClean="0"/>
-              <a:t>2022/6/2</a:t>
+              <a:t>2022/6/4</a:t>
             </a:fld>
             <a:endParaRPr lang="zh-TW" altLang="en-US"/>
           </a:p>
@@ -1974,7 +2071,7 @@
           <a:p>
             <a:fld id="{C90A5AA3-003B-4792-9309-656A3D43AED1}" type="datetimeFigureOut">
               <a:rPr lang="zh-TW" altLang="en-US" smtClean="0"/>
-              <a:t>2022/6/2</a:t>
+              <a:t>2022/6/4</a:t>
             </a:fld>
             <a:endParaRPr lang="zh-TW" altLang="en-US"/>
           </a:p>
@@ -2115,7 +2212,7 @@
           <a:p>
             <a:fld id="{C90A5AA3-003B-4792-9309-656A3D43AED1}" type="datetimeFigureOut">
               <a:rPr lang="zh-TW" altLang="en-US" smtClean="0"/>
-              <a:t>2022/6/2</a:t>
+              <a:t>2022/6/4</a:t>
             </a:fld>
             <a:endParaRPr lang="zh-TW" altLang="en-US"/>
           </a:p>
@@ -2228,7 +2325,7 @@
           <a:p>
             <a:fld id="{C90A5AA3-003B-4792-9309-656A3D43AED1}" type="datetimeFigureOut">
               <a:rPr lang="zh-TW" altLang="en-US" smtClean="0"/>
-              <a:t>2022/6/2</a:t>
+              <a:t>2022/6/4</a:t>
             </a:fld>
             <a:endParaRPr lang="zh-TW" altLang="en-US"/>
           </a:p>
@@ -2539,7 +2636,7 @@
           <a:p>
             <a:fld id="{C90A5AA3-003B-4792-9309-656A3D43AED1}" type="datetimeFigureOut">
               <a:rPr lang="zh-TW" altLang="en-US" smtClean="0"/>
-              <a:t>2022/6/2</a:t>
+              <a:t>2022/6/4</a:t>
             </a:fld>
             <a:endParaRPr lang="zh-TW" altLang="en-US"/>
           </a:p>
@@ -2827,7 +2924,7 @@
           <a:p>
             <a:fld id="{C90A5AA3-003B-4792-9309-656A3D43AED1}" type="datetimeFigureOut">
               <a:rPr lang="zh-TW" altLang="en-US" smtClean="0"/>
-              <a:t>2022/6/2</a:t>
+              <a:t>2022/6/4</a:t>
             </a:fld>
             <a:endParaRPr lang="zh-TW" altLang="en-US"/>
           </a:p>
@@ -3068,7 +3165,7 @@
           <a:p>
             <a:fld id="{C90A5AA3-003B-4792-9309-656A3D43AED1}" type="datetimeFigureOut">
               <a:rPr lang="zh-TW" altLang="en-US" smtClean="0"/>
-              <a:t>2022/6/2</a:t>
+              <a:t>2022/6/4</a:t>
             </a:fld>
             <a:endParaRPr lang="zh-TW" altLang="en-US"/>
           </a:p>
@@ -3506,7 +3603,18 @@
           <a:bodyPr/>
           <a:lstStyle/>
           <a:p>
-            <a:endParaRPr lang="zh-TW" altLang="en-US" dirty="0"/>
+            <a:r>
+              <a:rPr lang="zh-TW" altLang="en-US" dirty="0"/>
+              <a:t>危險聲音</a:t>
+            </a:r>
+            <a:r>
+              <a:rPr lang="en-US" altLang="zh-TW" dirty="0"/>
+              <a:t>&amp;</a:t>
+            </a:r>
+            <a:r>
+              <a:rPr lang="zh-TW" altLang="en-US" dirty="0"/>
+              <a:t>語音辨識</a:t>
+            </a:r>
           </a:p>
         </p:txBody>
       </p:sp>
@@ -3671,7 +3779,7 @@
             </a:r>
             <a:r>
               <a:rPr lang="en-US" altLang="zh-TW" dirty="0"/>
-              <a:t>		(2.9.1)</a:t>
+              <a:t>	(2.9.1)</a:t>
             </a:r>
           </a:p>
           <a:p>
@@ -4071,188 +4179,508 @@
           <a:p>
             <a:r>
               <a:rPr lang="zh-TW" altLang="en-US" dirty="0"/>
-              <a:t>架構</a:t>
-            </a:r>
-          </a:p>
-        </p:txBody>
-      </p:sp>
-      <p:sp>
-        <p:nvSpPr>
-          <p:cNvPr id="3" name="內容版面配置區 2">
-            <a:extLst>
-              <a:ext uri="{FF2B5EF4-FFF2-40B4-BE49-F238E27FC236}">
-                <a16:creationId xmlns:a16="http://schemas.microsoft.com/office/drawing/2014/main" id="{2B3BDAE4-4158-1154-658E-A9664B7A7255}"/>
-              </a:ext>
-            </a:extLst>
-          </p:cNvPr>
-          <p:cNvSpPr>
-            <a:spLocks noGrp="1"/>
-          </p:cNvSpPr>
+              <a:t>檔案資料夾</a:t>
+            </a:r>
+          </a:p>
+        </p:txBody>
+      </p:sp>
+      <p:pic>
+        <p:nvPicPr>
+          <p:cNvPr id="7" name="內容版面配置區 6">
+            <a:extLst>
+              <a:ext uri="{FF2B5EF4-FFF2-40B4-BE49-F238E27FC236}">
+                <a16:creationId xmlns:a16="http://schemas.microsoft.com/office/drawing/2014/main" id="{D6AB0FA8-6430-1E54-9406-FE637A445AE7}"/>
+              </a:ext>
+            </a:extLst>
+          </p:cNvPr>
+          <p:cNvPicPr>
+            <a:picLocks noGrp="1" noChangeAspect="1"/>
+          </p:cNvPicPr>
           <p:nvPr>
             <p:ph idx="1"/>
           </p:nvPr>
-        </p:nvSpPr>
-        <p:spPr/>
-        <p:txBody>
-          <a:bodyPr/>
-          <a:lstStyle/>
-          <a:p>
-            <a:endParaRPr lang="zh-TW" altLang="en-US" dirty="0"/>
-          </a:p>
-        </p:txBody>
-      </p:sp>
-      <p:grpSp>
-        <p:nvGrpSpPr>
-          <p:cNvPr id="95" name="群組 94">
-            <a:extLst>
-              <a:ext uri="{FF2B5EF4-FFF2-40B4-BE49-F238E27FC236}">
-                <a16:creationId xmlns:a16="http://schemas.microsoft.com/office/drawing/2014/main" id="{96285883-90D6-750D-A8CC-1516B2D2D3F4}"/>
-              </a:ext>
-            </a:extLst>
-          </p:cNvPr>
-          <p:cNvGrpSpPr/>
+        </p:nvPicPr>
+        <p:blipFill>
+          <a:blip r:embed="rId2"/>
+          <a:stretch>
+            <a:fillRect/>
+          </a:stretch>
+        </p:blipFill>
+        <p:spPr>
+          <a:xfrm>
+            <a:off x="8277822" y="1118791"/>
+            <a:ext cx="1000630" cy="1953612"/>
+          </a:xfrm>
+        </p:spPr>
+      </p:pic>
+      <p:pic>
+        <p:nvPicPr>
+          <p:cNvPr id="5" name="圖片 4">
+            <a:extLst>
+              <a:ext uri="{FF2B5EF4-FFF2-40B4-BE49-F238E27FC236}">
+                <a16:creationId xmlns:a16="http://schemas.microsoft.com/office/drawing/2014/main" id="{204DEDF7-F0D7-074A-C0E0-B8EA89AF807E}"/>
+              </a:ext>
+            </a:extLst>
+          </p:cNvPr>
+          <p:cNvPicPr>
+            <a:picLocks noChangeAspect="1"/>
+          </p:cNvPicPr>
           <p:nvPr/>
-        </p:nvGrpSpPr>
-        <p:grpSpPr>
+        </p:nvPicPr>
+        <p:blipFill>
+          <a:blip r:embed="rId3"/>
+          <a:stretch>
+            <a:fillRect/>
+          </a:stretch>
+        </p:blipFill>
+        <p:spPr>
           <a:xfrm>
             <a:off x="838200" y="1825625"/>
-            <a:ext cx="6638895" cy="2210108"/>
-            <a:chOff x="5150651" y="4001294"/>
-            <a:chExt cx="6638895" cy="2210108"/>
-          </a:xfrm>
-        </p:grpSpPr>
-        <p:pic>
-          <p:nvPicPr>
-            <p:cNvPr id="93" name="圖片 92">
-              <a:extLst>
-                <a:ext uri="{FF2B5EF4-FFF2-40B4-BE49-F238E27FC236}">
-                  <a16:creationId xmlns:a16="http://schemas.microsoft.com/office/drawing/2014/main" id="{31BD1050-39B0-4138-B90B-D765FC3AD08F}"/>
-                </a:ext>
-              </a:extLst>
-            </p:cNvPr>
-            <p:cNvPicPr>
-              <a:picLocks noChangeAspect="1"/>
-            </p:cNvPicPr>
-            <p:nvPr/>
-          </p:nvPicPr>
-          <p:blipFill rotWithShape="1">
-            <a:blip r:embed="rId2"/>
-            <a:srcRect r="7695"/>
-            <a:stretch/>
-          </p:blipFill>
-          <p:spPr>
-            <a:xfrm>
-              <a:off x="5150651" y="4001294"/>
-              <a:ext cx="6638895" cy="2210108"/>
-            </a:xfrm>
-            <a:prstGeom prst="rect">
-              <a:avLst/>
-            </a:prstGeom>
-          </p:spPr>
-        </p:pic>
-        <mc:AlternateContent xmlns:mc="http://schemas.openxmlformats.org/markup-compatibility/2006">
-          <mc:Choice xmlns:p14="http://schemas.microsoft.com/office/powerpoint/2010/main" xmlns:aink="http://schemas.microsoft.com/office/drawing/2016/ink" Requires="p14 aink">
-            <p:contentPart p14:bwMode="auto" r:id="rId3">
-              <p14:nvContentPartPr>
-                <p14:cNvPr id="89" name="筆跡 88">
-                  <a:extLst>
-                    <a:ext uri="{FF2B5EF4-FFF2-40B4-BE49-F238E27FC236}">
-                      <a16:creationId xmlns:a16="http://schemas.microsoft.com/office/drawing/2014/main" id="{92E67537-57EC-FE63-0448-3B446CA7C79A}"/>
-                    </a:ext>
-                  </a:extLst>
-                </p14:cNvPr>
-                <p14:cNvContentPartPr/>
-                <p14:nvPr/>
-              </p14:nvContentPartPr>
-              <p14:xfrm>
-                <a:off x="5236735" y="4028945"/>
-                <a:ext cx="2476172" cy="1217185"/>
-              </p14:xfrm>
-            </p:contentPart>
-          </mc:Choice>
-          <mc:Fallback>
-            <p:pic>
-              <p:nvPicPr>
-                <p:cNvPr id="89" name="筆跡 88">
-                  <a:extLst>
-                    <a:ext uri="{FF2B5EF4-FFF2-40B4-BE49-F238E27FC236}">
-                      <a16:creationId xmlns:a16="http://schemas.microsoft.com/office/drawing/2014/main" id="{92E67537-57EC-FE63-0448-3B446CA7C79A}"/>
-                    </a:ext>
-                  </a:extLst>
-                </p:cNvPr>
-                <p:cNvPicPr/>
-                <p:nvPr/>
-              </p:nvPicPr>
-              <p:blipFill>
-                <a:blip r:embed="rId4"/>
-                <a:stretch>
-                  <a:fillRect/>
-                </a:stretch>
-              </p:blipFill>
-              <p:spPr>
-                <a:xfrm>
-                  <a:off x="5228095" y="4019945"/>
-                  <a:ext cx="2493813" cy="1234825"/>
-                </a:xfrm>
-                <a:prstGeom prst="rect">
-                  <a:avLst/>
-                </a:prstGeom>
-              </p:spPr>
-            </p:pic>
-          </mc:Fallback>
-        </mc:AlternateContent>
-        <mc:AlternateContent xmlns:mc="http://schemas.openxmlformats.org/markup-compatibility/2006">
-          <mc:Choice xmlns:p14="http://schemas.microsoft.com/office/powerpoint/2010/main" xmlns:aink="http://schemas.microsoft.com/office/drawing/2016/ink" Requires="p14 aink">
-            <p:contentPart p14:bwMode="auto" r:id="rId5">
-              <p14:nvContentPartPr>
-                <p14:cNvPr id="90" name="筆跡 89">
-                  <a:extLst>
-                    <a:ext uri="{FF2B5EF4-FFF2-40B4-BE49-F238E27FC236}">
-                      <a16:creationId xmlns:a16="http://schemas.microsoft.com/office/drawing/2014/main" id="{FC25568F-D140-872A-0193-7F9DE7580718}"/>
-                    </a:ext>
-                  </a:extLst>
-                </p14:cNvPr>
-                <p14:cNvContentPartPr/>
-                <p14:nvPr/>
-              </p14:nvContentPartPr>
-              <p14:xfrm>
-                <a:off x="5236735" y="5270923"/>
-                <a:ext cx="2476172" cy="904240"/>
-              </p14:xfrm>
-            </p:contentPart>
-          </mc:Choice>
-          <mc:Fallback>
-            <p:pic>
-              <p:nvPicPr>
-                <p:cNvPr id="90" name="筆跡 89">
-                  <a:extLst>
-                    <a:ext uri="{FF2B5EF4-FFF2-40B4-BE49-F238E27FC236}">
-                      <a16:creationId xmlns:a16="http://schemas.microsoft.com/office/drawing/2014/main" id="{FC25568F-D140-872A-0193-7F9DE7580718}"/>
-                    </a:ext>
-                  </a:extLst>
-                </p:cNvPr>
-                <p:cNvPicPr/>
-                <p:nvPr/>
-              </p:nvPicPr>
-              <p:blipFill>
-                <a:blip r:embed="rId6"/>
-                <a:stretch>
-                  <a:fillRect/>
-                </a:stretch>
-              </p:blipFill>
-              <p:spPr>
-                <a:xfrm>
-                  <a:off x="5227735" y="5261924"/>
-                  <a:ext cx="2493813" cy="921878"/>
-                </a:xfrm>
-                <a:prstGeom prst="rect">
-                  <a:avLst/>
-                </a:prstGeom>
-              </p:spPr>
-            </p:pic>
-          </mc:Fallback>
-        </mc:AlternateContent>
-      </p:grpSp>
+            <a:ext cx="7344800" cy="2505425"/>
+          </a:xfrm>
+          <a:prstGeom prst="rect">
+            <a:avLst/>
+          </a:prstGeom>
+        </p:spPr>
+      </p:pic>
+      <p:pic>
+        <p:nvPicPr>
+          <p:cNvPr id="10" name="圖片 9">
+            <a:extLst>
+              <a:ext uri="{FF2B5EF4-FFF2-40B4-BE49-F238E27FC236}">
+                <a16:creationId xmlns:a16="http://schemas.microsoft.com/office/drawing/2014/main" id="{0099AC55-479C-0FC1-1910-4433E25641BA}"/>
+              </a:ext>
+            </a:extLst>
+          </p:cNvPr>
+          <p:cNvPicPr>
+            <a:picLocks noChangeAspect="1"/>
+          </p:cNvPicPr>
+          <p:nvPr/>
+        </p:nvPicPr>
+        <p:blipFill>
+          <a:blip r:embed="rId4"/>
+          <a:stretch>
+            <a:fillRect/>
+          </a:stretch>
+        </p:blipFill>
+        <p:spPr>
+          <a:xfrm>
+            <a:off x="8277822" y="3224184"/>
+            <a:ext cx="1924319" cy="409632"/>
+          </a:xfrm>
+          <a:prstGeom prst="rect">
+            <a:avLst/>
+          </a:prstGeom>
+        </p:spPr>
+      </p:pic>
+      <mc:AlternateContent xmlns:mc="http://schemas.openxmlformats.org/markup-compatibility/2006" xmlns:p14="http://schemas.microsoft.com/office/powerpoint/2010/main" xmlns:aink="http://schemas.microsoft.com/office/drawing/2016/ink">
+        <mc:Choice Requires="p14 aink">
+          <p:contentPart p14:bwMode="auto" r:id="rId5">
+            <p14:nvContentPartPr>
+              <p14:cNvPr id="8" name="筆跡 7">
+                <a:extLst>
+                  <a:ext uri="{FF2B5EF4-FFF2-40B4-BE49-F238E27FC236}">
+                    <a16:creationId xmlns:a16="http://schemas.microsoft.com/office/drawing/2014/main" id="{2C12EF3B-6B49-0878-8F4F-C35933A8901F}"/>
+                  </a:ext>
+                </a:extLst>
+              </p14:cNvPr>
+              <p14:cNvContentPartPr/>
+              <p14:nvPr/>
+            </p14:nvContentPartPr>
+            <p14:xfrm>
+              <a:off x="6231866" y="1982670"/>
+              <a:ext cx="2022480" cy="360"/>
+            </p14:xfrm>
+          </p:contentPart>
+        </mc:Choice>
+        <mc:Fallback xmlns="">
+          <p:pic>
+            <p:nvPicPr>
+              <p:cNvPr id="8" name="筆跡 7">
+                <a:extLst>
+                  <a:ext uri="{FF2B5EF4-FFF2-40B4-BE49-F238E27FC236}">
+                    <a16:creationId xmlns:a16="http://schemas.microsoft.com/office/drawing/2014/main" id="{2C12EF3B-6B49-0878-8F4F-C35933A8901F}"/>
+                  </a:ext>
+                </a:extLst>
+              </p:cNvPr>
+              <p:cNvPicPr/>
+              <p:nvPr/>
+            </p:nvPicPr>
+            <p:blipFill>
+              <a:blip r:embed="rId6"/>
+              <a:stretch>
+                <a:fillRect/>
+              </a:stretch>
+            </p:blipFill>
+            <p:spPr>
+              <a:xfrm>
+                <a:off x="6214226" y="1964670"/>
+                <a:ext cx="2058120" cy="36000"/>
+              </a:xfrm>
+              <a:prstGeom prst="rect">
+                <a:avLst/>
+              </a:prstGeom>
+            </p:spPr>
+          </p:pic>
+        </mc:Fallback>
+      </mc:AlternateContent>
+      <mc:AlternateContent xmlns:mc="http://schemas.openxmlformats.org/markup-compatibility/2006" xmlns:p14="http://schemas.microsoft.com/office/powerpoint/2010/main" xmlns:aink="http://schemas.microsoft.com/office/drawing/2016/ink">
+        <mc:Choice Requires="p14 aink">
+          <p:contentPart p14:bwMode="auto" r:id="rId7">
+            <p14:nvContentPartPr>
+              <p14:cNvPr id="14" name="筆跡 13">
+                <a:extLst>
+                  <a:ext uri="{FF2B5EF4-FFF2-40B4-BE49-F238E27FC236}">
+                    <a16:creationId xmlns:a16="http://schemas.microsoft.com/office/drawing/2014/main" id="{7DDB3EA5-86A7-3805-D405-712B9ABB5A73}"/>
+                  </a:ext>
+                </a:extLst>
+              </p14:cNvPr>
+              <p14:cNvContentPartPr/>
+              <p14:nvPr/>
+            </p14:nvContentPartPr>
+            <p14:xfrm>
+              <a:off x="6230426" y="2310990"/>
+              <a:ext cx="1715089" cy="360"/>
+            </p14:xfrm>
+          </p:contentPart>
+        </mc:Choice>
+        <mc:Fallback xmlns="">
+          <p:pic>
+            <p:nvPicPr>
+              <p:cNvPr id="14" name="筆跡 13">
+                <a:extLst>
+                  <a:ext uri="{FF2B5EF4-FFF2-40B4-BE49-F238E27FC236}">
+                    <a16:creationId xmlns:a16="http://schemas.microsoft.com/office/drawing/2014/main" id="{7DDB3EA5-86A7-3805-D405-712B9ABB5A73}"/>
+                  </a:ext>
+                </a:extLst>
+              </p:cNvPr>
+              <p:cNvPicPr/>
+              <p:nvPr/>
+            </p:nvPicPr>
+            <p:blipFill>
+              <a:blip r:embed="rId8"/>
+              <a:stretch>
+                <a:fillRect/>
+              </a:stretch>
+            </p:blipFill>
+            <p:spPr>
+              <a:xfrm>
+                <a:off x="6212789" y="2293350"/>
+                <a:ext cx="1750723" cy="36000"/>
+              </a:xfrm>
+              <a:prstGeom prst="rect">
+                <a:avLst/>
+              </a:prstGeom>
+            </p:spPr>
+          </p:pic>
+        </mc:Fallback>
+      </mc:AlternateContent>
+      <mc:AlternateContent xmlns:mc="http://schemas.openxmlformats.org/markup-compatibility/2006" xmlns:p14="http://schemas.microsoft.com/office/powerpoint/2010/main" xmlns:aink="http://schemas.microsoft.com/office/drawing/2016/ink">
+        <mc:Choice Requires="p14 aink">
+          <p:contentPart p14:bwMode="auto" r:id="rId9">
+            <p14:nvContentPartPr>
+              <p14:cNvPr id="15" name="筆跡 14">
+                <a:extLst>
+                  <a:ext uri="{FF2B5EF4-FFF2-40B4-BE49-F238E27FC236}">
+                    <a16:creationId xmlns:a16="http://schemas.microsoft.com/office/drawing/2014/main" id="{D6A21A13-65A4-F234-077B-B7FCCED8F87C}"/>
+                  </a:ext>
+                </a:extLst>
+              </p14:cNvPr>
+              <p14:cNvContentPartPr/>
+              <p14:nvPr/>
+            </p14:nvContentPartPr>
+            <p14:xfrm>
+              <a:off x="8081186" y="1995990"/>
+              <a:ext cx="188280" cy="109080"/>
+            </p14:xfrm>
+          </p:contentPart>
+        </mc:Choice>
+        <mc:Fallback xmlns="">
+          <p:pic>
+            <p:nvPicPr>
+              <p:cNvPr id="15" name="筆跡 14">
+                <a:extLst>
+                  <a:ext uri="{FF2B5EF4-FFF2-40B4-BE49-F238E27FC236}">
+                    <a16:creationId xmlns:a16="http://schemas.microsoft.com/office/drawing/2014/main" id="{D6A21A13-65A4-F234-077B-B7FCCED8F87C}"/>
+                  </a:ext>
+                </a:extLst>
+              </p:cNvPr>
+              <p:cNvPicPr/>
+              <p:nvPr/>
+            </p:nvPicPr>
+            <p:blipFill>
+              <a:blip r:embed="rId10"/>
+              <a:stretch>
+                <a:fillRect/>
+              </a:stretch>
+            </p:blipFill>
+            <p:spPr>
+              <a:xfrm>
+                <a:off x="8063546" y="1978350"/>
+                <a:ext cx="223920" cy="144720"/>
+              </a:xfrm>
+              <a:prstGeom prst="rect">
+                <a:avLst/>
+              </a:prstGeom>
+            </p:spPr>
+          </p:pic>
+        </mc:Fallback>
+      </mc:AlternateContent>
+      <mc:AlternateContent xmlns:mc="http://schemas.openxmlformats.org/markup-compatibility/2006" xmlns:p14="http://schemas.microsoft.com/office/powerpoint/2010/main" xmlns:aink="http://schemas.microsoft.com/office/drawing/2016/ink">
+        <mc:Choice Requires="p14 aink">
+          <p:contentPart p14:bwMode="auto" r:id="rId11">
+            <p14:nvContentPartPr>
+              <p14:cNvPr id="17" name="筆跡 16">
+                <a:extLst>
+                  <a:ext uri="{FF2B5EF4-FFF2-40B4-BE49-F238E27FC236}">
+                    <a16:creationId xmlns:a16="http://schemas.microsoft.com/office/drawing/2014/main" id="{8FF1A64E-5E71-C4BE-5B0A-47036E0318AE}"/>
+                  </a:ext>
+                </a:extLst>
+              </p14:cNvPr>
+              <p14:cNvContentPartPr/>
+              <p14:nvPr/>
+            </p14:nvContentPartPr>
+            <p14:xfrm>
+              <a:off x="8081906" y="1884390"/>
+              <a:ext cx="193320" cy="111600"/>
+            </p14:xfrm>
+          </p:contentPart>
+        </mc:Choice>
+        <mc:Fallback xmlns="">
+          <p:pic>
+            <p:nvPicPr>
+              <p:cNvPr id="17" name="筆跡 16">
+                <a:extLst>
+                  <a:ext uri="{FF2B5EF4-FFF2-40B4-BE49-F238E27FC236}">
+                    <a16:creationId xmlns:a16="http://schemas.microsoft.com/office/drawing/2014/main" id="{8FF1A64E-5E71-C4BE-5B0A-47036E0318AE}"/>
+                  </a:ext>
+                </a:extLst>
+              </p:cNvPr>
+              <p:cNvPicPr/>
+              <p:nvPr/>
+            </p:nvPicPr>
+            <p:blipFill>
+              <a:blip r:embed="rId12"/>
+              <a:stretch>
+                <a:fillRect/>
+              </a:stretch>
+            </p:blipFill>
+            <p:spPr>
+              <a:xfrm>
+                <a:off x="8064266" y="1866390"/>
+                <a:ext cx="228960" cy="147240"/>
+              </a:xfrm>
+              <a:prstGeom prst="rect">
+                <a:avLst/>
+              </a:prstGeom>
+            </p:spPr>
+          </p:pic>
+        </mc:Fallback>
+      </mc:AlternateContent>
+      <mc:AlternateContent xmlns:mc="http://schemas.openxmlformats.org/markup-compatibility/2006" xmlns:p14="http://schemas.microsoft.com/office/powerpoint/2010/main" xmlns:aink="http://schemas.microsoft.com/office/drawing/2016/ink">
+        <mc:Choice Requires="p14 aink">
+          <p:contentPart p14:bwMode="auto" r:id="rId13">
+            <p14:nvContentPartPr>
+              <p14:cNvPr id="18" name="筆跡 17">
+                <a:extLst>
+                  <a:ext uri="{FF2B5EF4-FFF2-40B4-BE49-F238E27FC236}">
+                    <a16:creationId xmlns:a16="http://schemas.microsoft.com/office/drawing/2014/main" id="{3B57C88A-F384-4C88-B878-E6538F296C68}"/>
+                  </a:ext>
+                </a:extLst>
+              </p14:cNvPr>
+              <p14:cNvContentPartPr/>
+              <p14:nvPr/>
+            </p14:nvContentPartPr>
+            <p14:xfrm>
+              <a:off x="7961059" y="2320200"/>
+              <a:ext cx="360" cy="1108800"/>
+            </p14:xfrm>
+          </p:contentPart>
+        </mc:Choice>
+        <mc:Fallback xmlns="">
+          <p:pic>
+            <p:nvPicPr>
+              <p:cNvPr id="18" name="筆跡 17">
+                <a:extLst>
+                  <a:ext uri="{FF2B5EF4-FFF2-40B4-BE49-F238E27FC236}">
+                    <a16:creationId xmlns:a16="http://schemas.microsoft.com/office/drawing/2014/main" id="{3B57C88A-F384-4C88-B878-E6538F296C68}"/>
+                  </a:ext>
+                </a:extLst>
+              </p:cNvPr>
+              <p:cNvPicPr/>
+              <p:nvPr/>
+            </p:nvPicPr>
+            <p:blipFill>
+              <a:blip r:embed="rId14"/>
+              <a:stretch>
+                <a:fillRect/>
+              </a:stretch>
+            </p:blipFill>
+            <p:spPr>
+              <a:xfrm>
+                <a:off x="7943419" y="2302560"/>
+                <a:ext cx="36000" cy="1144440"/>
+              </a:xfrm>
+              <a:prstGeom prst="rect">
+                <a:avLst/>
+              </a:prstGeom>
+            </p:spPr>
+          </p:pic>
+        </mc:Fallback>
+      </mc:AlternateContent>
+      <mc:AlternateContent xmlns:mc="http://schemas.openxmlformats.org/markup-compatibility/2006" xmlns:p14="http://schemas.microsoft.com/office/powerpoint/2010/main" xmlns:aink="http://schemas.microsoft.com/office/drawing/2016/ink">
+        <mc:Choice Requires="p14 aink">
+          <p:contentPart p14:bwMode="auto" r:id="rId15">
+            <p14:nvContentPartPr>
+              <p14:cNvPr id="21" name="筆跡 20">
+                <a:extLst>
+                  <a:ext uri="{FF2B5EF4-FFF2-40B4-BE49-F238E27FC236}">
+                    <a16:creationId xmlns:a16="http://schemas.microsoft.com/office/drawing/2014/main" id="{94F3FFFB-7EB6-356E-0BB2-D07CC587FAEB}"/>
+                  </a:ext>
+                </a:extLst>
+              </p14:cNvPr>
+              <p14:cNvContentPartPr/>
+              <p14:nvPr/>
+            </p14:nvContentPartPr>
+            <p14:xfrm>
+              <a:off x="7971746" y="3447510"/>
+              <a:ext cx="291600" cy="360"/>
+            </p14:xfrm>
+          </p:contentPart>
+        </mc:Choice>
+        <mc:Fallback xmlns="">
+          <p:pic>
+            <p:nvPicPr>
+              <p:cNvPr id="21" name="筆跡 20">
+                <a:extLst>
+                  <a:ext uri="{FF2B5EF4-FFF2-40B4-BE49-F238E27FC236}">
+                    <a16:creationId xmlns:a16="http://schemas.microsoft.com/office/drawing/2014/main" id="{94F3FFFB-7EB6-356E-0BB2-D07CC587FAEB}"/>
+                  </a:ext>
+                </a:extLst>
+              </p:cNvPr>
+              <p:cNvPicPr/>
+              <p:nvPr/>
+            </p:nvPicPr>
+            <p:blipFill>
+              <a:blip r:embed="rId16"/>
+              <a:stretch>
+                <a:fillRect/>
+              </a:stretch>
+            </p:blipFill>
+            <p:spPr>
+              <a:xfrm>
+                <a:off x="7954106" y="3429870"/>
+                <a:ext cx="327240" cy="36000"/>
+              </a:xfrm>
+              <a:prstGeom prst="rect">
+                <a:avLst/>
+              </a:prstGeom>
+            </p:spPr>
+          </p:pic>
+        </mc:Fallback>
+      </mc:AlternateContent>
+      <mc:AlternateContent xmlns:mc="http://schemas.openxmlformats.org/markup-compatibility/2006" xmlns:p14="http://schemas.microsoft.com/office/powerpoint/2010/main" xmlns:aink="http://schemas.microsoft.com/office/drawing/2016/ink">
+        <mc:Choice Requires="p14 aink">
+          <p:contentPart p14:bwMode="auto" r:id="rId17">
+            <p14:nvContentPartPr>
+              <p14:cNvPr id="26" name="筆跡 25">
+                <a:extLst>
+                  <a:ext uri="{FF2B5EF4-FFF2-40B4-BE49-F238E27FC236}">
+                    <a16:creationId xmlns:a16="http://schemas.microsoft.com/office/drawing/2014/main" id="{C9484E14-48C9-8362-26A5-60A77AA3756C}"/>
+                  </a:ext>
+                </a:extLst>
+              </p14:cNvPr>
+              <p14:cNvContentPartPr/>
+              <p14:nvPr/>
+            </p14:nvContentPartPr>
+            <p14:xfrm>
+              <a:off x="8065674" y="3447510"/>
+              <a:ext cx="188280" cy="109080"/>
+            </p14:xfrm>
+          </p:contentPart>
+        </mc:Choice>
+        <mc:Fallback xmlns="">
+          <p:pic>
+            <p:nvPicPr>
+              <p:cNvPr id="26" name="筆跡 25">
+                <a:extLst>
+                  <a:ext uri="{FF2B5EF4-FFF2-40B4-BE49-F238E27FC236}">
+                    <a16:creationId xmlns:a16="http://schemas.microsoft.com/office/drawing/2014/main" id="{C9484E14-48C9-8362-26A5-60A77AA3756C}"/>
+                  </a:ext>
+                </a:extLst>
+              </p:cNvPr>
+              <p:cNvPicPr/>
+              <p:nvPr/>
+            </p:nvPicPr>
+            <p:blipFill>
+              <a:blip r:embed="rId18"/>
+              <a:stretch>
+                <a:fillRect/>
+              </a:stretch>
+            </p:blipFill>
+            <p:spPr>
+              <a:xfrm>
+                <a:off x="8048034" y="3429870"/>
+                <a:ext cx="223920" cy="144720"/>
+              </a:xfrm>
+              <a:prstGeom prst="rect">
+                <a:avLst/>
+              </a:prstGeom>
+            </p:spPr>
+          </p:pic>
+        </mc:Fallback>
+      </mc:AlternateContent>
+      <mc:AlternateContent xmlns:mc="http://schemas.openxmlformats.org/markup-compatibility/2006" xmlns:p14="http://schemas.microsoft.com/office/powerpoint/2010/main" xmlns:aink="http://schemas.microsoft.com/office/drawing/2016/ink">
+        <mc:Choice Requires="p14 aink">
+          <p:contentPart p14:bwMode="auto" r:id="rId19">
+            <p14:nvContentPartPr>
+              <p14:cNvPr id="27" name="筆跡 26">
+                <a:extLst>
+                  <a:ext uri="{FF2B5EF4-FFF2-40B4-BE49-F238E27FC236}">
+                    <a16:creationId xmlns:a16="http://schemas.microsoft.com/office/drawing/2014/main" id="{F76C4C69-1177-C0C6-D7E2-60A883C074B8}"/>
+                  </a:ext>
+                </a:extLst>
+              </p14:cNvPr>
+              <p14:cNvContentPartPr/>
+              <p14:nvPr/>
+            </p14:nvContentPartPr>
+            <p14:xfrm>
+              <a:off x="8066394" y="3335910"/>
+              <a:ext cx="193320" cy="111600"/>
+            </p14:xfrm>
+          </p:contentPart>
+        </mc:Choice>
+        <mc:Fallback xmlns="">
+          <p:pic>
+            <p:nvPicPr>
+              <p:cNvPr id="27" name="筆跡 26">
+                <a:extLst>
+                  <a:ext uri="{FF2B5EF4-FFF2-40B4-BE49-F238E27FC236}">
+                    <a16:creationId xmlns:a16="http://schemas.microsoft.com/office/drawing/2014/main" id="{F76C4C69-1177-C0C6-D7E2-60A883C074B8}"/>
+                  </a:ext>
+                </a:extLst>
+              </p:cNvPr>
+              <p:cNvPicPr/>
+              <p:nvPr/>
+            </p:nvPicPr>
+            <p:blipFill>
+              <a:blip r:embed="rId20"/>
+              <a:stretch>
+                <a:fillRect/>
+              </a:stretch>
+            </p:blipFill>
+            <p:spPr>
+              <a:xfrm>
+                <a:off x="8048754" y="3317910"/>
+                <a:ext cx="228960" cy="147240"/>
+              </a:xfrm>
+              <a:prstGeom prst="rect">
+                <a:avLst/>
+              </a:prstGeom>
+            </p:spPr>
+          </p:pic>
+        </mc:Fallback>
+      </mc:AlternateContent>
     </p:spTree>
     <p:extLst>
       <p:ext uri="{BB962C8B-B14F-4D97-AF65-F5344CB8AC3E}">
@@ -4285,10 +4713,10 @@
       </p:grpSpPr>
       <p:sp>
         <p:nvSpPr>
-          <p:cNvPr id="2" name="標題 1">
-            <a:extLst>
-              <a:ext uri="{FF2B5EF4-FFF2-40B4-BE49-F238E27FC236}">
-                <a16:creationId xmlns:a16="http://schemas.microsoft.com/office/drawing/2014/main" id="{847E5EBC-D35B-19C1-5B37-8A05458241FA}"/>
+          <p:cNvPr id="4" name="標題 1">
+            <a:extLst>
+              <a:ext uri="{FF2B5EF4-FFF2-40B4-BE49-F238E27FC236}">
+                <a16:creationId xmlns:a16="http://schemas.microsoft.com/office/drawing/2014/main" id="{9A1C579C-D948-4742-6B57-CB345583236A}"/>
               </a:ext>
             </a:extLst>
           </p:cNvPr>
@@ -4299,312 +4727,56 @@
             <p:ph type="title"/>
           </p:nvPr>
         </p:nvSpPr>
-        <p:spPr/>
+        <p:spPr>
+          <a:xfrm>
+            <a:off x="838200" y="365125"/>
+            <a:ext cx="10515600" cy="1325563"/>
+          </a:xfrm>
+        </p:spPr>
         <p:txBody>
           <a:bodyPr/>
           <a:lstStyle/>
           <a:p>
             <a:r>
-              <a:rPr lang="en-US" altLang="zh-TW" dirty="0"/>
-              <a:t>DangerModelTraning.py</a:t>
-            </a:r>
-            <a:endParaRPr lang="zh-TW" altLang="en-US" dirty="0"/>
-          </a:p>
-        </p:txBody>
-      </p:sp>
-      <p:sp>
-        <p:nvSpPr>
-          <p:cNvPr id="3" name="內容版面配置區 2">
-            <a:extLst>
-              <a:ext uri="{FF2B5EF4-FFF2-40B4-BE49-F238E27FC236}">
-                <a16:creationId xmlns:a16="http://schemas.microsoft.com/office/drawing/2014/main" id="{290C4AA3-7301-80EC-AD90-782773771782}"/>
-              </a:ext>
-            </a:extLst>
-          </p:cNvPr>
-          <p:cNvSpPr>
-            <a:spLocks noGrp="1"/>
-          </p:cNvSpPr>
+              <a:rPr lang="zh-TW" altLang="en-US" dirty="0"/>
+              <a:t>架構</a:t>
+            </a:r>
+          </a:p>
+        </p:txBody>
+      </p:sp>
+      <p:pic>
+        <p:nvPicPr>
+          <p:cNvPr id="9" name="內容版面配置區 8">
+            <a:extLst>
+              <a:ext uri="{FF2B5EF4-FFF2-40B4-BE49-F238E27FC236}">
+                <a16:creationId xmlns:a16="http://schemas.microsoft.com/office/drawing/2014/main" id="{4A26E8F7-3629-F52B-DD98-7367C9194617}"/>
+              </a:ext>
+            </a:extLst>
+          </p:cNvPr>
+          <p:cNvPicPr>
+            <a:picLocks noGrp="1" noChangeAspect="1"/>
+          </p:cNvPicPr>
           <p:nvPr>
             <p:ph idx="1"/>
           </p:nvPr>
-        </p:nvSpPr>
-        <p:spPr/>
-        <p:txBody>
-          <a:bodyPr/>
-          <a:lstStyle/>
-          <a:p>
-            <a:endParaRPr lang="zh-TW" altLang="en-US" dirty="0"/>
-          </a:p>
-        </p:txBody>
-      </p:sp>
-      <p:pic>
-        <p:nvPicPr>
-          <p:cNvPr id="7" name="圖片 6">
-            <a:extLst>
-              <a:ext uri="{FF2B5EF4-FFF2-40B4-BE49-F238E27FC236}">
-                <a16:creationId xmlns:a16="http://schemas.microsoft.com/office/drawing/2014/main" id="{0F79AEC0-A0B9-797A-F7AE-B4D47C4A43A5}"/>
-              </a:ext>
-            </a:extLst>
-          </p:cNvPr>
-          <p:cNvPicPr>
-            <a:picLocks noChangeAspect="1"/>
-          </p:cNvPicPr>
-          <p:nvPr/>
-        </p:nvPicPr>
-        <p:blipFill rotWithShape="1">
-          <a:blip r:embed="rId2"/>
-          <a:srcRect r="13390" b="42106"/>
-          <a:stretch/>
-        </p:blipFill>
-        <p:spPr>
-          <a:xfrm>
-            <a:off x="838200" y="1825625"/>
-            <a:ext cx="6229350" cy="1279525"/>
-          </a:xfrm>
-          <a:prstGeom prst="rect">
-            <a:avLst/>
-          </a:prstGeom>
-        </p:spPr>
-      </p:pic>
-      <p:sp>
-        <p:nvSpPr>
-          <p:cNvPr id="8" name="文字方塊 7">
-            <a:extLst>
-              <a:ext uri="{FF2B5EF4-FFF2-40B4-BE49-F238E27FC236}">
-                <a16:creationId xmlns:a16="http://schemas.microsoft.com/office/drawing/2014/main" id="{D0234C72-5E4B-6BDF-5F02-1C54205C5033}"/>
-              </a:ext>
-            </a:extLst>
-          </p:cNvPr>
-          <p:cNvSpPr txBox="1"/>
-          <p:nvPr/>
-        </p:nvSpPr>
-        <p:spPr>
-          <a:xfrm>
-            <a:off x="838200" y="3240087"/>
-            <a:ext cx="4518225" cy="369332"/>
-          </a:xfrm>
-          <a:prstGeom prst="rect">
-            <a:avLst/>
-          </a:prstGeom>
-          <a:noFill/>
-        </p:spPr>
-        <p:txBody>
-          <a:bodyPr wrap="none" rtlCol="0">
-            <a:spAutoFit/>
-          </a:bodyPr>
-          <a:lstStyle/>
-          <a:p>
-            <a:r>
-              <a:rPr lang="en-US" altLang="zh-TW" dirty="0"/>
-              <a:t>1. </a:t>
-            </a:r>
-            <a:r>
-              <a:rPr lang="zh-TW" altLang="en-US" dirty="0"/>
-              <a:t>讀取</a:t>
-            </a:r>
-            <a:r>
-              <a:rPr lang="en-US" altLang="zh-TW" dirty="0"/>
-              <a:t>metadata</a:t>
-            </a:r>
-            <a:r>
-              <a:rPr lang="zh-TW" altLang="en-US" dirty="0"/>
-              <a:t>資料夾裡的</a:t>
-            </a:r>
-            <a:r>
-              <a:rPr lang="en-US" altLang="zh-TW" dirty="0"/>
-              <a:t>audioDataset.csv</a:t>
-            </a:r>
-            <a:endParaRPr lang="zh-TW" altLang="en-US" dirty="0"/>
-          </a:p>
-        </p:txBody>
-      </p:sp>
-      <p:pic>
-        <p:nvPicPr>
-          <p:cNvPr id="10" name="圖片 9">
-            <a:extLst>
-              <a:ext uri="{FF2B5EF4-FFF2-40B4-BE49-F238E27FC236}">
-                <a16:creationId xmlns:a16="http://schemas.microsoft.com/office/drawing/2014/main" id="{6FC064BC-205D-0816-435D-B592925CFAFA}"/>
-              </a:ext>
-            </a:extLst>
-          </p:cNvPr>
-          <p:cNvPicPr>
-            <a:picLocks noChangeAspect="1"/>
-          </p:cNvPicPr>
-          <p:nvPr/>
         </p:nvPicPr>
         <p:blipFill>
-          <a:blip r:embed="rId3"/>
+          <a:blip r:embed="rId2"/>
           <a:stretch>
             <a:fillRect/>
           </a:stretch>
         </p:blipFill>
         <p:spPr>
           <a:xfrm>
-            <a:off x="7442034" y="2122230"/>
-            <a:ext cx="1924319" cy="409632"/>
-          </a:xfrm>
-          <a:prstGeom prst="rect">
-            <a:avLst/>
-          </a:prstGeom>
+            <a:off x="1647825" y="2134394"/>
+            <a:ext cx="8896350" cy="3733799"/>
+          </a:xfrm>
         </p:spPr>
       </p:pic>
-      <mc:AlternateContent xmlns:mc="http://schemas.openxmlformats.org/markup-compatibility/2006">
-        <mc:Choice xmlns:p14="http://schemas.microsoft.com/office/powerpoint/2010/main" xmlns:aink="http://schemas.microsoft.com/office/drawing/2016/ink" Requires="p14 aink">
-          <p:contentPart p14:bwMode="auto" r:id="rId4">
-            <p14:nvContentPartPr>
-              <p14:cNvPr id="11" name="筆跡 10">
-                <a:extLst>
-                  <a:ext uri="{FF2B5EF4-FFF2-40B4-BE49-F238E27FC236}">
-                    <a16:creationId xmlns:a16="http://schemas.microsoft.com/office/drawing/2014/main" id="{3ECE228B-037F-4BEB-DA9E-E01DD90DDD07}"/>
-                  </a:ext>
-                </a:extLst>
-              </p14:cNvPr>
-              <p14:cNvContentPartPr/>
-              <p14:nvPr/>
-            </p14:nvContentPartPr>
-            <p14:xfrm>
-              <a:off x="6143306" y="2342310"/>
-              <a:ext cx="1208160" cy="19080"/>
-            </p14:xfrm>
-          </p:contentPart>
-        </mc:Choice>
-        <mc:Fallback>
-          <p:pic>
-            <p:nvPicPr>
-              <p:cNvPr id="11" name="筆跡 10">
-                <a:extLst>
-                  <a:ext uri="{FF2B5EF4-FFF2-40B4-BE49-F238E27FC236}">
-                    <a16:creationId xmlns:a16="http://schemas.microsoft.com/office/drawing/2014/main" id="{3ECE228B-037F-4BEB-DA9E-E01DD90DDD07}"/>
-                  </a:ext>
-                </a:extLst>
-              </p:cNvPr>
-              <p:cNvPicPr/>
-              <p:nvPr/>
-            </p:nvPicPr>
-            <p:blipFill>
-              <a:blip r:embed="rId5"/>
-              <a:stretch>
-                <a:fillRect/>
-              </a:stretch>
-            </p:blipFill>
-            <p:spPr>
-              <a:xfrm>
-                <a:off x="6125306" y="2324310"/>
-                <a:ext cx="1243800" cy="54720"/>
-              </a:xfrm>
-              <a:prstGeom prst="rect">
-                <a:avLst/>
-              </a:prstGeom>
-            </p:spPr>
-          </p:pic>
-        </mc:Fallback>
-      </mc:AlternateContent>
-      <mc:AlternateContent xmlns:mc="http://schemas.openxmlformats.org/markup-compatibility/2006">
-        <mc:Choice xmlns:p14="http://schemas.microsoft.com/office/powerpoint/2010/main" xmlns:aink="http://schemas.microsoft.com/office/drawing/2016/ink" Requires="p14 aink">
-          <p:contentPart p14:bwMode="auto" r:id="rId6">
-            <p14:nvContentPartPr>
-              <p14:cNvPr id="15" name="筆跡 14">
-                <a:extLst>
-                  <a:ext uri="{FF2B5EF4-FFF2-40B4-BE49-F238E27FC236}">
-                    <a16:creationId xmlns:a16="http://schemas.microsoft.com/office/drawing/2014/main" id="{4ACD64CF-7DF4-4430-59E4-21D318795B17}"/>
-                  </a:ext>
-                </a:extLst>
-              </p14:cNvPr>
-              <p14:cNvContentPartPr/>
-              <p14:nvPr/>
-            </p14:nvContentPartPr>
-            <p14:xfrm>
-              <a:off x="7270826" y="2272110"/>
-              <a:ext cx="63360" cy="188640"/>
-            </p14:xfrm>
-          </p:contentPart>
-        </mc:Choice>
-        <mc:Fallback>
-          <p:pic>
-            <p:nvPicPr>
-              <p:cNvPr id="15" name="筆跡 14">
-                <a:extLst>
-                  <a:ext uri="{FF2B5EF4-FFF2-40B4-BE49-F238E27FC236}">
-                    <a16:creationId xmlns:a16="http://schemas.microsoft.com/office/drawing/2014/main" id="{4ACD64CF-7DF4-4430-59E4-21D318795B17}"/>
-                  </a:ext>
-                </a:extLst>
-              </p:cNvPr>
-              <p:cNvPicPr/>
-              <p:nvPr/>
-            </p:nvPicPr>
-            <p:blipFill>
-              <a:blip r:embed="rId7"/>
-              <a:stretch>
-                <a:fillRect/>
-              </a:stretch>
-            </p:blipFill>
-            <p:spPr>
-              <a:xfrm>
-                <a:off x="7252826" y="2254110"/>
-                <a:ext cx="99000" cy="224280"/>
-              </a:xfrm>
-              <a:prstGeom prst="rect">
-                <a:avLst/>
-              </a:prstGeom>
-            </p:spPr>
-          </p:pic>
-        </mc:Fallback>
-      </mc:AlternateContent>
-      <mc:AlternateContent xmlns:mc="http://schemas.openxmlformats.org/markup-compatibility/2006">
-        <mc:Choice xmlns:p14="http://schemas.microsoft.com/office/powerpoint/2010/main" xmlns:aink="http://schemas.microsoft.com/office/drawing/2016/ink" Requires="p14 aink">
-          <p:contentPart p14:bwMode="auto" r:id="rId8">
-            <p14:nvContentPartPr>
-              <p14:cNvPr id="16" name="筆跡 15">
-                <a:extLst>
-                  <a:ext uri="{FF2B5EF4-FFF2-40B4-BE49-F238E27FC236}">
-                    <a16:creationId xmlns:a16="http://schemas.microsoft.com/office/drawing/2014/main" id="{81508DD7-22FC-4985-5280-AC1DD4B953AB}"/>
-                  </a:ext>
-                </a:extLst>
-              </p14:cNvPr>
-              <p14:cNvContentPartPr/>
-              <p14:nvPr/>
-            </p14:nvContentPartPr>
-            <p14:xfrm>
-              <a:off x="283586" y="798270"/>
-              <a:ext cx="360" cy="360"/>
-            </p14:xfrm>
-          </p:contentPart>
-        </mc:Choice>
-        <mc:Fallback>
-          <p:pic>
-            <p:nvPicPr>
-              <p:cNvPr id="16" name="筆跡 15">
-                <a:extLst>
-                  <a:ext uri="{FF2B5EF4-FFF2-40B4-BE49-F238E27FC236}">
-                    <a16:creationId xmlns:a16="http://schemas.microsoft.com/office/drawing/2014/main" id="{81508DD7-22FC-4985-5280-AC1DD4B953AB}"/>
-                  </a:ext>
-                </a:extLst>
-              </p:cNvPr>
-              <p:cNvPicPr/>
-              <p:nvPr/>
-            </p:nvPicPr>
-            <p:blipFill>
-              <a:blip r:embed="rId9"/>
-              <a:stretch>
-                <a:fillRect/>
-              </a:stretch>
-            </p:blipFill>
-            <p:spPr>
-              <a:xfrm>
-                <a:off x="265946" y="780630"/>
-                <a:ext cx="36000" cy="36000"/>
-              </a:xfrm>
-              <a:prstGeom prst="rect">
-                <a:avLst/>
-              </a:prstGeom>
-            </p:spPr>
-          </p:pic>
-        </mc:Fallback>
-      </mc:AlternateContent>
     </p:spTree>
     <p:extLst>
       <p:ext uri="{BB962C8B-B14F-4D97-AF65-F5344CB8AC3E}">
-        <p14:creationId xmlns:p14="http://schemas.microsoft.com/office/powerpoint/2010/main" val="1178338611"/>
+        <p14:creationId xmlns:p14="http://schemas.microsoft.com/office/powerpoint/2010/main" val="1558763637"/>
       </p:ext>
     </p:extLst>
   </p:cSld>
@@ -4636,7 +4808,7 @@
           <p:cNvPr id="2" name="標題 1">
             <a:extLst>
               <a:ext uri="{FF2B5EF4-FFF2-40B4-BE49-F238E27FC236}">
-                <a16:creationId xmlns:a16="http://schemas.microsoft.com/office/drawing/2014/main" id="{97127B77-4E58-9AEE-A9AE-55C9BAB05F7D}"/>
+                <a16:creationId xmlns:a16="http://schemas.microsoft.com/office/drawing/2014/main" id="{B1D676C5-9F0C-E862-04D7-E27B72D7CDBA}"/>
               </a:ext>
             </a:extLst>
           </p:cNvPr>
@@ -4652,7 +4824,10 @@
           <a:bodyPr/>
           <a:lstStyle/>
           <a:p>
-            <a:endParaRPr lang="zh-TW" altLang="en-US"/>
+            <a:r>
+              <a:rPr lang="zh-TW" altLang="en-US" dirty="0"/>
+              <a:t>流程</a:t>
+            </a:r>
           </a:p>
         </p:txBody>
       </p:sp>
@@ -4661,7 +4836,7 @@
           <p:cNvPr id="3" name="內容版面配置區 2">
             <a:extLst>
               <a:ext uri="{FF2B5EF4-FFF2-40B4-BE49-F238E27FC236}">
-                <a16:creationId xmlns:a16="http://schemas.microsoft.com/office/drawing/2014/main" id="{15F1B24E-47CA-29F0-868D-7C91DBE2DD46}"/>
+                <a16:creationId xmlns:a16="http://schemas.microsoft.com/office/drawing/2014/main" id="{77B7FBB2-3AB5-09ED-6016-3AC2CFD7E70F}"/>
               </a:ext>
             </a:extLst>
           </p:cNvPr>
@@ -4677,16 +4852,1916 @@
           <a:bodyPr/>
           <a:lstStyle/>
           <a:p>
-            <a:endParaRPr lang="zh-TW" altLang="en-US"/>
+            <a:r>
+              <a:rPr lang="zh-TW" altLang="en-US" dirty="0"/>
+              <a:t>讀取資料訓練模型</a:t>
+            </a:r>
+            <a:endParaRPr lang="en-US" altLang="zh-TW" dirty="0"/>
+          </a:p>
+          <a:p>
+            <a:endParaRPr lang="en-US" altLang="zh-TW" dirty="0"/>
+          </a:p>
+          <a:p>
+            <a:endParaRPr lang="en-US" altLang="zh-TW" dirty="0"/>
+          </a:p>
+          <a:p>
+            <a:pPr marL="0" indent="0">
+              <a:buNone/>
+            </a:pPr>
+            <a:endParaRPr lang="en-US" altLang="zh-TW" dirty="0"/>
+          </a:p>
+          <a:p>
+            <a:r>
+              <a:rPr lang="zh-TW" altLang="en-US" dirty="0"/>
+              <a:t>即時錄製聲音進行文字辨識及危險判斷</a:t>
+            </a:r>
+          </a:p>
+        </p:txBody>
+      </p:sp>
+      <p:sp>
+        <p:nvSpPr>
+          <p:cNvPr id="4" name="文字方塊 3">
+            <a:extLst>
+              <a:ext uri="{FF2B5EF4-FFF2-40B4-BE49-F238E27FC236}">
+                <a16:creationId xmlns:a16="http://schemas.microsoft.com/office/drawing/2014/main" id="{DD4B72E0-3FA6-7706-0B6A-03C28395610E}"/>
+              </a:ext>
+            </a:extLst>
+          </p:cNvPr>
+          <p:cNvSpPr txBox="1"/>
+          <p:nvPr/>
+        </p:nvSpPr>
+        <p:spPr>
+          <a:xfrm>
+            <a:off x="897467" y="2415555"/>
+            <a:ext cx="1107996" cy="369332"/>
+          </a:xfrm>
+          <a:prstGeom prst="rect">
+            <a:avLst/>
+          </a:prstGeom>
+          <a:noFill/>
+          <a:ln>
+            <a:solidFill>
+              <a:schemeClr val="tx1"/>
+            </a:solidFill>
+          </a:ln>
+        </p:spPr>
+        <p:txBody>
+          <a:bodyPr wrap="none" rtlCol="0">
+            <a:spAutoFit/>
+          </a:bodyPr>
+          <a:lstStyle/>
+          <a:p>
+            <a:r>
+              <a:rPr lang="zh-TW" altLang="en-US" dirty="0"/>
+              <a:t>讀取資料</a:t>
+            </a:r>
+          </a:p>
+        </p:txBody>
+      </p:sp>
+      <p:sp>
+        <p:nvSpPr>
+          <p:cNvPr id="5" name="文字方塊 4">
+            <a:extLst>
+              <a:ext uri="{FF2B5EF4-FFF2-40B4-BE49-F238E27FC236}">
+                <a16:creationId xmlns:a16="http://schemas.microsoft.com/office/drawing/2014/main" id="{7736478D-2FEC-ED88-564A-6D5175433B45}"/>
+              </a:ext>
+            </a:extLst>
+          </p:cNvPr>
+          <p:cNvSpPr txBox="1"/>
+          <p:nvPr/>
+        </p:nvSpPr>
+        <p:spPr>
+          <a:xfrm>
+            <a:off x="6562493" y="2415555"/>
+            <a:ext cx="1107996" cy="369332"/>
+          </a:xfrm>
+          <a:prstGeom prst="rect">
+            <a:avLst/>
+          </a:prstGeom>
+          <a:noFill/>
+          <a:ln>
+            <a:solidFill>
+              <a:schemeClr val="tx1"/>
+            </a:solidFill>
+          </a:ln>
+        </p:spPr>
+        <p:txBody>
+          <a:bodyPr wrap="none" rtlCol="0">
+            <a:spAutoFit/>
+          </a:bodyPr>
+          <a:lstStyle/>
+          <a:p>
+            <a:r>
+              <a:rPr lang="zh-TW" altLang="en-US" dirty="0"/>
+              <a:t>訓練模型</a:t>
+            </a:r>
+          </a:p>
+        </p:txBody>
+      </p:sp>
+      <p:sp>
+        <p:nvSpPr>
+          <p:cNvPr id="7" name="文字方塊 6">
+            <a:extLst>
+              <a:ext uri="{FF2B5EF4-FFF2-40B4-BE49-F238E27FC236}">
+                <a16:creationId xmlns:a16="http://schemas.microsoft.com/office/drawing/2014/main" id="{56E41D6A-C647-4124-FBAF-B8FE69FBE72C}"/>
+              </a:ext>
+            </a:extLst>
+          </p:cNvPr>
+          <p:cNvSpPr txBox="1"/>
+          <p:nvPr/>
+        </p:nvSpPr>
+        <p:spPr>
+          <a:xfrm>
+            <a:off x="9279591" y="2415555"/>
+            <a:ext cx="1107996" cy="369332"/>
+          </a:xfrm>
+          <a:prstGeom prst="rect">
+            <a:avLst/>
+          </a:prstGeom>
+          <a:noFill/>
+          <a:ln>
+            <a:solidFill>
+              <a:schemeClr val="tx1"/>
+            </a:solidFill>
+          </a:ln>
+        </p:spPr>
+        <p:txBody>
+          <a:bodyPr wrap="none" rtlCol="0">
+            <a:spAutoFit/>
+          </a:bodyPr>
+          <a:lstStyle/>
+          <a:p>
+            <a:r>
+              <a:rPr lang="zh-TW" altLang="en-US" dirty="0"/>
+              <a:t>產生模型</a:t>
+            </a:r>
+          </a:p>
+        </p:txBody>
+      </p:sp>
+      <p:sp>
+        <p:nvSpPr>
+          <p:cNvPr id="8" name="文字方塊 7">
+            <a:extLst>
+              <a:ext uri="{FF2B5EF4-FFF2-40B4-BE49-F238E27FC236}">
+                <a16:creationId xmlns:a16="http://schemas.microsoft.com/office/drawing/2014/main" id="{C9DB8AA1-6341-430D-8798-B44C4CF21001}"/>
+              </a:ext>
+            </a:extLst>
+          </p:cNvPr>
+          <p:cNvSpPr txBox="1"/>
+          <p:nvPr/>
+        </p:nvSpPr>
+        <p:spPr>
+          <a:xfrm>
+            <a:off x="897467" y="4560979"/>
+            <a:ext cx="1107996" cy="369332"/>
+          </a:xfrm>
+          <a:prstGeom prst="rect">
+            <a:avLst/>
+          </a:prstGeom>
+          <a:noFill/>
+          <a:ln>
+            <a:solidFill>
+              <a:schemeClr val="tx1"/>
+            </a:solidFill>
+          </a:ln>
+        </p:spPr>
+        <p:txBody>
+          <a:bodyPr wrap="none" rtlCol="0">
+            <a:spAutoFit/>
+          </a:bodyPr>
+          <a:lstStyle/>
+          <a:p>
+            <a:r>
+              <a:rPr lang="zh-TW" altLang="en-US" dirty="0"/>
+              <a:t>讀取模型</a:t>
+            </a:r>
+          </a:p>
+        </p:txBody>
+      </p:sp>
+      <p:sp>
+        <p:nvSpPr>
+          <p:cNvPr id="9" name="文字方塊 8">
+            <a:extLst>
+              <a:ext uri="{FF2B5EF4-FFF2-40B4-BE49-F238E27FC236}">
+                <a16:creationId xmlns:a16="http://schemas.microsoft.com/office/drawing/2014/main" id="{105037FE-1E59-9421-60A8-EA8656C4708D}"/>
+              </a:ext>
+            </a:extLst>
+          </p:cNvPr>
+          <p:cNvSpPr txBox="1"/>
+          <p:nvPr/>
+        </p:nvSpPr>
+        <p:spPr>
+          <a:xfrm>
+            <a:off x="5319361" y="4560979"/>
+            <a:ext cx="1107996" cy="369332"/>
+          </a:xfrm>
+          <a:prstGeom prst="rect">
+            <a:avLst/>
+          </a:prstGeom>
+          <a:noFill/>
+          <a:ln>
+            <a:solidFill>
+              <a:schemeClr val="tx1"/>
+            </a:solidFill>
+          </a:ln>
+        </p:spPr>
+        <p:txBody>
+          <a:bodyPr wrap="none" rtlCol="0">
+            <a:spAutoFit/>
+          </a:bodyPr>
+          <a:lstStyle/>
+          <a:p>
+            <a:r>
+              <a:rPr lang="zh-TW" altLang="en-US" dirty="0"/>
+              <a:t>資料處理</a:t>
+            </a:r>
+          </a:p>
+        </p:txBody>
+      </p:sp>
+      <p:sp>
+        <p:nvSpPr>
+          <p:cNvPr id="10" name="文字方塊 9">
+            <a:extLst>
+              <a:ext uri="{FF2B5EF4-FFF2-40B4-BE49-F238E27FC236}">
+                <a16:creationId xmlns:a16="http://schemas.microsoft.com/office/drawing/2014/main" id="{82CDA242-BC56-9D99-9779-00964B931424}"/>
+              </a:ext>
+            </a:extLst>
+          </p:cNvPr>
+          <p:cNvSpPr txBox="1"/>
+          <p:nvPr/>
+        </p:nvSpPr>
+        <p:spPr>
+          <a:xfrm>
+            <a:off x="7299476" y="4560979"/>
+            <a:ext cx="1107996" cy="369332"/>
+          </a:xfrm>
+          <a:prstGeom prst="rect">
+            <a:avLst/>
+          </a:prstGeom>
+          <a:noFill/>
+          <a:ln>
+            <a:solidFill>
+              <a:schemeClr val="tx1"/>
+            </a:solidFill>
+          </a:ln>
+        </p:spPr>
+        <p:txBody>
+          <a:bodyPr wrap="none" rtlCol="0">
+            <a:spAutoFit/>
+          </a:bodyPr>
+          <a:lstStyle/>
+          <a:p>
+            <a:r>
+              <a:rPr lang="zh-TW" altLang="en-US" dirty="0"/>
+              <a:t>模型預測</a:t>
+            </a:r>
+          </a:p>
+        </p:txBody>
+      </p:sp>
+      <p:cxnSp>
+        <p:nvCxnSpPr>
+          <p:cNvPr id="12" name="直線單箭頭接點 11">
+            <a:extLst>
+              <a:ext uri="{FF2B5EF4-FFF2-40B4-BE49-F238E27FC236}">
+                <a16:creationId xmlns:a16="http://schemas.microsoft.com/office/drawing/2014/main" id="{6EFA32DF-7998-B7B0-E2D8-E8CC2E055395}"/>
+              </a:ext>
+            </a:extLst>
+          </p:cNvPr>
+          <p:cNvCxnSpPr>
+            <a:cxnSpLocks/>
+            <a:stCxn id="23" idx="3"/>
+            <a:endCxn id="5" idx="1"/>
+          </p:cNvCxnSpPr>
+          <p:nvPr/>
+        </p:nvCxnSpPr>
+        <p:spPr>
+          <a:xfrm>
+            <a:off x="4953392" y="2600221"/>
+            <a:ext cx="1609101" cy="0"/>
+          </a:xfrm>
+          <a:prstGeom prst="straightConnector1">
+            <a:avLst/>
+          </a:prstGeom>
+          <a:ln w="28575">
+            <a:tailEnd type="triangle"/>
+          </a:ln>
+        </p:spPr>
+        <p:style>
+          <a:lnRef idx="1">
+            <a:schemeClr val="dk1"/>
+          </a:lnRef>
+          <a:fillRef idx="0">
+            <a:schemeClr val="dk1"/>
+          </a:fillRef>
+          <a:effectRef idx="0">
+            <a:schemeClr val="dk1"/>
+          </a:effectRef>
+          <a:fontRef idx="minor">
+            <a:schemeClr val="tx1"/>
+          </a:fontRef>
+        </p:style>
+      </p:cxnSp>
+      <p:cxnSp>
+        <p:nvCxnSpPr>
+          <p:cNvPr id="13" name="直線單箭頭接點 12">
+            <a:extLst>
+              <a:ext uri="{FF2B5EF4-FFF2-40B4-BE49-F238E27FC236}">
+                <a16:creationId xmlns:a16="http://schemas.microsoft.com/office/drawing/2014/main" id="{E2F5866E-4246-6130-CCE4-374374BEDA34}"/>
+              </a:ext>
+            </a:extLst>
+          </p:cNvPr>
+          <p:cNvCxnSpPr>
+            <a:cxnSpLocks/>
+            <a:stCxn id="5" idx="3"/>
+            <a:endCxn id="7" idx="1"/>
+          </p:cNvCxnSpPr>
+          <p:nvPr/>
+        </p:nvCxnSpPr>
+        <p:spPr>
+          <a:xfrm>
+            <a:off x="7670489" y="2600221"/>
+            <a:ext cx="1609102" cy="0"/>
+          </a:xfrm>
+          <a:prstGeom prst="straightConnector1">
+            <a:avLst/>
+          </a:prstGeom>
+          <a:ln w="28575">
+            <a:tailEnd type="triangle"/>
+          </a:ln>
+        </p:spPr>
+        <p:style>
+          <a:lnRef idx="1">
+            <a:schemeClr val="dk1"/>
+          </a:lnRef>
+          <a:fillRef idx="0">
+            <a:schemeClr val="dk1"/>
+          </a:fillRef>
+          <a:effectRef idx="0">
+            <a:schemeClr val="dk1"/>
+          </a:effectRef>
+          <a:fontRef idx="minor">
+            <a:schemeClr val="tx1"/>
+          </a:fontRef>
+        </p:style>
+      </p:cxnSp>
+      <p:cxnSp>
+        <p:nvCxnSpPr>
+          <p:cNvPr id="17" name="直線單箭頭接點 16">
+            <a:extLst>
+              <a:ext uri="{FF2B5EF4-FFF2-40B4-BE49-F238E27FC236}">
+                <a16:creationId xmlns:a16="http://schemas.microsoft.com/office/drawing/2014/main" id="{684A2449-E905-A4A2-0D97-6C3B9BA50884}"/>
+              </a:ext>
+            </a:extLst>
+          </p:cNvPr>
+          <p:cNvCxnSpPr>
+            <a:cxnSpLocks/>
+            <a:stCxn id="8" idx="3"/>
+            <a:endCxn id="36" idx="1"/>
+          </p:cNvCxnSpPr>
+          <p:nvPr/>
+        </p:nvCxnSpPr>
+        <p:spPr>
+          <a:xfrm>
+            <a:off x="2005463" y="4745645"/>
+            <a:ext cx="872119" cy="0"/>
+          </a:xfrm>
+          <a:prstGeom prst="straightConnector1">
+            <a:avLst/>
+          </a:prstGeom>
+          <a:ln w="28575">
+            <a:tailEnd type="triangle"/>
+          </a:ln>
+        </p:spPr>
+        <p:style>
+          <a:lnRef idx="1">
+            <a:schemeClr val="dk1"/>
+          </a:lnRef>
+          <a:fillRef idx="0">
+            <a:schemeClr val="dk1"/>
+          </a:fillRef>
+          <a:effectRef idx="0">
+            <a:schemeClr val="dk1"/>
+          </a:effectRef>
+          <a:fontRef idx="minor">
+            <a:schemeClr val="tx1"/>
+          </a:fontRef>
+        </p:style>
+      </p:cxnSp>
+      <p:cxnSp>
+        <p:nvCxnSpPr>
+          <p:cNvPr id="20" name="直線單箭頭接點 19">
+            <a:extLst>
+              <a:ext uri="{FF2B5EF4-FFF2-40B4-BE49-F238E27FC236}">
+                <a16:creationId xmlns:a16="http://schemas.microsoft.com/office/drawing/2014/main" id="{77EA87BF-AADA-75E7-1EF4-BE066F2F4168}"/>
+              </a:ext>
+            </a:extLst>
+          </p:cNvPr>
+          <p:cNvCxnSpPr>
+            <a:cxnSpLocks/>
+            <a:stCxn id="9" idx="3"/>
+            <a:endCxn id="10" idx="1"/>
+          </p:cNvCxnSpPr>
+          <p:nvPr/>
+        </p:nvCxnSpPr>
+        <p:spPr>
+          <a:xfrm>
+            <a:off x="6427357" y="4745645"/>
+            <a:ext cx="872119" cy="0"/>
+          </a:xfrm>
+          <a:prstGeom prst="straightConnector1">
+            <a:avLst/>
+          </a:prstGeom>
+          <a:ln w="28575">
+            <a:tailEnd type="triangle"/>
+          </a:ln>
+        </p:spPr>
+        <p:style>
+          <a:lnRef idx="1">
+            <a:schemeClr val="dk1"/>
+          </a:lnRef>
+          <a:fillRef idx="0">
+            <a:schemeClr val="dk1"/>
+          </a:fillRef>
+          <a:effectRef idx="0">
+            <a:schemeClr val="dk1"/>
+          </a:effectRef>
+          <a:fontRef idx="minor">
+            <a:schemeClr val="tx1"/>
+          </a:fontRef>
+        </p:style>
+      </p:cxnSp>
+      <p:sp>
+        <p:nvSpPr>
+          <p:cNvPr id="23" name="文字方塊 22">
+            <a:extLst>
+              <a:ext uri="{FF2B5EF4-FFF2-40B4-BE49-F238E27FC236}">
+                <a16:creationId xmlns:a16="http://schemas.microsoft.com/office/drawing/2014/main" id="{4093E40A-31E0-C0E9-94A6-A60544C939EB}"/>
+              </a:ext>
+            </a:extLst>
+          </p:cNvPr>
+          <p:cNvSpPr txBox="1"/>
+          <p:nvPr/>
+        </p:nvSpPr>
+        <p:spPr>
+          <a:xfrm>
+            <a:off x="3614564" y="2415555"/>
+            <a:ext cx="1338828" cy="369332"/>
+          </a:xfrm>
+          <a:prstGeom prst="rect">
+            <a:avLst/>
+          </a:prstGeom>
+          <a:noFill/>
+          <a:ln>
+            <a:solidFill>
+              <a:schemeClr val="tx1"/>
+            </a:solidFill>
+          </a:ln>
+        </p:spPr>
+        <p:txBody>
+          <a:bodyPr wrap="none" rtlCol="0">
+            <a:spAutoFit/>
+          </a:bodyPr>
+          <a:lstStyle/>
+          <a:p>
+            <a:r>
+              <a:rPr lang="zh-TW" altLang="en-US" dirty="0"/>
+              <a:t>資料預處理</a:t>
+            </a:r>
+          </a:p>
+        </p:txBody>
+      </p:sp>
+      <p:cxnSp>
+        <p:nvCxnSpPr>
+          <p:cNvPr id="29" name="直線單箭頭接點 28">
+            <a:extLst>
+              <a:ext uri="{FF2B5EF4-FFF2-40B4-BE49-F238E27FC236}">
+                <a16:creationId xmlns:a16="http://schemas.microsoft.com/office/drawing/2014/main" id="{F602A290-C45B-8BC4-44EE-743995FB1EBE}"/>
+              </a:ext>
+            </a:extLst>
+          </p:cNvPr>
+          <p:cNvCxnSpPr>
+            <a:cxnSpLocks/>
+            <a:stCxn id="4" idx="3"/>
+            <a:endCxn id="23" idx="1"/>
+          </p:cNvCxnSpPr>
+          <p:nvPr/>
+        </p:nvCxnSpPr>
+        <p:spPr>
+          <a:xfrm>
+            <a:off x="2005463" y="2600221"/>
+            <a:ext cx="1609101" cy="0"/>
+          </a:xfrm>
+          <a:prstGeom prst="straightConnector1">
+            <a:avLst/>
+          </a:prstGeom>
+          <a:ln w="28575">
+            <a:tailEnd type="triangle"/>
+          </a:ln>
+        </p:spPr>
+        <p:style>
+          <a:lnRef idx="1">
+            <a:schemeClr val="dk1"/>
+          </a:lnRef>
+          <a:fillRef idx="0">
+            <a:schemeClr val="dk1"/>
+          </a:fillRef>
+          <a:effectRef idx="0">
+            <a:schemeClr val="dk1"/>
+          </a:effectRef>
+          <a:fontRef idx="minor">
+            <a:schemeClr val="tx1"/>
+          </a:fontRef>
+        </p:style>
+      </p:cxnSp>
+      <p:sp>
+        <p:nvSpPr>
+          <p:cNvPr id="36" name="文字方塊 35">
+            <a:extLst>
+              <a:ext uri="{FF2B5EF4-FFF2-40B4-BE49-F238E27FC236}">
+                <a16:creationId xmlns:a16="http://schemas.microsoft.com/office/drawing/2014/main" id="{8871B3CB-711E-8EBB-23A6-4E1315976D83}"/>
+              </a:ext>
+            </a:extLst>
+          </p:cNvPr>
+          <p:cNvSpPr txBox="1"/>
+          <p:nvPr/>
+        </p:nvSpPr>
+        <p:spPr>
+          <a:xfrm>
+            <a:off x="2877582" y="4560979"/>
+            <a:ext cx="1569660" cy="369332"/>
+          </a:xfrm>
+          <a:prstGeom prst="rect">
+            <a:avLst/>
+          </a:prstGeom>
+          <a:noFill/>
+          <a:ln>
+            <a:solidFill>
+              <a:schemeClr val="tx1"/>
+            </a:solidFill>
+          </a:ln>
+        </p:spPr>
+        <p:txBody>
+          <a:bodyPr wrap="none" rtlCol="0">
+            <a:spAutoFit/>
+          </a:bodyPr>
+          <a:lstStyle/>
+          <a:p>
+            <a:r>
+              <a:rPr lang="zh-TW" altLang="en-US" dirty="0"/>
+              <a:t>錄製即時聲音</a:t>
+            </a:r>
+          </a:p>
+        </p:txBody>
+      </p:sp>
+      <p:cxnSp>
+        <p:nvCxnSpPr>
+          <p:cNvPr id="42" name="直線單箭頭接點 41">
+            <a:extLst>
+              <a:ext uri="{FF2B5EF4-FFF2-40B4-BE49-F238E27FC236}">
+                <a16:creationId xmlns:a16="http://schemas.microsoft.com/office/drawing/2014/main" id="{964C6BE0-409F-40A9-9DE8-74F4DBFD17A3}"/>
+              </a:ext>
+            </a:extLst>
+          </p:cNvPr>
+          <p:cNvCxnSpPr>
+            <a:cxnSpLocks/>
+            <a:stCxn id="36" idx="3"/>
+            <a:endCxn id="9" idx="1"/>
+          </p:cNvCxnSpPr>
+          <p:nvPr/>
+        </p:nvCxnSpPr>
+        <p:spPr>
+          <a:xfrm>
+            <a:off x="4447242" y="4745645"/>
+            <a:ext cx="872119" cy="0"/>
+          </a:xfrm>
+          <a:prstGeom prst="straightConnector1">
+            <a:avLst/>
+          </a:prstGeom>
+          <a:ln w="28575">
+            <a:tailEnd type="triangle"/>
+          </a:ln>
+        </p:spPr>
+        <p:style>
+          <a:lnRef idx="1">
+            <a:schemeClr val="dk1"/>
+          </a:lnRef>
+          <a:fillRef idx="0">
+            <a:schemeClr val="dk1"/>
+          </a:fillRef>
+          <a:effectRef idx="0">
+            <a:schemeClr val="dk1"/>
+          </a:effectRef>
+          <a:fontRef idx="minor">
+            <a:schemeClr val="tx1"/>
+          </a:fontRef>
+        </p:style>
+      </p:cxnSp>
+      <p:sp>
+        <p:nvSpPr>
+          <p:cNvPr id="46" name="文字方塊 45">
+            <a:extLst>
+              <a:ext uri="{FF2B5EF4-FFF2-40B4-BE49-F238E27FC236}">
+                <a16:creationId xmlns:a16="http://schemas.microsoft.com/office/drawing/2014/main" id="{01DC44A1-22F1-0D9F-5586-AE823B3FF6F6}"/>
+              </a:ext>
+            </a:extLst>
+          </p:cNvPr>
+          <p:cNvSpPr txBox="1"/>
+          <p:nvPr/>
+        </p:nvSpPr>
+        <p:spPr>
+          <a:xfrm>
+            <a:off x="6447077" y="5428238"/>
+            <a:ext cx="1338828" cy="369332"/>
+          </a:xfrm>
+          <a:prstGeom prst="rect">
+            <a:avLst/>
+          </a:prstGeom>
+          <a:noFill/>
+          <a:ln>
+            <a:solidFill>
+              <a:schemeClr val="tx1"/>
+            </a:solidFill>
+          </a:ln>
+        </p:spPr>
+        <p:txBody>
+          <a:bodyPr wrap="none" rtlCol="0">
+            <a:spAutoFit/>
+          </a:bodyPr>
+          <a:lstStyle/>
+          <a:p>
+            <a:r>
+              <a:rPr lang="zh-TW" altLang="en-US" dirty="0"/>
+              <a:t>語音轉文字</a:t>
+            </a:r>
+          </a:p>
+        </p:txBody>
+      </p:sp>
+      <p:cxnSp>
+        <p:nvCxnSpPr>
+          <p:cNvPr id="52" name="直線單箭頭接點 51">
+            <a:extLst>
+              <a:ext uri="{FF2B5EF4-FFF2-40B4-BE49-F238E27FC236}">
+                <a16:creationId xmlns:a16="http://schemas.microsoft.com/office/drawing/2014/main" id="{D96DC549-0594-FB7B-E0F2-733F14EC03FE}"/>
+              </a:ext>
+            </a:extLst>
+          </p:cNvPr>
+          <p:cNvCxnSpPr>
+            <a:cxnSpLocks/>
+            <a:stCxn id="36" idx="3"/>
+            <a:endCxn id="46" idx="1"/>
+          </p:cNvCxnSpPr>
+          <p:nvPr/>
+        </p:nvCxnSpPr>
+        <p:spPr>
+          <a:xfrm>
+            <a:off x="4447242" y="4745645"/>
+            <a:ext cx="1999835" cy="867259"/>
+          </a:xfrm>
+          <a:prstGeom prst="straightConnector1">
+            <a:avLst/>
+          </a:prstGeom>
+          <a:ln w="28575">
+            <a:tailEnd type="triangle"/>
+          </a:ln>
+        </p:spPr>
+        <p:style>
+          <a:lnRef idx="1">
+            <a:schemeClr val="dk1"/>
+          </a:lnRef>
+          <a:fillRef idx="0">
+            <a:schemeClr val="dk1"/>
+          </a:fillRef>
+          <a:effectRef idx="0">
+            <a:schemeClr val="dk1"/>
+          </a:effectRef>
+          <a:fontRef idx="minor">
+            <a:schemeClr val="tx1"/>
+          </a:fontRef>
+        </p:style>
+      </p:cxnSp>
+      <p:sp>
+        <p:nvSpPr>
+          <p:cNvPr id="58" name="文字方塊 57">
+            <a:extLst>
+              <a:ext uri="{FF2B5EF4-FFF2-40B4-BE49-F238E27FC236}">
+                <a16:creationId xmlns:a16="http://schemas.microsoft.com/office/drawing/2014/main" id="{3C7973BE-A433-84BA-64A6-88886A70A3E7}"/>
+              </a:ext>
+            </a:extLst>
+          </p:cNvPr>
+          <p:cNvSpPr txBox="1"/>
+          <p:nvPr/>
+        </p:nvSpPr>
+        <p:spPr>
+          <a:xfrm>
+            <a:off x="9279591" y="4560979"/>
+            <a:ext cx="1107996" cy="369332"/>
+          </a:xfrm>
+          <a:prstGeom prst="rect">
+            <a:avLst/>
+          </a:prstGeom>
+          <a:noFill/>
+          <a:ln>
+            <a:solidFill>
+              <a:schemeClr val="tx1"/>
+            </a:solidFill>
+          </a:ln>
+        </p:spPr>
+        <p:txBody>
+          <a:bodyPr wrap="none" rtlCol="0">
+            <a:spAutoFit/>
+          </a:bodyPr>
+          <a:lstStyle/>
+          <a:p>
+            <a:r>
+              <a:rPr lang="zh-TW" altLang="en-US" dirty="0"/>
+              <a:t>結果判斷</a:t>
+            </a:r>
+          </a:p>
+        </p:txBody>
+      </p:sp>
+      <p:cxnSp>
+        <p:nvCxnSpPr>
+          <p:cNvPr id="59" name="直線單箭頭接點 58">
+            <a:extLst>
+              <a:ext uri="{FF2B5EF4-FFF2-40B4-BE49-F238E27FC236}">
+                <a16:creationId xmlns:a16="http://schemas.microsoft.com/office/drawing/2014/main" id="{D1C3E083-99DF-88E3-3497-967049C29CEC}"/>
+              </a:ext>
+            </a:extLst>
+          </p:cNvPr>
+          <p:cNvCxnSpPr>
+            <a:cxnSpLocks/>
+            <a:stCxn id="10" idx="3"/>
+            <a:endCxn id="58" idx="1"/>
+          </p:cNvCxnSpPr>
+          <p:nvPr/>
+        </p:nvCxnSpPr>
+        <p:spPr>
+          <a:xfrm>
+            <a:off x="8407472" y="4745645"/>
+            <a:ext cx="872119" cy="0"/>
+          </a:xfrm>
+          <a:prstGeom prst="straightConnector1">
+            <a:avLst/>
+          </a:prstGeom>
+          <a:ln w="28575">
+            <a:tailEnd type="triangle"/>
+          </a:ln>
+        </p:spPr>
+        <p:style>
+          <a:lnRef idx="1">
+            <a:schemeClr val="dk1"/>
+          </a:lnRef>
+          <a:fillRef idx="0">
+            <a:schemeClr val="dk1"/>
+          </a:fillRef>
+          <a:effectRef idx="0">
+            <a:schemeClr val="dk1"/>
+          </a:effectRef>
+          <a:fontRef idx="minor">
+            <a:schemeClr val="tx1"/>
+          </a:fontRef>
+        </p:style>
+      </p:cxnSp>
+      <p:cxnSp>
+        <p:nvCxnSpPr>
+          <p:cNvPr id="62" name="直線單箭頭接點 61">
+            <a:extLst>
+              <a:ext uri="{FF2B5EF4-FFF2-40B4-BE49-F238E27FC236}">
+                <a16:creationId xmlns:a16="http://schemas.microsoft.com/office/drawing/2014/main" id="{20074F51-A8DE-67A7-1FE8-C7D25A3D3A45}"/>
+              </a:ext>
+            </a:extLst>
+          </p:cNvPr>
+          <p:cNvCxnSpPr>
+            <a:cxnSpLocks/>
+            <a:stCxn id="46" idx="3"/>
+            <a:endCxn id="58" idx="1"/>
+          </p:cNvCxnSpPr>
+          <p:nvPr/>
+        </p:nvCxnSpPr>
+        <p:spPr>
+          <a:xfrm flipV="1">
+            <a:off x="7785905" y="4745645"/>
+            <a:ext cx="1493686" cy="867259"/>
+          </a:xfrm>
+          <a:prstGeom prst="straightConnector1">
+            <a:avLst/>
+          </a:prstGeom>
+          <a:ln w="28575">
+            <a:tailEnd type="triangle"/>
+          </a:ln>
+        </p:spPr>
+        <p:style>
+          <a:lnRef idx="1">
+            <a:schemeClr val="dk1"/>
+          </a:lnRef>
+          <a:fillRef idx="0">
+            <a:schemeClr val="dk1"/>
+          </a:fillRef>
+          <a:effectRef idx="0">
+            <a:schemeClr val="dk1"/>
+          </a:effectRef>
+          <a:fontRef idx="minor">
+            <a:schemeClr val="tx1"/>
+          </a:fontRef>
+        </p:style>
+      </p:cxnSp>
+    </p:spTree>
+    <p:extLst>
+      <p:ext uri="{BB962C8B-B14F-4D97-AF65-F5344CB8AC3E}">
+        <p14:creationId xmlns:p14="http://schemas.microsoft.com/office/powerpoint/2010/main" val="672530775"/>
+      </p:ext>
+    </p:extLst>
+  </p:cSld>
+  <p:clrMapOvr>
+    <a:masterClrMapping/>
+  </p:clrMapOvr>
+</p:sld>
+</file>
+
+<file path=ppt/slides/slide6.xml><?xml version="1.0" encoding="utf-8"?>
+<p:sld xmlns:a="http://schemas.openxmlformats.org/drawingml/2006/main" xmlns:r="http://schemas.openxmlformats.org/officeDocument/2006/relationships" xmlns:p="http://schemas.openxmlformats.org/presentationml/2006/main">
+  <p:cSld>
+    <p:spTree>
+      <p:nvGrpSpPr>
+        <p:cNvPr id="1" name=""/>
+        <p:cNvGrpSpPr/>
+        <p:nvPr/>
+      </p:nvGrpSpPr>
+      <p:grpSpPr>
+        <a:xfrm>
+          <a:off x="0" y="0"/>
+          <a:ext cx="0" cy="0"/>
+          <a:chOff x="0" y="0"/>
+          <a:chExt cx="0" cy="0"/>
+        </a:xfrm>
+      </p:grpSpPr>
+      <p:sp>
+        <p:nvSpPr>
+          <p:cNvPr id="2" name="標題 1">
+            <a:extLst>
+              <a:ext uri="{FF2B5EF4-FFF2-40B4-BE49-F238E27FC236}">
+                <a16:creationId xmlns:a16="http://schemas.microsoft.com/office/drawing/2014/main" id="{B4F6FBF0-3BB8-7B2B-1E4C-8834B6D46DD1}"/>
+              </a:ext>
+            </a:extLst>
+          </p:cNvPr>
+          <p:cNvSpPr>
+            <a:spLocks noGrp="1"/>
+          </p:cNvSpPr>
+          <p:nvPr>
+            <p:ph type="title"/>
+          </p:nvPr>
+        </p:nvSpPr>
+        <p:spPr/>
+        <p:txBody>
+          <a:bodyPr>
+            <a:normAutofit/>
+          </a:bodyPr>
+          <a:lstStyle/>
+          <a:p>
+            <a:r>
+              <a:rPr lang="zh-TW" altLang="en-US" dirty="0"/>
+              <a:t>資料庫的蒐集 </a:t>
+            </a:r>
+            <a:r>
+              <a:rPr lang="zh-TW" altLang="en-US" sz="1800" dirty="0"/>
+              <a:t>錄三秒鐘的音檔，並按照指定路徑、標籤存放</a:t>
+            </a:r>
+            <a:endParaRPr lang="zh-TW" altLang="en-US" dirty="0"/>
           </a:p>
         </p:txBody>
       </p:sp>
       <p:pic>
         <p:nvPicPr>
-          <p:cNvPr id="4" name="圖片 3">
-            <a:extLst>
-              <a:ext uri="{FF2B5EF4-FFF2-40B4-BE49-F238E27FC236}">
-                <a16:creationId xmlns:a16="http://schemas.microsoft.com/office/drawing/2014/main" id="{D697930D-A20A-F7DC-5576-3F0145EB5E10}"/>
+          <p:cNvPr id="5" name="內容版面配置區 4">
+            <a:extLst>
+              <a:ext uri="{FF2B5EF4-FFF2-40B4-BE49-F238E27FC236}">
+                <a16:creationId xmlns:a16="http://schemas.microsoft.com/office/drawing/2014/main" id="{75736709-87D9-29D3-6839-1B959A44A78E}"/>
+              </a:ext>
+            </a:extLst>
+          </p:cNvPr>
+          <p:cNvPicPr>
+            <a:picLocks noGrp="1" noChangeAspect="1"/>
+          </p:cNvPicPr>
+          <p:nvPr>
+            <p:ph idx="1"/>
+          </p:nvPr>
+        </p:nvPicPr>
+        <p:blipFill>
+          <a:blip r:embed="rId2"/>
+          <a:stretch>
+            <a:fillRect/>
+          </a:stretch>
+        </p:blipFill>
+        <p:spPr>
+          <a:xfrm>
+            <a:off x="2377440" y="3640278"/>
+            <a:ext cx="2038635" cy="381053"/>
+          </a:xfrm>
+        </p:spPr>
+      </p:pic>
+      <p:pic>
+        <p:nvPicPr>
+          <p:cNvPr id="10" name="圖片 9">
+            <a:extLst>
+              <a:ext uri="{FF2B5EF4-FFF2-40B4-BE49-F238E27FC236}">
+                <a16:creationId xmlns:a16="http://schemas.microsoft.com/office/drawing/2014/main" id="{CB0189C8-FAA5-271F-983F-4FDDC19BE91A}"/>
+              </a:ext>
+            </a:extLst>
+          </p:cNvPr>
+          <p:cNvPicPr>
+            <a:picLocks noChangeAspect="1"/>
+          </p:cNvPicPr>
+          <p:nvPr/>
+        </p:nvPicPr>
+        <p:blipFill>
+          <a:blip r:embed="rId3"/>
+          <a:stretch>
+            <a:fillRect/>
+          </a:stretch>
+        </p:blipFill>
+        <p:spPr>
+          <a:xfrm>
+            <a:off x="0" y="1690688"/>
+            <a:ext cx="12192000" cy="1517306"/>
+          </a:xfrm>
+          <a:prstGeom prst="rect">
+            <a:avLst/>
+          </a:prstGeom>
+        </p:spPr>
+      </p:pic>
+      <p:pic>
+        <p:nvPicPr>
+          <p:cNvPr id="12" name="圖片 11">
+            <a:extLst>
+              <a:ext uri="{FF2B5EF4-FFF2-40B4-BE49-F238E27FC236}">
+                <a16:creationId xmlns:a16="http://schemas.microsoft.com/office/drawing/2014/main" id="{74BABBF7-6394-3CF5-C7DC-E6F3970CC58B}"/>
+              </a:ext>
+            </a:extLst>
+          </p:cNvPr>
+          <p:cNvPicPr>
+            <a:picLocks noChangeAspect="1"/>
+          </p:cNvPicPr>
+          <p:nvPr/>
+        </p:nvPicPr>
+        <p:blipFill>
+          <a:blip r:embed="rId4"/>
+          <a:stretch>
+            <a:fillRect/>
+          </a:stretch>
+        </p:blipFill>
+        <p:spPr>
+          <a:xfrm>
+            <a:off x="6096000" y="3640278"/>
+            <a:ext cx="4305901" cy="1286054"/>
+          </a:xfrm>
+          <a:prstGeom prst="rect">
+            <a:avLst/>
+          </a:prstGeom>
+        </p:spPr>
+      </p:pic>
+      <p:cxnSp>
+        <p:nvCxnSpPr>
+          <p:cNvPr id="14" name="直線單箭頭接點 13">
+            <a:extLst>
+              <a:ext uri="{FF2B5EF4-FFF2-40B4-BE49-F238E27FC236}">
+                <a16:creationId xmlns:a16="http://schemas.microsoft.com/office/drawing/2014/main" id="{C67233B1-1143-2C6F-A5DC-FEF31D7FFE77}"/>
+              </a:ext>
+            </a:extLst>
+          </p:cNvPr>
+          <p:cNvCxnSpPr>
+            <a:stCxn id="5" idx="3"/>
+            <a:endCxn id="12" idx="1"/>
+          </p:cNvCxnSpPr>
+          <p:nvPr/>
+        </p:nvCxnSpPr>
+        <p:spPr>
+          <a:xfrm>
+            <a:off x="4416075" y="3830805"/>
+            <a:ext cx="1679925" cy="452500"/>
+          </a:xfrm>
+          <a:prstGeom prst="straightConnector1">
+            <a:avLst/>
+          </a:prstGeom>
+          <a:ln w="28575">
+            <a:tailEnd type="triangle"/>
+          </a:ln>
+        </p:spPr>
+        <p:style>
+          <a:lnRef idx="1">
+            <a:schemeClr val="dk1"/>
+          </a:lnRef>
+          <a:fillRef idx="0">
+            <a:schemeClr val="dk1"/>
+          </a:fillRef>
+          <a:effectRef idx="0">
+            <a:schemeClr val="dk1"/>
+          </a:effectRef>
+          <a:fontRef idx="minor">
+            <a:schemeClr val="tx1"/>
+          </a:fontRef>
+        </p:style>
+      </p:cxnSp>
+      <p:pic>
+        <p:nvPicPr>
+          <p:cNvPr id="16" name="圖片 15">
+            <a:extLst>
+              <a:ext uri="{FF2B5EF4-FFF2-40B4-BE49-F238E27FC236}">
+                <a16:creationId xmlns:a16="http://schemas.microsoft.com/office/drawing/2014/main" id="{D8DD2160-E7A8-AE5F-F6A9-74421B73FD5E}"/>
+              </a:ext>
+            </a:extLst>
+          </p:cNvPr>
+          <p:cNvPicPr>
+            <a:picLocks noChangeAspect="1"/>
+          </p:cNvPicPr>
+          <p:nvPr/>
+        </p:nvPicPr>
+        <p:blipFill>
+          <a:blip r:embed="rId5"/>
+          <a:stretch>
+            <a:fillRect/>
+          </a:stretch>
+        </p:blipFill>
+        <p:spPr>
+          <a:xfrm>
+            <a:off x="3396757" y="5421731"/>
+            <a:ext cx="1829055" cy="400106"/>
+          </a:xfrm>
+          <a:prstGeom prst="rect">
+            <a:avLst/>
+          </a:prstGeom>
+        </p:spPr>
+      </p:pic>
+      <p:cxnSp>
+        <p:nvCxnSpPr>
+          <p:cNvPr id="20" name="直線單箭頭接點 19">
+            <a:extLst>
+              <a:ext uri="{FF2B5EF4-FFF2-40B4-BE49-F238E27FC236}">
+                <a16:creationId xmlns:a16="http://schemas.microsoft.com/office/drawing/2014/main" id="{50F51F18-EF64-86F9-47B3-A01767CE02D8}"/>
+              </a:ext>
+            </a:extLst>
+          </p:cNvPr>
+          <p:cNvCxnSpPr>
+            <a:stCxn id="5" idx="2"/>
+            <a:endCxn id="16" idx="0"/>
+          </p:cNvCxnSpPr>
+          <p:nvPr/>
+        </p:nvCxnSpPr>
+        <p:spPr>
+          <a:xfrm>
+            <a:off x="3396758" y="4021331"/>
+            <a:ext cx="914527" cy="1400400"/>
+          </a:xfrm>
+          <a:prstGeom prst="straightConnector1">
+            <a:avLst/>
+          </a:prstGeom>
+          <a:ln w="28575">
+            <a:tailEnd type="triangle"/>
+          </a:ln>
+        </p:spPr>
+        <p:style>
+          <a:lnRef idx="1">
+            <a:schemeClr val="dk1"/>
+          </a:lnRef>
+          <a:fillRef idx="0">
+            <a:schemeClr val="dk1"/>
+          </a:fillRef>
+          <a:effectRef idx="0">
+            <a:schemeClr val="dk1"/>
+          </a:effectRef>
+          <a:fontRef idx="minor">
+            <a:schemeClr val="tx1"/>
+          </a:fontRef>
+        </p:style>
+      </p:cxnSp>
+    </p:spTree>
+    <p:extLst>
+      <p:ext uri="{BB962C8B-B14F-4D97-AF65-F5344CB8AC3E}">
+        <p14:creationId xmlns:p14="http://schemas.microsoft.com/office/powerpoint/2010/main" val="335629269"/>
+      </p:ext>
+    </p:extLst>
+  </p:cSld>
+  <p:clrMapOvr>
+    <a:masterClrMapping/>
+  </p:clrMapOvr>
+</p:sld>
+</file>
+
+<file path=ppt/slides/slide7.xml><?xml version="1.0" encoding="utf-8"?>
+<p:sld xmlns:a="http://schemas.openxmlformats.org/drawingml/2006/main" xmlns:r="http://schemas.openxmlformats.org/officeDocument/2006/relationships" xmlns:p="http://schemas.openxmlformats.org/presentationml/2006/main">
+  <p:cSld>
+    <p:spTree>
+      <p:nvGrpSpPr>
+        <p:cNvPr id="1" name=""/>
+        <p:cNvGrpSpPr/>
+        <p:nvPr/>
+      </p:nvGrpSpPr>
+      <p:grpSpPr>
+        <a:xfrm>
+          <a:off x="0" y="0"/>
+          <a:ext cx="0" cy="0"/>
+          <a:chOff x="0" y="0"/>
+          <a:chExt cx="0" cy="0"/>
+        </a:xfrm>
+      </p:grpSpPr>
+      <p:sp>
+        <p:nvSpPr>
+          <p:cNvPr id="2" name="標題 1">
+            <a:extLst>
+              <a:ext uri="{FF2B5EF4-FFF2-40B4-BE49-F238E27FC236}">
+                <a16:creationId xmlns:a16="http://schemas.microsoft.com/office/drawing/2014/main" id="{10280B0F-6488-DF85-BC7B-4C2CBE76A951}"/>
+              </a:ext>
+            </a:extLst>
+          </p:cNvPr>
+          <p:cNvSpPr>
+            <a:spLocks noGrp="1"/>
+          </p:cNvSpPr>
+          <p:nvPr>
+            <p:ph type="title"/>
+          </p:nvPr>
+        </p:nvSpPr>
+        <p:spPr/>
+        <p:txBody>
+          <a:bodyPr/>
+          <a:lstStyle/>
+          <a:p>
+            <a:r>
+              <a:rPr lang="zh-TW" altLang="en-US" dirty="0"/>
+              <a:t>模型的訓練</a:t>
+            </a:r>
+          </a:p>
+        </p:txBody>
+      </p:sp>
+      <p:pic>
+        <p:nvPicPr>
+          <p:cNvPr id="5" name="內容版面配置區 4">
+            <a:extLst>
+              <a:ext uri="{FF2B5EF4-FFF2-40B4-BE49-F238E27FC236}">
+                <a16:creationId xmlns:a16="http://schemas.microsoft.com/office/drawing/2014/main" id="{BD641ED9-2BFD-3539-FE92-AECD86FE1352}"/>
+              </a:ext>
+            </a:extLst>
+          </p:cNvPr>
+          <p:cNvPicPr>
+            <a:picLocks noGrp="1" noChangeAspect="1"/>
+          </p:cNvPicPr>
+          <p:nvPr>
+            <p:ph idx="1"/>
+          </p:nvPr>
+        </p:nvPicPr>
+        <p:blipFill>
+          <a:blip r:embed="rId2"/>
+          <a:stretch>
+            <a:fillRect/>
+          </a:stretch>
+        </p:blipFill>
+        <p:spPr>
+          <a:xfrm>
+            <a:off x="4862340" y="2795109"/>
+            <a:ext cx="2467319" cy="362001"/>
+          </a:xfrm>
+        </p:spPr>
+      </p:pic>
+      <p:pic>
+        <p:nvPicPr>
+          <p:cNvPr id="7" name="圖片 6">
+            <a:extLst>
+              <a:ext uri="{FF2B5EF4-FFF2-40B4-BE49-F238E27FC236}">
+                <a16:creationId xmlns:a16="http://schemas.microsoft.com/office/drawing/2014/main" id="{DD9A973C-F5EA-91E2-B9FD-52677A9A7296}"/>
+              </a:ext>
+            </a:extLst>
+          </p:cNvPr>
+          <p:cNvPicPr>
+            <a:picLocks noChangeAspect="1"/>
+          </p:cNvPicPr>
+          <p:nvPr/>
+        </p:nvPicPr>
+        <p:blipFill>
+          <a:blip r:embed="rId3"/>
+          <a:stretch>
+            <a:fillRect/>
+          </a:stretch>
+        </p:blipFill>
+        <p:spPr>
+          <a:xfrm>
+            <a:off x="8749345" y="2776057"/>
+            <a:ext cx="2410161" cy="381053"/>
+          </a:xfrm>
+          <a:prstGeom prst="rect">
+            <a:avLst/>
+          </a:prstGeom>
+        </p:spPr>
+      </p:pic>
+      <p:pic>
+        <p:nvPicPr>
+          <p:cNvPr id="8" name="圖片 7">
+            <a:extLst>
+              <a:ext uri="{FF2B5EF4-FFF2-40B4-BE49-F238E27FC236}">
+                <a16:creationId xmlns:a16="http://schemas.microsoft.com/office/drawing/2014/main" id="{D79E353A-1D67-1ACC-6CA2-A97662439EAB}"/>
+              </a:ext>
+            </a:extLst>
+          </p:cNvPr>
+          <p:cNvPicPr>
+            <a:picLocks noChangeAspect="1"/>
+          </p:cNvPicPr>
+          <p:nvPr/>
+        </p:nvPicPr>
+        <p:blipFill>
+          <a:blip r:embed="rId4"/>
+          <a:stretch>
+            <a:fillRect/>
+          </a:stretch>
+        </p:blipFill>
+        <p:spPr>
+          <a:xfrm>
+            <a:off x="1613602" y="2237206"/>
+            <a:ext cx="1829055" cy="400106"/>
+          </a:xfrm>
+          <a:prstGeom prst="rect">
+            <a:avLst/>
+          </a:prstGeom>
+        </p:spPr>
+      </p:pic>
+      <p:pic>
+        <p:nvPicPr>
+          <p:cNvPr id="10" name="圖片 9">
+            <a:extLst>
+              <a:ext uri="{FF2B5EF4-FFF2-40B4-BE49-F238E27FC236}">
+                <a16:creationId xmlns:a16="http://schemas.microsoft.com/office/drawing/2014/main" id="{B11BB363-D0BD-91E5-8F8D-E032DCBCDCA2}"/>
+              </a:ext>
+            </a:extLst>
+          </p:cNvPr>
+          <p:cNvPicPr>
+            <a:picLocks noChangeAspect="1"/>
+          </p:cNvPicPr>
+          <p:nvPr/>
+        </p:nvPicPr>
+        <p:blipFill>
+          <a:blip r:embed="rId5"/>
+          <a:stretch>
+            <a:fillRect/>
+          </a:stretch>
+        </p:blipFill>
+        <p:spPr>
+          <a:xfrm>
+            <a:off x="2018472" y="3407096"/>
+            <a:ext cx="1019317" cy="1924319"/>
+          </a:xfrm>
+          <a:prstGeom prst="rect">
+            <a:avLst/>
+          </a:prstGeom>
+        </p:spPr>
+      </p:pic>
+      <p:cxnSp>
+        <p:nvCxnSpPr>
+          <p:cNvPr id="12" name="直線單箭頭接點 11">
+            <a:extLst>
+              <a:ext uri="{FF2B5EF4-FFF2-40B4-BE49-F238E27FC236}">
+                <a16:creationId xmlns:a16="http://schemas.microsoft.com/office/drawing/2014/main" id="{544E7DF8-3961-02FB-D749-60764EF11B98}"/>
+              </a:ext>
+            </a:extLst>
+          </p:cNvPr>
+          <p:cNvCxnSpPr>
+            <a:stCxn id="8" idx="3"/>
+            <a:endCxn id="5" idx="1"/>
+          </p:cNvCxnSpPr>
+          <p:nvPr/>
+        </p:nvCxnSpPr>
+        <p:spPr>
+          <a:xfrm>
+            <a:off x="3442657" y="2437259"/>
+            <a:ext cx="1419683" cy="538851"/>
+          </a:xfrm>
+          <a:prstGeom prst="straightConnector1">
+            <a:avLst/>
+          </a:prstGeom>
+          <a:ln w="28575">
+            <a:tailEnd type="triangle"/>
+          </a:ln>
+        </p:spPr>
+        <p:style>
+          <a:lnRef idx="1">
+            <a:schemeClr val="dk1"/>
+          </a:lnRef>
+          <a:fillRef idx="0">
+            <a:schemeClr val="dk1"/>
+          </a:fillRef>
+          <a:effectRef idx="0">
+            <a:schemeClr val="dk1"/>
+          </a:effectRef>
+          <a:fontRef idx="minor">
+            <a:schemeClr val="tx1"/>
+          </a:fontRef>
+        </p:style>
+      </p:cxnSp>
+      <p:cxnSp>
+        <p:nvCxnSpPr>
+          <p:cNvPr id="14" name="直線單箭頭接點 13">
+            <a:extLst>
+              <a:ext uri="{FF2B5EF4-FFF2-40B4-BE49-F238E27FC236}">
+                <a16:creationId xmlns:a16="http://schemas.microsoft.com/office/drawing/2014/main" id="{2F7B07C8-815B-BB50-0D4A-EBB45A8B3E38}"/>
+              </a:ext>
+            </a:extLst>
+          </p:cNvPr>
+          <p:cNvCxnSpPr>
+            <a:stCxn id="10" idx="3"/>
+            <a:endCxn id="5" idx="1"/>
+          </p:cNvCxnSpPr>
+          <p:nvPr/>
+        </p:nvCxnSpPr>
+        <p:spPr>
+          <a:xfrm flipV="1">
+            <a:off x="3037789" y="2976110"/>
+            <a:ext cx="1824551" cy="1393146"/>
+          </a:xfrm>
+          <a:prstGeom prst="straightConnector1">
+            <a:avLst/>
+          </a:prstGeom>
+          <a:ln w="28575">
+            <a:tailEnd type="triangle"/>
+          </a:ln>
+        </p:spPr>
+        <p:style>
+          <a:lnRef idx="1">
+            <a:schemeClr val="dk1"/>
+          </a:lnRef>
+          <a:fillRef idx="0">
+            <a:schemeClr val="dk1"/>
+          </a:fillRef>
+          <a:effectRef idx="0">
+            <a:schemeClr val="dk1"/>
+          </a:effectRef>
+          <a:fontRef idx="minor">
+            <a:schemeClr val="tx1"/>
+          </a:fontRef>
+        </p:style>
+      </p:cxnSp>
+      <p:cxnSp>
+        <p:nvCxnSpPr>
+          <p:cNvPr id="18" name="直線單箭頭接點 17">
+            <a:extLst>
+              <a:ext uri="{FF2B5EF4-FFF2-40B4-BE49-F238E27FC236}">
+                <a16:creationId xmlns:a16="http://schemas.microsoft.com/office/drawing/2014/main" id="{A6B81069-872D-5AF1-D26A-C08A37254855}"/>
+              </a:ext>
+            </a:extLst>
+          </p:cNvPr>
+          <p:cNvCxnSpPr>
+            <a:stCxn id="5" idx="3"/>
+            <a:endCxn id="7" idx="1"/>
+          </p:cNvCxnSpPr>
+          <p:nvPr/>
+        </p:nvCxnSpPr>
+        <p:spPr>
+          <a:xfrm flipV="1">
+            <a:off x="7329659" y="2966584"/>
+            <a:ext cx="1419686" cy="9526"/>
+          </a:xfrm>
+          <a:prstGeom prst="straightConnector1">
+            <a:avLst/>
+          </a:prstGeom>
+          <a:ln w="28575">
+            <a:solidFill>
+              <a:schemeClr val="tx1"/>
+            </a:solidFill>
+            <a:tailEnd type="triangle"/>
+          </a:ln>
+        </p:spPr>
+        <p:style>
+          <a:lnRef idx="1">
+            <a:schemeClr val="dk1"/>
+          </a:lnRef>
+          <a:fillRef idx="0">
+            <a:schemeClr val="dk1"/>
+          </a:fillRef>
+          <a:effectRef idx="0">
+            <a:schemeClr val="dk1"/>
+          </a:effectRef>
+          <a:fontRef idx="minor">
+            <a:schemeClr val="tx1"/>
+          </a:fontRef>
+        </p:style>
+      </p:cxnSp>
+      <p:sp>
+        <p:nvSpPr>
+          <p:cNvPr id="19" name="文字方塊 18">
+            <a:extLst>
+              <a:ext uri="{FF2B5EF4-FFF2-40B4-BE49-F238E27FC236}">
+                <a16:creationId xmlns:a16="http://schemas.microsoft.com/office/drawing/2014/main" id="{E214B14A-59F2-16B9-39C9-DC1575310E21}"/>
+              </a:ext>
+            </a:extLst>
+          </p:cNvPr>
+          <p:cNvSpPr txBox="1"/>
+          <p:nvPr/>
+        </p:nvSpPr>
+        <p:spPr>
+          <a:xfrm>
+            <a:off x="1241105" y="1868488"/>
+            <a:ext cx="2838200" cy="369332"/>
+          </a:xfrm>
+          <a:prstGeom prst="rect">
+            <a:avLst/>
+          </a:prstGeom>
+          <a:noFill/>
+          <a:ln>
+            <a:solidFill>
+              <a:schemeClr val="tx1"/>
+            </a:solidFill>
+          </a:ln>
+        </p:spPr>
+        <p:txBody>
+          <a:bodyPr wrap="square" rtlCol="0">
+            <a:spAutoFit/>
+          </a:bodyPr>
+          <a:lstStyle/>
+          <a:p>
+            <a:r>
+              <a:rPr lang="zh-TW" altLang="en-US" dirty="0"/>
+              <a:t>讀取存放在</a:t>
+            </a:r>
+            <a:r>
+              <a:rPr lang="en-US" altLang="zh-TW" dirty="0"/>
+              <a:t>csv</a:t>
+            </a:r>
+            <a:r>
+              <a:rPr lang="zh-TW" altLang="en-US" dirty="0"/>
+              <a:t>檔裡的資料</a:t>
+            </a:r>
+          </a:p>
+        </p:txBody>
+      </p:sp>
+      <p:sp>
+        <p:nvSpPr>
+          <p:cNvPr id="20" name="文字方塊 19">
+            <a:extLst>
+              <a:ext uri="{FF2B5EF4-FFF2-40B4-BE49-F238E27FC236}">
+                <a16:creationId xmlns:a16="http://schemas.microsoft.com/office/drawing/2014/main" id="{3665CF15-53A3-746B-CF9C-9C1B1E91BE77}"/>
+              </a:ext>
+            </a:extLst>
+          </p:cNvPr>
+          <p:cNvSpPr txBox="1"/>
+          <p:nvPr/>
+        </p:nvSpPr>
+        <p:spPr>
+          <a:xfrm>
+            <a:off x="1042097" y="3029640"/>
+            <a:ext cx="3249227" cy="369332"/>
+          </a:xfrm>
+          <a:prstGeom prst="rect">
+            <a:avLst/>
+          </a:prstGeom>
+          <a:noFill/>
+          <a:ln>
+            <a:solidFill>
+              <a:schemeClr val="tx1"/>
+            </a:solidFill>
+          </a:ln>
+        </p:spPr>
+        <p:txBody>
+          <a:bodyPr wrap="square" rtlCol="0">
+            <a:spAutoFit/>
+          </a:bodyPr>
+          <a:lstStyle/>
+          <a:p>
+            <a:r>
+              <a:rPr lang="zh-TW" altLang="en-US" dirty="0"/>
+              <a:t>依照</a:t>
+            </a:r>
+            <a:r>
+              <a:rPr lang="en-US" altLang="zh-TW" dirty="0"/>
+              <a:t>csv</a:t>
+            </a:r>
+            <a:r>
+              <a:rPr lang="zh-TW" altLang="en-US" dirty="0"/>
+              <a:t>檔的資料讀取</a:t>
+            </a:r>
+            <a:r>
+              <a:rPr lang="en-US" altLang="zh-TW" dirty="0"/>
+              <a:t>wave</a:t>
+            </a:r>
+            <a:r>
+              <a:rPr lang="zh-TW" altLang="en-US" dirty="0"/>
+              <a:t>音檔</a:t>
+            </a:r>
+            <a:endParaRPr lang="en-US" altLang="zh-TW" dirty="0"/>
+          </a:p>
+        </p:txBody>
+      </p:sp>
+      <p:sp>
+        <p:nvSpPr>
+          <p:cNvPr id="21" name="文字方塊 20">
+            <a:extLst>
+              <a:ext uri="{FF2B5EF4-FFF2-40B4-BE49-F238E27FC236}">
+                <a16:creationId xmlns:a16="http://schemas.microsoft.com/office/drawing/2014/main" id="{1CE2BCA9-75C3-7654-8AD5-04EED25DCB1B}"/>
+              </a:ext>
+            </a:extLst>
+          </p:cNvPr>
+          <p:cNvSpPr txBox="1"/>
+          <p:nvPr/>
+        </p:nvSpPr>
+        <p:spPr>
+          <a:xfrm>
+            <a:off x="8790484" y="2406725"/>
+            <a:ext cx="2327881" cy="369332"/>
+          </a:xfrm>
+          <a:prstGeom prst="rect">
+            <a:avLst/>
+          </a:prstGeom>
+          <a:noFill/>
+          <a:ln>
+            <a:solidFill>
+              <a:schemeClr val="tx1"/>
+            </a:solidFill>
+          </a:ln>
+        </p:spPr>
+        <p:txBody>
+          <a:bodyPr wrap="none" rtlCol="0">
+            <a:spAutoFit/>
+          </a:bodyPr>
+          <a:lstStyle/>
+          <a:p>
+            <a:r>
+              <a:rPr lang="zh-TW" altLang="en-US" dirty="0"/>
+              <a:t>模型訓練完生成</a:t>
+            </a:r>
+            <a:r>
+              <a:rPr lang="en-US" altLang="zh-TW" dirty="0"/>
+              <a:t>.h5</a:t>
+            </a:r>
+            <a:r>
+              <a:rPr lang="zh-TW" altLang="en-US" dirty="0"/>
+              <a:t>檔</a:t>
+            </a:r>
+            <a:endParaRPr lang="en-US" altLang="zh-TW" dirty="0"/>
+          </a:p>
+        </p:txBody>
+      </p:sp>
+      <p:sp>
+        <p:nvSpPr>
+          <p:cNvPr id="22" name="文字方塊 21">
+            <a:extLst>
+              <a:ext uri="{FF2B5EF4-FFF2-40B4-BE49-F238E27FC236}">
+                <a16:creationId xmlns:a16="http://schemas.microsoft.com/office/drawing/2014/main" id="{2B277DAC-9C7E-5391-CB51-B32EF8C6BE59}"/>
+              </a:ext>
+            </a:extLst>
+          </p:cNvPr>
+          <p:cNvSpPr txBox="1"/>
+          <p:nvPr/>
+        </p:nvSpPr>
+        <p:spPr>
+          <a:xfrm>
+            <a:off x="4811194" y="3656688"/>
+            <a:ext cx="2753019" cy="369332"/>
+          </a:xfrm>
+          <a:prstGeom prst="rect">
+            <a:avLst/>
+          </a:prstGeom>
+          <a:noFill/>
+          <a:ln>
+            <a:solidFill>
+              <a:schemeClr val="tx1"/>
+            </a:solidFill>
+          </a:ln>
+        </p:spPr>
+        <p:txBody>
+          <a:bodyPr wrap="square" rtlCol="0">
+            <a:spAutoFit/>
+          </a:bodyPr>
+          <a:lstStyle/>
+          <a:p>
+            <a:r>
+              <a:rPr lang="zh-TW" altLang="en-US" dirty="0"/>
+              <a:t>保留長度大於三秒的資料</a:t>
+            </a:r>
+            <a:endParaRPr lang="en-US" altLang="zh-TW" dirty="0"/>
+          </a:p>
+        </p:txBody>
+      </p:sp>
+      <p:sp>
+        <p:nvSpPr>
+          <p:cNvPr id="9" name="文字方塊 8">
+            <a:extLst>
+              <a:ext uri="{FF2B5EF4-FFF2-40B4-BE49-F238E27FC236}">
+                <a16:creationId xmlns:a16="http://schemas.microsoft.com/office/drawing/2014/main" id="{72C89505-FE44-C26B-81E5-3E9B51582D08}"/>
+              </a:ext>
+            </a:extLst>
+          </p:cNvPr>
+          <p:cNvSpPr txBox="1"/>
+          <p:nvPr/>
+        </p:nvSpPr>
+        <p:spPr>
+          <a:xfrm>
+            <a:off x="4152498" y="4272085"/>
+            <a:ext cx="4070410" cy="369332"/>
+          </a:xfrm>
+          <a:prstGeom prst="rect">
+            <a:avLst/>
+          </a:prstGeom>
+          <a:noFill/>
+          <a:ln>
+            <a:solidFill>
+              <a:schemeClr val="tx1"/>
+            </a:solidFill>
+          </a:ln>
+        </p:spPr>
+        <p:txBody>
+          <a:bodyPr wrap="none" rtlCol="0">
+            <a:spAutoFit/>
+          </a:bodyPr>
+          <a:lstStyle/>
+          <a:p>
+            <a:r>
+              <a:rPr lang="zh-TW" altLang="en-US" dirty="0"/>
+              <a:t>用</a:t>
+            </a:r>
+            <a:r>
+              <a:rPr lang="en-US" altLang="zh-TW" dirty="0" err="1"/>
+              <a:t>librosa</a:t>
+            </a:r>
+            <a:r>
+              <a:rPr lang="zh-TW" altLang="en-US" dirty="0"/>
+              <a:t>讀取音檔的值，格式為</a:t>
+            </a:r>
+            <a:r>
+              <a:rPr lang="en-US" altLang="zh-TW" b="0" i="0" dirty="0" err="1">
+                <a:solidFill>
+                  <a:srgbClr val="4D4D4D"/>
+                </a:solidFill>
+                <a:effectLst/>
+                <a:latin typeface="-apple-system"/>
+              </a:rPr>
+              <a:t>ndarray</a:t>
+            </a:r>
+            <a:endParaRPr lang="zh-TW" altLang="en-US" dirty="0"/>
+          </a:p>
+        </p:txBody>
+      </p:sp>
+      <p:sp>
+        <p:nvSpPr>
+          <p:cNvPr id="11" name="文字方塊 10">
+            <a:extLst>
+              <a:ext uri="{FF2B5EF4-FFF2-40B4-BE49-F238E27FC236}">
+                <a16:creationId xmlns:a16="http://schemas.microsoft.com/office/drawing/2014/main" id="{43364520-C05D-3BF4-9959-DCFB430B0D64}"/>
+              </a:ext>
+            </a:extLst>
+          </p:cNvPr>
+          <p:cNvSpPr txBox="1"/>
+          <p:nvPr/>
+        </p:nvSpPr>
+        <p:spPr>
+          <a:xfrm>
+            <a:off x="4882619" y="4887482"/>
+            <a:ext cx="2610169" cy="369332"/>
+          </a:xfrm>
+          <a:prstGeom prst="rect">
+            <a:avLst/>
+          </a:prstGeom>
+          <a:noFill/>
+          <a:ln>
+            <a:solidFill>
+              <a:schemeClr val="tx1"/>
+            </a:solidFill>
+          </a:ln>
+        </p:spPr>
+        <p:txBody>
+          <a:bodyPr wrap="square" rtlCol="0">
+            <a:spAutoFit/>
+          </a:bodyPr>
+          <a:lstStyle/>
+          <a:p>
+            <a:r>
+              <a:rPr lang="zh-TW" altLang="en-US" dirty="0"/>
+              <a:t>使用時間順序求</a:t>
+            </a:r>
+            <a:r>
+              <a:rPr lang="en-US" altLang="zh-TW" dirty="0"/>
+              <a:t>Mel</a:t>
+            </a:r>
+            <a:r>
+              <a:rPr lang="zh-TW" altLang="en-US" dirty="0"/>
+              <a:t>頻譜</a:t>
+            </a:r>
+          </a:p>
+        </p:txBody>
+      </p:sp>
+      <p:sp>
+        <p:nvSpPr>
+          <p:cNvPr id="15" name="文字方塊 14">
+            <a:extLst>
+              <a:ext uri="{FF2B5EF4-FFF2-40B4-BE49-F238E27FC236}">
+                <a16:creationId xmlns:a16="http://schemas.microsoft.com/office/drawing/2014/main" id="{7B5D80E7-6080-2C6E-BB5D-BA0B56B517D2}"/>
+              </a:ext>
+            </a:extLst>
+          </p:cNvPr>
+          <p:cNvSpPr txBox="1"/>
+          <p:nvPr/>
+        </p:nvSpPr>
+        <p:spPr>
+          <a:xfrm>
+            <a:off x="4268748" y="5502880"/>
+            <a:ext cx="3837910" cy="369332"/>
+          </a:xfrm>
+          <a:prstGeom prst="rect">
+            <a:avLst/>
+          </a:prstGeom>
+          <a:noFill/>
+          <a:ln>
+            <a:solidFill>
+              <a:schemeClr val="tx1"/>
+            </a:solidFill>
+          </a:ln>
+        </p:spPr>
+        <p:txBody>
+          <a:bodyPr wrap="none" rtlCol="0">
+            <a:spAutoFit/>
+          </a:bodyPr>
+          <a:lstStyle/>
+          <a:p>
+            <a:r>
+              <a:rPr lang="zh-TW" altLang="en-US" dirty="0"/>
+              <a:t>最後用轉換好的頻譜用</a:t>
+            </a:r>
+            <a:r>
+              <a:rPr lang="en-US" altLang="zh-TW" dirty="0"/>
+              <a:t>CNN</a:t>
+            </a:r>
+            <a:r>
+              <a:rPr lang="zh-TW" altLang="en-US" dirty="0"/>
+              <a:t>模型訓練</a:t>
+            </a:r>
+          </a:p>
+        </p:txBody>
+      </p:sp>
+    </p:spTree>
+    <p:extLst>
+      <p:ext uri="{BB962C8B-B14F-4D97-AF65-F5344CB8AC3E}">
+        <p14:creationId xmlns:p14="http://schemas.microsoft.com/office/powerpoint/2010/main" val="1900301499"/>
+      </p:ext>
+    </p:extLst>
+  </p:cSld>
+  <p:clrMapOvr>
+    <a:masterClrMapping/>
+  </p:clrMapOvr>
+</p:sld>
+</file>
+
+<file path=ppt/slides/slide8.xml><?xml version="1.0" encoding="utf-8"?>
+<p:sld xmlns:a="http://schemas.openxmlformats.org/drawingml/2006/main" xmlns:r="http://schemas.openxmlformats.org/officeDocument/2006/relationships" xmlns:p="http://schemas.openxmlformats.org/presentationml/2006/main">
+  <p:cSld>
+    <p:spTree>
+      <p:nvGrpSpPr>
+        <p:cNvPr id="1" name=""/>
+        <p:cNvGrpSpPr/>
+        <p:nvPr/>
+      </p:nvGrpSpPr>
+      <p:grpSpPr>
+        <a:xfrm>
+          <a:off x="0" y="0"/>
+          <a:ext cx="0" cy="0"/>
+          <a:chOff x="0" y="0"/>
+          <a:chExt cx="0" cy="0"/>
+        </a:xfrm>
+      </p:grpSpPr>
+      <p:sp>
+        <p:nvSpPr>
+          <p:cNvPr id="2" name="標題 1">
+            <a:extLst>
+              <a:ext uri="{FF2B5EF4-FFF2-40B4-BE49-F238E27FC236}">
+                <a16:creationId xmlns:a16="http://schemas.microsoft.com/office/drawing/2014/main" id="{DDCF558C-9287-9955-7523-14E5AF838BC1}"/>
+              </a:ext>
+            </a:extLst>
+          </p:cNvPr>
+          <p:cNvSpPr>
+            <a:spLocks noGrp="1"/>
+          </p:cNvSpPr>
+          <p:nvPr>
+            <p:ph type="title"/>
+          </p:nvPr>
+        </p:nvSpPr>
+        <p:spPr/>
+        <p:txBody>
+          <a:bodyPr/>
+          <a:lstStyle/>
+          <a:p>
+            <a:r>
+              <a:rPr lang="en-US" altLang="zh-TW" dirty="0"/>
+              <a:t>Mel</a:t>
+            </a:r>
+            <a:r>
+              <a:rPr lang="zh-TW" altLang="en-US" dirty="0"/>
+              <a:t>頻譜圖</a:t>
+            </a:r>
+          </a:p>
+        </p:txBody>
+      </p:sp>
+      <p:pic>
+        <p:nvPicPr>
+          <p:cNvPr id="2050" name="Picture 2">
+            <a:extLst>
+              <a:ext uri="{FF2B5EF4-FFF2-40B4-BE49-F238E27FC236}">
+                <a16:creationId xmlns:a16="http://schemas.microsoft.com/office/drawing/2014/main" id="{569D2ADF-B631-8D6B-B0E7-565E1F5FC62C}"/>
+              </a:ext>
+            </a:extLst>
+          </p:cNvPr>
+          <p:cNvPicPr>
+            <a:picLocks noChangeAspect="1" noChangeArrowheads="1"/>
+          </p:cNvPicPr>
+          <p:nvPr/>
+        </p:nvPicPr>
+        <p:blipFill>
+          <a:blip r:embed="rId2">
+            <a:extLst>
+              <a:ext uri="{28A0092B-C50C-407E-A947-70E740481C1C}">
+                <a14:useLocalDpi xmlns:a14="http://schemas.microsoft.com/office/drawing/2010/main" val="0"/>
+              </a:ext>
+            </a:extLst>
+          </a:blip>
+          <a:srcRect/>
+          <a:stretch>
+            <a:fillRect/>
+          </a:stretch>
+        </p:blipFill>
+        <p:spPr bwMode="auto">
+          <a:xfrm>
+            <a:off x="838200" y="1825625"/>
+            <a:ext cx="9525000" cy="3810000"/>
+          </a:xfrm>
+          <a:prstGeom prst="rect">
+            <a:avLst/>
+          </a:prstGeom>
+          <a:noFill/>
+          <a:extLst>
+            <a:ext uri="{909E8E84-426E-40DD-AFC4-6F175D3DCCD1}">
+              <a14:hiddenFill xmlns:a14="http://schemas.microsoft.com/office/drawing/2010/main">
+                <a:solidFill>
+                  <a:srgbClr val="FFFFFF"/>
+                </a:solidFill>
+              </a14:hiddenFill>
+            </a:ext>
+          </a:extLst>
+        </p:spPr>
+      </p:pic>
+    </p:spTree>
+    <p:extLst>
+      <p:ext uri="{BB962C8B-B14F-4D97-AF65-F5344CB8AC3E}">
+        <p14:creationId xmlns:p14="http://schemas.microsoft.com/office/powerpoint/2010/main" val="225864112"/>
+      </p:ext>
+    </p:extLst>
+  </p:cSld>
+  <p:clrMapOvr>
+    <a:masterClrMapping/>
+  </p:clrMapOvr>
+</p:sld>
+</file>
+
+<file path=ppt/slides/slide9.xml><?xml version="1.0" encoding="utf-8"?>
+<p:sld xmlns:a="http://schemas.openxmlformats.org/drawingml/2006/main" xmlns:r="http://schemas.openxmlformats.org/officeDocument/2006/relationships" xmlns:p="http://schemas.openxmlformats.org/presentationml/2006/main">
+  <p:cSld>
+    <p:spTree>
+      <p:nvGrpSpPr>
+        <p:cNvPr id="1" name=""/>
+        <p:cNvGrpSpPr/>
+        <p:nvPr/>
+      </p:nvGrpSpPr>
+      <p:grpSpPr>
+        <a:xfrm>
+          <a:off x="0" y="0"/>
+          <a:ext cx="0" cy="0"/>
+          <a:chOff x="0" y="0"/>
+          <a:chExt cx="0" cy="0"/>
+        </a:xfrm>
+      </p:grpSpPr>
+      <p:sp>
+        <p:nvSpPr>
+          <p:cNvPr id="2" name="標題 1">
+            <a:extLst>
+              <a:ext uri="{FF2B5EF4-FFF2-40B4-BE49-F238E27FC236}">
+                <a16:creationId xmlns:a16="http://schemas.microsoft.com/office/drawing/2014/main" id="{19D0CA93-E59A-8FD7-7AC6-F701E4A49B7B}"/>
+              </a:ext>
+            </a:extLst>
+          </p:cNvPr>
+          <p:cNvSpPr>
+            <a:spLocks noGrp="1"/>
+          </p:cNvSpPr>
+          <p:nvPr>
+            <p:ph type="title"/>
+          </p:nvPr>
+        </p:nvSpPr>
+        <p:spPr/>
+        <p:txBody>
+          <a:bodyPr/>
+          <a:lstStyle/>
+          <a:p>
+            <a:r>
+              <a:rPr lang="zh-TW" altLang="en-US" dirty="0"/>
+              <a:t>實際測試</a:t>
+            </a:r>
+          </a:p>
+        </p:txBody>
+      </p:sp>
+      <p:pic>
+        <p:nvPicPr>
+          <p:cNvPr id="5" name="圖片 4">
+            <a:extLst>
+              <a:ext uri="{FF2B5EF4-FFF2-40B4-BE49-F238E27FC236}">
+                <a16:creationId xmlns:a16="http://schemas.microsoft.com/office/drawing/2014/main" id="{B5C40785-9678-399B-278E-A2B61D5E8A85}"/>
               </a:ext>
             </a:extLst>
           </p:cNvPr>
@@ -4696,30 +6771,811 @@
           <p:nvPr/>
         </p:nvPicPr>
         <p:blipFill rotWithShape="1">
-          <a:blip r:embed="rId2"/>
-          <a:srcRect t="56170" r="13390" b="158"/>
+          <a:blip r:embed="rId4"/>
+          <a:srcRect r="19552"/>
           <a:stretch/>
         </p:blipFill>
         <p:spPr>
           <a:xfrm>
-            <a:off x="838200" y="1825625"/>
-            <a:ext cx="6229350" cy="965200"/>
+            <a:off x="838200" y="2849006"/>
+            <a:ext cx="1778000" cy="381053"/>
           </a:xfrm>
           <a:prstGeom prst="rect">
             <a:avLst/>
           </a:prstGeom>
         </p:spPr>
       </p:pic>
+      <p:grpSp>
+        <p:nvGrpSpPr>
+          <p:cNvPr id="79" name="群組 78">
+            <a:extLst>
+              <a:ext uri="{FF2B5EF4-FFF2-40B4-BE49-F238E27FC236}">
+                <a16:creationId xmlns:a16="http://schemas.microsoft.com/office/drawing/2014/main" id="{8465E9F4-D92A-4E39-E421-25742DFBEBFF}"/>
+              </a:ext>
+            </a:extLst>
+          </p:cNvPr>
+          <p:cNvGrpSpPr/>
+          <p:nvPr/>
+        </p:nvGrpSpPr>
+        <p:grpSpPr>
+          <a:xfrm>
+            <a:off x="5339286" y="4022461"/>
+            <a:ext cx="5220430" cy="1814935"/>
+            <a:chOff x="6133370" y="4677940"/>
+            <a:chExt cx="5220430" cy="1814935"/>
+          </a:xfrm>
+        </p:grpSpPr>
+        <p:grpSp>
+          <p:nvGrpSpPr>
+            <p:cNvPr id="6" name="群組 5">
+              <a:extLst>
+                <a:ext uri="{FF2B5EF4-FFF2-40B4-BE49-F238E27FC236}">
+                  <a16:creationId xmlns:a16="http://schemas.microsoft.com/office/drawing/2014/main" id="{395C1BBD-55C3-06FF-721D-765A4BFD8493}"/>
+                </a:ext>
+              </a:extLst>
+            </p:cNvPr>
+            <p:cNvGrpSpPr/>
+            <p:nvPr/>
+          </p:nvGrpSpPr>
+          <p:grpSpPr>
+            <a:xfrm>
+              <a:off x="6133370" y="4677940"/>
+              <a:ext cx="5220430" cy="1814935"/>
+              <a:chOff x="838200" y="3035299"/>
+              <a:chExt cx="5220430" cy="1814935"/>
+            </a:xfrm>
+          </p:grpSpPr>
+          <p:pic>
+            <p:nvPicPr>
+              <p:cNvPr id="7" name="圖片 6">
+                <a:extLst>
+                  <a:ext uri="{FF2B5EF4-FFF2-40B4-BE49-F238E27FC236}">
+                    <a16:creationId xmlns:a16="http://schemas.microsoft.com/office/drawing/2014/main" id="{5639952F-E727-28B6-42A9-793AC03E8D22}"/>
+                  </a:ext>
+                </a:extLst>
+              </p:cNvPr>
+              <p:cNvPicPr>
+                <a:picLocks noChangeAspect="1"/>
+              </p:cNvPicPr>
+              <p:nvPr/>
+            </p:nvPicPr>
+            <p:blipFill rotWithShape="1">
+              <a:blip r:embed="rId5"/>
+              <a:srcRect t="80646"/>
+              <a:stretch/>
+            </p:blipFill>
+            <p:spPr>
+              <a:xfrm>
+                <a:off x="838200" y="3956050"/>
+                <a:ext cx="5220429" cy="894184"/>
+              </a:xfrm>
+              <a:prstGeom prst="rect">
+                <a:avLst/>
+              </a:prstGeom>
+            </p:spPr>
+          </p:pic>
+          <p:pic>
+            <p:nvPicPr>
+              <p:cNvPr id="8" name="圖片 7">
+                <a:extLst>
+                  <a:ext uri="{FF2B5EF4-FFF2-40B4-BE49-F238E27FC236}">
+                    <a16:creationId xmlns:a16="http://schemas.microsoft.com/office/drawing/2014/main" id="{B1DE9FB8-55AD-9C5A-A54E-12A8A8F481F7}"/>
+                  </a:ext>
+                </a:extLst>
+              </p:cNvPr>
+              <p:cNvPicPr>
+                <a:picLocks noChangeAspect="1"/>
+              </p:cNvPicPr>
+              <p:nvPr/>
+            </p:nvPicPr>
+            <p:blipFill rotWithShape="1">
+              <a:blip r:embed="rId5"/>
+              <a:srcRect t="1512" b="78559"/>
+              <a:stretch/>
+            </p:blipFill>
+            <p:spPr>
+              <a:xfrm>
+                <a:off x="838201" y="3035299"/>
+                <a:ext cx="5220429" cy="920751"/>
+              </a:xfrm>
+              <a:prstGeom prst="rect">
+                <a:avLst/>
+              </a:prstGeom>
+            </p:spPr>
+          </p:pic>
+        </p:grpSp>
+        <p:pic>
+          <p:nvPicPr>
+            <p:cNvPr id="9" name="test22-06-04_16-01-06">
+              <a:hlinkClick r:id="" action="ppaction://media"/>
+              <a:extLst>
+                <a:ext uri="{FF2B5EF4-FFF2-40B4-BE49-F238E27FC236}">
+                  <a16:creationId xmlns:a16="http://schemas.microsoft.com/office/drawing/2014/main" id="{8D9D6523-C5FD-3B18-41CD-8E30BD599690}"/>
+                </a:ext>
+              </a:extLst>
+            </p:cNvPr>
+            <p:cNvPicPr>
+              <a:picLocks noChangeAspect="1"/>
+            </p:cNvPicPr>
+            <p:nvPr>
+              <a:audioFile r:link="rId2"/>
+              <p:extLst>
+                <p:ext uri="{DAA4B4D4-6D71-4841-9C94-3DE7FCFB9230}">
+                  <p14:media xmlns:p14="http://schemas.microsoft.com/office/powerpoint/2010/main" r:embed="rId1"/>
+                </p:ext>
+              </p:extLst>
+            </p:nvPr>
+          </p:nvPicPr>
+          <p:blipFill>
+            <a:blip r:embed="rId6"/>
+            <a:stretch>
+              <a:fillRect/>
+            </a:stretch>
+          </p:blipFill>
+          <p:spPr>
+            <a:xfrm>
+              <a:off x="10854106" y="6045783"/>
+              <a:ext cx="406400" cy="406400"/>
+            </a:xfrm>
+            <a:prstGeom prst="rect">
+              <a:avLst/>
+            </a:prstGeom>
+          </p:spPr>
+        </p:pic>
+      </p:grpSp>
+      <p:pic>
+        <p:nvPicPr>
+          <p:cNvPr id="10" name="內容版面配置區 4">
+            <a:extLst>
+              <a:ext uri="{FF2B5EF4-FFF2-40B4-BE49-F238E27FC236}">
+                <a16:creationId xmlns:a16="http://schemas.microsoft.com/office/drawing/2014/main" id="{C05C6A1B-8DAE-8241-9D65-ADC3EE3BE666}"/>
+              </a:ext>
+            </a:extLst>
+          </p:cNvPr>
+          <p:cNvPicPr>
+            <a:picLocks noChangeAspect="1"/>
+          </p:cNvPicPr>
+          <p:nvPr/>
+        </p:nvPicPr>
+        <p:blipFill>
+          <a:blip r:embed="rId7"/>
+          <a:stretch>
+            <a:fillRect/>
+          </a:stretch>
+        </p:blipFill>
+        <p:spPr>
+          <a:xfrm>
+            <a:off x="5104799" y="2062521"/>
+            <a:ext cx="2038635" cy="381053"/>
+          </a:xfrm>
+          <a:prstGeom prst="rect">
+            <a:avLst/>
+          </a:prstGeom>
+        </p:spPr>
+      </p:pic>
+      <p:sp>
+        <p:nvSpPr>
+          <p:cNvPr id="11" name="文字方塊 10">
+            <a:extLst>
+              <a:ext uri="{FF2B5EF4-FFF2-40B4-BE49-F238E27FC236}">
+                <a16:creationId xmlns:a16="http://schemas.microsoft.com/office/drawing/2014/main" id="{E5DE3164-9B9A-A279-17A5-6459A1769716}"/>
+              </a:ext>
+            </a:extLst>
+          </p:cNvPr>
+          <p:cNvSpPr txBox="1"/>
+          <p:nvPr/>
+        </p:nvSpPr>
+        <p:spPr>
+          <a:xfrm>
+            <a:off x="3543689" y="2426773"/>
+            <a:ext cx="1107996" cy="369332"/>
+          </a:xfrm>
+          <a:prstGeom prst="rect">
+            <a:avLst/>
+          </a:prstGeom>
+          <a:noFill/>
+          <a:ln>
+            <a:solidFill>
+              <a:schemeClr val="tx1"/>
+            </a:solidFill>
+          </a:ln>
+        </p:spPr>
+        <p:txBody>
+          <a:bodyPr wrap="none" rtlCol="0">
+            <a:spAutoFit/>
+          </a:bodyPr>
+          <a:lstStyle/>
+          <a:p>
+            <a:r>
+              <a:rPr lang="zh-TW" altLang="en-US" dirty="0"/>
+              <a:t>讀取模型</a:t>
+            </a:r>
+          </a:p>
+        </p:txBody>
+      </p:sp>
+      <p:pic>
+        <p:nvPicPr>
+          <p:cNvPr id="12" name="圖片 11">
+            <a:extLst>
+              <a:ext uri="{FF2B5EF4-FFF2-40B4-BE49-F238E27FC236}">
+                <a16:creationId xmlns:a16="http://schemas.microsoft.com/office/drawing/2014/main" id="{5612CBFC-76EB-1550-EA0D-0C75B4D713A3}"/>
+              </a:ext>
+            </a:extLst>
+          </p:cNvPr>
+          <p:cNvPicPr>
+            <a:picLocks noChangeAspect="1"/>
+          </p:cNvPicPr>
+          <p:nvPr/>
+        </p:nvPicPr>
+        <p:blipFill>
+          <a:blip r:embed="rId8"/>
+          <a:stretch>
+            <a:fillRect/>
+          </a:stretch>
+        </p:blipFill>
+        <p:spPr>
+          <a:xfrm>
+            <a:off x="2335066" y="2062521"/>
+            <a:ext cx="2410161" cy="381053"/>
+          </a:xfrm>
+          <a:prstGeom prst="rect">
+            <a:avLst/>
+          </a:prstGeom>
+        </p:spPr>
+      </p:pic>
+      <p:sp>
+        <p:nvSpPr>
+          <p:cNvPr id="13" name="文字方塊 12">
+            <a:extLst>
+              <a:ext uri="{FF2B5EF4-FFF2-40B4-BE49-F238E27FC236}">
+                <a16:creationId xmlns:a16="http://schemas.microsoft.com/office/drawing/2014/main" id="{EFDBE4B2-16D6-863E-DBE2-F292ABFF27D3}"/>
+              </a:ext>
+            </a:extLst>
+          </p:cNvPr>
+          <p:cNvSpPr txBox="1"/>
+          <p:nvPr/>
+        </p:nvSpPr>
+        <p:spPr>
+          <a:xfrm>
+            <a:off x="6133370" y="2438539"/>
+            <a:ext cx="1107996" cy="369332"/>
+          </a:xfrm>
+          <a:prstGeom prst="rect">
+            <a:avLst/>
+          </a:prstGeom>
+          <a:noFill/>
+          <a:ln>
+            <a:solidFill>
+              <a:schemeClr val="tx1"/>
+            </a:solidFill>
+          </a:ln>
+        </p:spPr>
+        <p:txBody>
+          <a:bodyPr wrap="none" rtlCol="0">
+            <a:spAutoFit/>
+          </a:bodyPr>
+          <a:lstStyle/>
+          <a:p>
+            <a:r>
+              <a:rPr lang="zh-TW" altLang="en-US" dirty="0"/>
+              <a:t>錄製聲音</a:t>
+            </a:r>
+          </a:p>
+        </p:txBody>
+      </p:sp>
+      <p:cxnSp>
+        <p:nvCxnSpPr>
+          <p:cNvPr id="17" name="直線單箭頭接點 16">
+            <a:extLst>
+              <a:ext uri="{FF2B5EF4-FFF2-40B4-BE49-F238E27FC236}">
+                <a16:creationId xmlns:a16="http://schemas.microsoft.com/office/drawing/2014/main" id="{8A6C131A-CADA-DA43-931E-D3B8AED64E74}"/>
+              </a:ext>
+            </a:extLst>
+          </p:cNvPr>
+          <p:cNvCxnSpPr>
+            <a:cxnSpLocks/>
+            <a:stCxn id="12" idx="2"/>
+          </p:cNvCxnSpPr>
+          <p:nvPr/>
+        </p:nvCxnSpPr>
+        <p:spPr>
+          <a:xfrm>
+            <a:off x="3540147" y="2443574"/>
+            <a:ext cx="0" cy="595959"/>
+          </a:xfrm>
+          <a:prstGeom prst="straightConnector1">
+            <a:avLst/>
+          </a:prstGeom>
+          <a:ln w="28575">
+            <a:tailEnd type="triangle"/>
+          </a:ln>
+        </p:spPr>
+        <p:style>
+          <a:lnRef idx="1">
+            <a:schemeClr val="dk1"/>
+          </a:lnRef>
+          <a:fillRef idx="0">
+            <a:schemeClr val="dk1"/>
+          </a:fillRef>
+          <a:effectRef idx="0">
+            <a:schemeClr val="dk1"/>
+          </a:effectRef>
+          <a:fontRef idx="minor">
+            <a:schemeClr val="tx1"/>
+          </a:fontRef>
+        </p:style>
+      </p:cxnSp>
+      <p:cxnSp>
+        <p:nvCxnSpPr>
+          <p:cNvPr id="19" name="直線單箭頭接點 18">
+            <a:extLst>
+              <a:ext uri="{FF2B5EF4-FFF2-40B4-BE49-F238E27FC236}">
+                <a16:creationId xmlns:a16="http://schemas.microsoft.com/office/drawing/2014/main" id="{3570D25B-2506-CBA2-7A90-C53DD51CCC58}"/>
+              </a:ext>
+            </a:extLst>
+          </p:cNvPr>
+          <p:cNvCxnSpPr>
+            <a:cxnSpLocks/>
+            <a:stCxn id="10" idx="2"/>
+          </p:cNvCxnSpPr>
+          <p:nvPr/>
+        </p:nvCxnSpPr>
+        <p:spPr>
+          <a:xfrm flipH="1">
+            <a:off x="6124116" y="2443574"/>
+            <a:ext cx="1" cy="595958"/>
+          </a:xfrm>
+          <a:prstGeom prst="straightConnector1">
+            <a:avLst/>
+          </a:prstGeom>
+          <a:ln w="28575">
+            <a:tailEnd type="triangle"/>
+          </a:ln>
+        </p:spPr>
+        <p:style>
+          <a:lnRef idx="1">
+            <a:schemeClr val="dk1"/>
+          </a:lnRef>
+          <a:fillRef idx="0">
+            <a:schemeClr val="dk1"/>
+          </a:fillRef>
+          <a:effectRef idx="0">
+            <a:schemeClr val="dk1"/>
+          </a:effectRef>
+          <a:fontRef idx="minor">
+            <a:schemeClr val="tx1"/>
+          </a:fontRef>
+        </p:style>
+      </p:cxnSp>
+      <p:pic>
+        <p:nvPicPr>
+          <p:cNvPr id="23" name="圖片 22">
+            <a:extLst>
+              <a:ext uri="{FF2B5EF4-FFF2-40B4-BE49-F238E27FC236}">
+                <a16:creationId xmlns:a16="http://schemas.microsoft.com/office/drawing/2014/main" id="{F35FA5E8-79EC-D14C-B01E-CC203DB2877E}"/>
+              </a:ext>
+            </a:extLst>
+          </p:cNvPr>
+          <p:cNvPicPr>
+            <a:picLocks noChangeAspect="1"/>
+          </p:cNvPicPr>
+          <p:nvPr/>
+        </p:nvPicPr>
+        <p:blipFill>
+          <a:blip r:embed="rId9"/>
+          <a:stretch>
+            <a:fillRect/>
+          </a:stretch>
+        </p:blipFill>
+        <p:spPr>
+          <a:xfrm>
+            <a:off x="7503005" y="2062521"/>
+            <a:ext cx="1589528" cy="381052"/>
+          </a:xfrm>
+          <a:prstGeom prst="rect">
+            <a:avLst/>
+          </a:prstGeom>
+        </p:spPr>
+      </p:pic>
+      <p:sp>
+        <p:nvSpPr>
+          <p:cNvPr id="24" name="文字方塊 23">
+            <a:extLst>
+              <a:ext uri="{FF2B5EF4-FFF2-40B4-BE49-F238E27FC236}">
+                <a16:creationId xmlns:a16="http://schemas.microsoft.com/office/drawing/2014/main" id="{51AA5267-B389-0AAB-3C4E-91BD5BEF94DE}"/>
+              </a:ext>
+            </a:extLst>
+          </p:cNvPr>
+          <p:cNvSpPr txBox="1"/>
+          <p:nvPr/>
+        </p:nvSpPr>
+        <p:spPr>
+          <a:xfrm>
+            <a:off x="8297769" y="2438539"/>
+            <a:ext cx="1338828" cy="369332"/>
+          </a:xfrm>
+          <a:prstGeom prst="rect">
+            <a:avLst/>
+          </a:prstGeom>
+          <a:noFill/>
+          <a:ln>
+            <a:solidFill>
+              <a:schemeClr val="tx1"/>
+            </a:solidFill>
+          </a:ln>
+        </p:spPr>
+        <p:txBody>
+          <a:bodyPr wrap="none" rtlCol="0">
+            <a:spAutoFit/>
+          </a:bodyPr>
+          <a:lstStyle/>
+          <a:p>
+            <a:r>
+              <a:rPr lang="zh-TW" altLang="en-US" dirty="0"/>
+              <a:t>語音轉文字</a:t>
+            </a:r>
+          </a:p>
+        </p:txBody>
+      </p:sp>
+      <p:cxnSp>
+        <p:nvCxnSpPr>
+          <p:cNvPr id="27" name="直線單箭頭接點 26">
+            <a:extLst>
+              <a:ext uri="{FF2B5EF4-FFF2-40B4-BE49-F238E27FC236}">
+                <a16:creationId xmlns:a16="http://schemas.microsoft.com/office/drawing/2014/main" id="{CE7EE87A-7B8F-D862-9FE9-7B929F4881C0}"/>
+              </a:ext>
+            </a:extLst>
+          </p:cNvPr>
+          <p:cNvCxnSpPr>
+            <a:cxnSpLocks/>
+            <a:stCxn id="23" idx="2"/>
+          </p:cNvCxnSpPr>
+          <p:nvPr/>
+        </p:nvCxnSpPr>
+        <p:spPr>
+          <a:xfrm>
+            <a:off x="8297769" y="2443573"/>
+            <a:ext cx="0" cy="595959"/>
+          </a:xfrm>
+          <a:prstGeom prst="straightConnector1">
+            <a:avLst/>
+          </a:prstGeom>
+          <a:ln w="28575">
+            <a:tailEnd type="triangle"/>
+          </a:ln>
+        </p:spPr>
+        <p:style>
+          <a:lnRef idx="1">
+            <a:schemeClr val="dk1"/>
+          </a:lnRef>
+          <a:fillRef idx="0">
+            <a:schemeClr val="dk1"/>
+          </a:fillRef>
+          <a:effectRef idx="0">
+            <a:schemeClr val="dk1"/>
+          </a:effectRef>
+          <a:fontRef idx="minor">
+            <a:schemeClr val="tx1"/>
+          </a:fontRef>
+        </p:style>
+      </p:cxnSp>
+      <p:cxnSp>
+        <p:nvCxnSpPr>
+          <p:cNvPr id="34" name="接點: 肘形 33">
+            <a:extLst>
+              <a:ext uri="{FF2B5EF4-FFF2-40B4-BE49-F238E27FC236}">
+                <a16:creationId xmlns:a16="http://schemas.microsoft.com/office/drawing/2014/main" id="{0595DA76-416F-F291-0D08-5F76D37BCA68}"/>
+              </a:ext>
+            </a:extLst>
+          </p:cNvPr>
+          <p:cNvCxnSpPr>
+            <a:cxnSpLocks/>
+            <a:stCxn id="5" idx="3"/>
+          </p:cNvCxnSpPr>
+          <p:nvPr/>
+        </p:nvCxnSpPr>
+        <p:spPr>
+          <a:xfrm>
+            <a:off x="2616200" y="3039533"/>
+            <a:ext cx="2021369" cy="389467"/>
+          </a:xfrm>
+          <a:prstGeom prst="bentConnector3">
+            <a:avLst>
+              <a:gd name="adj1" fmla="val 353800"/>
+            </a:avLst>
+          </a:prstGeom>
+          <a:ln w="28575"/>
+        </p:spPr>
+        <p:style>
+          <a:lnRef idx="1">
+            <a:schemeClr val="dk1"/>
+          </a:lnRef>
+          <a:fillRef idx="0">
+            <a:schemeClr val="dk1"/>
+          </a:fillRef>
+          <a:effectRef idx="0">
+            <a:schemeClr val="dk1"/>
+          </a:effectRef>
+          <a:fontRef idx="minor">
+            <a:schemeClr val="tx1"/>
+          </a:fontRef>
+        </p:style>
+      </p:cxnSp>
+      <p:cxnSp>
+        <p:nvCxnSpPr>
+          <p:cNvPr id="57" name="接點: 肘形 56">
+            <a:extLst>
+              <a:ext uri="{FF2B5EF4-FFF2-40B4-BE49-F238E27FC236}">
+                <a16:creationId xmlns:a16="http://schemas.microsoft.com/office/drawing/2014/main" id="{597B89E8-B004-120E-0BF5-8F8FD3291A71}"/>
+              </a:ext>
+            </a:extLst>
+          </p:cNvPr>
+          <p:cNvCxnSpPr>
+            <a:cxnSpLocks/>
+            <a:endCxn id="76" idx="1"/>
+          </p:cNvCxnSpPr>
+          <p:nvPr/>
+        </p:nvCxnSpPr>
+        <p:spPr>
+          <a:xfrm>
+            <a:off x="4637569" y="3429000"/>
+            <a:ext cx="701717" cy="413830"/>
+          </a:xfrm>
+          <a:prstGeom prst="bentConnector3">
+            <a:avLst>
+              <a:gd name="adj1" fmla="val -254054"/>
+            </a:avLst>
+          </a:prstGeom>
+          <a:ln w="28575">
+            <a:tailEnd type="triangle"/>
+          </a:ln>
+        </p:spPr>
+        <p:style>
+          <a:lnRef idx="1">
+            <a:schemeClr val="dk1"/>
+          </a:lnRef>
+          <a:fillRef idx="0">
+            <a:schemeClr val="dk1"/>
+          </a:fillRef>
+          <a:effectRef idx="0">
+            <a:schemeClr val="dk1"/>
+          </a:effectRef>
+          <a:fontRef idx="minor">
+            <a:schemeClr val="tx1"/>
+          </a:fontRef>
+        </p:style>
+      </p:cxnSp>
+      <p:pic>
+        <p:nvPicPr>
+          <p:cNvPr id="67" name="圖片 66">
+            <a:extLst>
+              <a:ext uri="{FF2B5EF4-FFF2-40B4-BE49-F238E27FC236}">
+                <a16:creationId xmlns:a16="http://schemas.microsoft.com/office/drawing/2014/main" id="{AF8D9E73-BFB0-84F8-406F-81E94E6CDEA9}"/>
+              </a:ext>
+            </a:extLst>
+          </p:cNvPr>
+          <p:cNvPicPr>
+            <a:picLocks noChangeAspect="1"/>
+          </p:cNvPicPr>
+          <p:nvPr/>
+        </p:nvPicPr>
+        <p:blipFill>
+          <a:blip r:embed="rId10"/>
+          <a:stretch>
+            <a:fillRect/>
+          </a:stretch>
+        </p:blipFill>
+        <p:spPr>
+          <a:xfrm>
+            <a:off x="2792330" y="4803895"/>
+            <a:ext cx="1495634" cy="333422"/>
+          </a:xfrm>
+          <a:prstGeom prst="rect">
+            <a:avLst/>
+          </a:prstGeom>
+        </p:spPr>
+      </p:pic>
+      <p:cxnSp>
+        <p:nvCxnSpPr>
+          <p:cNvPr id="68" name="直線單箭頭接點 67">
+            <a:extLst>
+              <a:ext uri="{FF2B5EF4-FFF2-40B4-BE49-F238E27FC236}">
+                <a16:creationId xmlns:a16="http://schemas.microsoft.com/office/drawing/2014/main" id="{8E6F246A-308B-0CB9-4BDC-56003521564D}"/>
+              </a:ext>
+            </a:extLst>
+          </p:cNvPr>
+          <p:cNvCxnSpPr>
+            <a:cxnSpLocks/>
+            <a:stCxn id="67" idx="0"/>
+          </p:cNvCxnSpPr>
+          <p:nvPr/>
+        </p:nvCxnSpPr>
+        <p:spPr>
+          <a:xfrm flipV="1">
+            <a:off x="3540147" y="3818469"/>
+            <a:ext cx="0" cy="985426"/>
+          </a:xfrm>
+          <a:prstGeom prst="straightConnector1">
+            <a:avLst/>
+          </a:prstGeom>
+          <a:ln w="28575">
+            <a:tailEnd type="triangle"/>
+          </a:ln>
+        </p:spPr>
+        <p:style>
+          <a:lnRef idx="1">
+            <a:schemeClr val="dk1"/>
+          </a:lnRef>
+          <a:fillRef idx="0">
+            <a:schemeClr val="dk1"/>
+          </a:fillRef>
+          <a:effectRef idx="0">
+            <a:schemeClr val="dk1"/>
+          </a:effectRef>
+          <a:fontRef idx="minor">
+            <a:schemeClr val="tx1"/>
+          </a:fontRef>
+        </p:style>
+      </p:cxnSp>
+      <p:sp>
+        <p:nvSpPr>
+          <p:cNvPr id="71" name="文字方塊 70">
+            <a:extLst>
+              <a:ext uri="{FF2B5EF4-FFF2-40B4-BE49-F238E27FC236}">
+                <a16:creationId xmlns:a16="http://schemas.microsoft.com/office/drawing/2014/main" id="{7D7B13AB-813E-7F4E-8A46-2729DFC75C4C}"/>
+              </a:ext>
+            </a:extLst>
+          </p:cNvPr>
+          <p:cNvSpPr txBox="1"/>
+          <p:nvPr/>
+        </p:nvSpPr>
+        <p:spPr>
+          <a:xfrm>
+            <a:off x="3543690" y="4065231"/>
+            <a:ext cx="1107996" cy="369332"/>
+          </a:xfrm>
+          <a:prstGeom prst="rect">
+            <a:avLst/>
+          </a:prstGeom>
+          <a:noFill/>
+          <a:ln>
+            <a:solidFill>
+              <a:schemeClr val="tx1"/>
+            </a:solidFill>
+          </a:ln>
+        </p:spPr>
+        <p:txBody>
+          <a:bodyPr wrap="none" rtlCol="0">
+            <a:spAutoFit/>
+          </a:bodyPr>
+          <a:lstStyle/>
+          <a:p>
+            <a:r>
+              <a:rPr lang="zh-TW" altLang="en-US" dirty="0"/>
+              <a:t>模型預測</a:t>
+            </a:r>
+          </a:p>
+        </p:txBody>
+      </p:sp>
+      <p:sp>
+        <p:nvSpPr>
+          <p:cNvPr id="73" name="文字方塊 72">
+            <a:extLst>
+              <a:ext uri="{FF2B5EF4-FFF2-40B4-BE49-F238E27FC236}">
+                <a16:creationId xmlns:a16="http://schemas.microsoft.com/office/drawing/2014/main" id="{F5D08EED-9816-B983-C4A8-AB2540677A3B}"/>
+              </a:ext>
+            </a:extLst>
+          </p:cNvPr>
+          <p:cNvSpPr txBox="1"/>
+          <p:nvPr/>
+        </p:nvSpPr>
+        <p:spPr>
+          <a:xfrm>
+            <a:off x="3540147" y="4434563"/>
+            <a:ext cx="1107996" cy="369332"/>
+          </a:xfrm>
+          <a:prstGeom prst="rect">
+            <a:avLst/>
+          </a:prstGeom>
+          <a:noFill/>
+          <a:ln>
+            <a:solidFill>
+              <a:schemeClr val="tx1"/>
+            </a:solidFill>
+          </a:ln>
+        </p:spPr>
+        <p:txBody>
+          <a:bodyPr wrap="none" rtlCol="0">
+            <a:spAutoFit/>
+          </a:bodyPr>
+          <a:lstStyle/>
+          <a:p>
+            <a:r>
+              <a:rPr lang="zh-TW" altLang="en-US" dirty="0"/>
+              <a:t>資料處理</a:t>
+            </a:r>
+          </a:p>
+        </p:txBody>
+      </p:sp>
+      <p:sp>
+        <p:nvSpPr>
+          <p:cNvPr id="76" name="文字方塊 75">
+            <a:extLst>
+              <a:ext uri="{FF2B5EF4-FFF2-40B4-BE49-F238E27FC236}">
+                <a16:creationId xmlns:a16="http://schemas.microsoft.com/office/drawing/2014/main" id="{A03F49E1-E66F-F9DA-5566-B55A7F39CDA0}"/>
+              </a:ext>
+            </a:extLst>
+          </p:cNvPr>
+          <p:cNvSpPr txBox="1"/>
+          <p:nvPr/>
+        </p:nvSpPr>
+        <p:spPr>
+          <a:xfrm>
+            <a:off x="5339286" y="3658164"/>
+            <a:ext cx="1569660" cy="369332"/>
+          </a:xfrm>
+          <a:prstGeom prst="rect">
+            <a:avLst/>
+          </a:prstGeom>
+          <a:noFill/>
+          <a:ln>
+            <a:solidFill>
+              <a:schemeClr val="tx1"/>
+            </a:solidFill>
+          </a:ln>
+        </p:spPr>
+        <p:txBody>
+          <a:bodyPr wrap="none" rtlCol="0">
+            <a:spAutoFit/>
+          </a:bodyPr>
+          <a:lstStyle/>
+          <a:p>
+            <a:r>
+              <a:rPr lang="zh-TW" altLang="en-US" dirty="0"/>
+              <a:t>產生判斷結果</a:t>
+            </a:r>
+          </a:p>
+        </p:txBody>
+      </p:sp>
     </p:spTree>
     <p:extLst>
       <p:ext uri="{BB962C8B-B14F-4D97-AF65-F5344CB8AC3E}">
-        <p14:creationId xmlns:p14="http://schemas.microsoft.com/office/powerpoint/2010/main" val="1737287203"/>
+        <p14:creationId xmlns:p14="http://schemas.microsoft.com/office/powerpoint/2010/main" val="510905685"/>
       </p:ext>
     </p:extLst>
   </p:cSld>
   <p:clrMapOvr>
     <a:masterClrMapping/>
   </p:clrMapOvr>
+  <p:timing>
+    <p:tnLst>
+      <p:par>
+        <p:cTn id="1" dur="indefinite" restart="never" nodeType="tmRoot">
+          <p:childTnLst>
+            <p:audio>
+              <p:cMediaNode vol="80000">
+                <p:cTn id="2" fill="hold" display="0">
+                  <p:stCondLst>
+                    <p:cond delay="indefinite"/>
+                  </p:stCondLst>
+                  <p:endCondLst>
+                    <p:cond evt="onStopAudio" delay="0">
+                      <p:tgtEl>
+                        <p:sldTgt/>
+                      </p:tgtEl>
+                    </p:cond>
+                  </p:endCondLst>
+                </p:cTn>
+                <p:tgtEl>
+                  <p:spTgt spid="9"/>
+                </p:tgtEl>
+              </p:cMediaNode>
+            </p:audio>
+          </p:childTnLst>
+        </p:cTn>
+      </p:par>
+    </p:tnLst>
+  </p:timing>
 </p:sld>
 </file>
 

--- a/audio.pptx
+++ b/audio.pptx
@@ -8,8 +8,8 @@
     <p:sldId id="256" r:id="rId2"/>
     <p:sldId id="257" r:id="rId3"/>
     <p:sldId id="258" r:id="rId4"/>
-    <p:sldId id="261" r:id="rId5"/>
-    <p:sldId id="266" r:id="rId6"/>
+    <p:sldId id="266" r:id="rId5"/>
+    <p:sldId id="261" r:id="rId6"/>
     <p:sldId id="262" r:id="rId7"/>
     <p:sldId id="263" r:id="rId8"/>
     <p:sldId id="264" r:id="rId9"/>
@@ -4713,10 +4713,10 @@
       </p:grpSpPr>
       <p:sp>
         <p:nvSpPr>
-          <p:cNvPr id="4" name="標題 1">
-            <a:extLst>
-              <a:ext uri="{FF2B5EF4-FFF2-40B4-BE49-F238E27FC236}">
-                <a16:creationId xmlns:a16="http://schemas.microsoft.com/office/drawing/2014/main" id="{9A1C579C-D948-4742-6B57-CB345583236A}"/>
+          <p:cNvPr id="2" name="標題 1">
+            <a:extLst>
+              <a:ext uri="{FF2B5EF4-FFF2-40B4-BE49-F238E27FC236}">
+                <a16:creationId xmlns:a16="http://schemas.microsoft.com/office/drawing/2014/main" id="{B1D676C5-9F0C-E862-04D7-E27B72D7CDBA}"/>
               </a:ext>
             </a:extLst>
           </p:cNvPr>
@@ -4727,56 +4727,856 @@
             <p:ph type="title"/>
           </p:nvPr>
         </p:nvSpPr>
-        <p:spPr>
-          <a:xfrm>
-            <a:off x="838200" y="365125"/>
-            <a:ext cx="10515600" cy="1325563"/>
-          </a:xfrm>
-        </p:spPr>
+        <p:spPr/>
         <p:txBody>
           <a:bodyPr/>
           <a:lstStyle/>
           <a:p>
             <a:r>
               <a:rPr lang="zh-TW" altLang="en-US" dirty="0"/>
-              <a:t>架構</a:t>
-            </a:r>
-          </a:p>
-        </p:txBody>
-      </p:sp>
-      <p:pic>
-        <p:nvPicPr>
-          <p:cNvPr id="9" name="內容版面配置區 8">
-            <a:extLst>
-              <a:ext uri="{FF2B5EF4-FFF2-40B4-BE49-F238E27FC236}">
-                <a16:creationId xmlns:a16="http://schemas.microsoft.com/office/drawing/2014/main" id="{4A26E8F7-3629-F52B-DD98-7367C9194617}"/>
-              </a:ext>
-            </a:extLst>
-          </p:cNvPr>
-          <p:cNvPicPr>
-            <a:picLocks noGrp="1" noChangeAspect="1"/>
-          </p:cNvPicPr>
+              <a:t>流程</a:t>
+            </a:r>
+          </a:p>
+        </p:txBody>
+      </p:sp>
+      <p:sp>
+        <p:nvSpPr>
+          <p:cNvPr id="3" name="內容版面配置區 2">
+            <a:extLst>
+              <a:ext uri="{FF2B5EF4-FFF2-40B4-BE49-F238E27FC236}">
+                <a16:creationId xmlns:a16="http://schemas.microsoft.com/office/drawing/2014/main" id="{77B7FBB2-3AB5-09ED-6016-3AC2CFD7E70F}"/>
+              </a:ext>
+            </a:extLst>
+          </p:cNvPr>
+          <p:cNvSpPr>
+            <a:spLocks noGrp="1"/>
+          </p:cNvSpPr>
           <p:nvPr>
             <p:ph idx="1"/>
           </p:nvPr>
-        </p:nvPicPr>
-        <p:blipFill>
-          <a:blip r:embed="rId2"/>
-          <a:stretch>
-            <a:fillRect/>
-          </a:stretch>
-        </p:blipFill>
-        <p:spPr>
-          <a:xfrm>
-            <a:off x="1647825" y="2134394"/>
-            <a:ext cx="8896350" cy="3733799"/>
-          </a:xfrm>
-        </p:spPr>
-      </p:pic>
+        </p:nvSpPr>
+        <p:spPr/>
+        <p:txBody>
+          <a:bodyPr/>
+          <a:lstStyle/>
+          <a:p>
+            <a:r>
+              <a:rPr lang="zh-TW" altLang="en-US" dirty="0"/>
+              <a:t>讀取資料訓練模型</a:t>
+            </a:r>
+            <a:endParaRPr lang="en-US" altLang="zh-TW" dirty="0"/>
+          </a:p>
+          <a:p>
+            <a:endParaRPr lang="en-US" altLang="zh-TW" dirty="0"/>
+          </a:p>
+          <a:p>
+            <a:endParaRPr lang="en-US" altLang="zh-TW" dirty="0"/>
+          </a:p>
+          <a:p>
+            <a:pPr marL="0" indent="0">
+              <a:buNone/>
+            </a:pPr>
+            <a:endParaRPr lang="en-US" altLang="zh-TW" dirty="0"/>
+          </a:p>
+          <a:p>
+            <a:r>
+              <a:rPr lang="zh-TW" altLang="en-US" dirty="0"/>
+              <a:t>即時錄製聲音進行文字辨識及危險判斷</a:t>
+            </a:r>
+          </a:p>
+        </p:txBody>
+      </p:sp>
+      <p:sp>
+        <p:nvSpPr>
+          <p:cNvPr id="4" name="文字方塊 3">
+            <a:extLst>
+              <a:ext uri="{FF2B5EF4-FFF2-40B4-BE49-F238E27FC236}">
+                <a16:creationId xmlns:a16="http://schemas.microsoft.com/office/drawing/2014/main" id="{DD4B72E0-3FA6-7706-0B6A-03C28395610E}"/>
+              </a:ext>
+            </a:extLst>
+          </p:cNvPr>
+          <p:cNvSpPr txBox="1"/>
+          <p:nvPr/>
+        </p:nvSpPr>
+        <p:spPr>
+          <a:xfrm>
+            <a:off x="897467" y="2415555"/>
+            <a:ext cx="1107996" cy="369332"/>
+          </a:xfrm>
+          <a:prstGeom prst="rect">
+            <a:avLst/>
+          </a:prstGeom>
+          <a:noFill/>
+          <a:ln>
+            <a:solidFill>
+              <a:schemeClr val="tx1"/>
+            </a:solidFill>
+          </a:ln>
+        </p:spPr>
+        <p:txBody>
+          <a:bodyPr wrap="none" rtlCol="0">
+            <a:spAutoFit/>
+          </a:bodyPr>
+          <a:lstStyle/>
+          <a:p>
+            <a:r>
+              <a:rPr lang="zh-TW" altLang="en-US" dirty="0"/>
+              <a:t>讀取資料</a:t>
+            </a:r>
+          </a:p>
+        </p:txBody>
+      </p:sp>
+      <p:sp>
+        <p:nvSpPr>
+          <p:cNvPr id="5" name="文字方塊 4">
+            <a:extLst>
+              <a:ext uri="{FF2B5EF4-FFF2-40B4-BE49-F238E27FC236}">
+                <a16:creationId xmlns:a16="http://schemas.microsoft.com/office/drawing/2014/main" id="{7736478D-2FEC-ED88-564A-6D5175433B45}"/>
+              </a:ext>
+            </a:extLst>
+          </p:cNvPr>
+          <p:cNvSpPr txBox="1"/>
+          <p:nvPr/>
+        </p:nvSpPr>
+        <p:spPr>
+          <a:xfrm>
+            <a:off x="6562493" y="2415555"/>
+            <a:ext cx="1107996" cy="369332"/>
+          </a:xfrm>
+          <a:prstGeom prst="rect">
+            <a:avLst/>
+          </a:prstGeom>
+          <a:noFill/>
+          <a:ln>
+            <a:solidFill>
+              <a:schemeClr val="tx1"/>
+            </a:solidFill>
+          </a:ln>
+        </p:spPr>
+        <p:txBody>
+          <a:bodyPr wrap="none" rtlCol="0">
+            <a:spAutoFit/>
+          </a:bodyPr>
+          <a:lstStyle/>
+          <a:p>
+            <a:r>
+              <a:rPr lang="zh-TW" altLang="en-US" dirty="0"/>
+              <a:t>訓練模型</a:t>
+            </a:r>
+          </a:p>
+        </p:txBody>
+      </p:sp>
+      <p:sp>
+        <p:nvSpPr>
+          <p:cNvPr id="7" name="文字方塊 6">
+            <a:extLst>
+              <a:ext uri="{FF2B5EF4-FFF2-40B4-BE49-F238E27FC236}">
+                <a16:creationId xmlns:a16="http://schemas.microsoft.com/office/drawing/2014/main" id="{56E41D6A-C647-4124-FBAF-B8FE69FBE72C}"/>
+              </a:ext>
+            </a:extLst>
+          </p:cNvPr>
+          <p:cNvSpPr txBox="1"/>
+          <p:nvPr/>
+        </p:nvSpPr>
+        <p:spPr>
+          <a:xfrm>
+            <a:off x="9279591" y="2415555"/>
+            <a:ext cx="1107996" cy="369332"/>
+          </a:xfrm>
+          <a:prstGeom prst="rect">
+            <a:avLst/>
+          </a:prstGeom>
+          <a:noFill/>
+          <a:ln>
+            <a:solidFill>
+              <a:schemeClr val="tx1"/>
+            </a:solidFill>
+          </a:ln>
+        </p:spPr>
+        <p:txBody>
+          <a:bodyPr wrap="none" rtlCol="0">
+            <a:spAutoFit/>
+          </a:bodyPr>
+          <a:lstStyle/>
+          <a:p>
+            <a:r>
+              <a:rPr lang="zh-TW" altLang="en-US" dirty="0"/>
+              <a:t>產生模型</a:t>
+            </a:r>
+          </a:p>
+        </p:txBody>
+      </p:sp>
+      <p:sp>
+        <p:nvSpPr>
+          <p:cNvPr id="8" name="文字方塊 7">
+            <a:extLst>
+              <a:ext uri="{FF2B5EF4-FFF2-40B4-BE49-F238E27FC236}">
+                <a16:creationId xmlns:a16="http://schemas.microsoft.com/office/drawing/2014/main" id="{C9DB8AA1-6341-430D-8798-B44C4CF21001}"/>
+              </a:ext>
+            </a:extLst>
+          </p:cNvPr>
+          <p:cNvSpPr txBox="1"/>
+          <p:nvPr/>
+        </p:nvSpPr>
+        <p:spPr>
+          <a:xfrm>
+            <a:off x="897467" y="4560979"/>
+            <a:ext cx="1107996" cy="369332"/>
+          </a:xfrm>
+          <a:prstGeom prst="rect">
+            <a:avLst/>
+          </a:prstGeom>
+          <a:noFill/>
+          <a:ln>
+            <a:solidFill>
+              <a:schemeClr val="tx1"/>
+            </a:solidFill>
+          </a:ln>
+        </p:spPr>
+        <p:txBody>
+          <a:bodyPr wrap="none" rtlCol="0">
+            <a:spAutoFit/>
+          </a:bodyPr>
+          <a:lstStyle/>
+          <a:p>
+            <a:r>
+              <a:rPr lang="zh-TW" altLang="en-US" dirty="0"/>
+              <a:t>讀取模型</a:t>
+            </a:r>
+          </a:p>
+        </p:txBody>
+      </p:sp>
+      <p:sp>
+        <p:nvSpPr>
+          <p:cNvPr id="9" name="文字方塊 8">
+            <a:extLst>
+              <a:ext uri="{FF2B5EF4-FFF2-40B4-BE49-F238E27FC236}">
+                <a16:creationId xmlns:a16="http://schemas.microsoft.com/office/drawing/2014/main" id="{105037FE-1E59-9421-60A8-EA8656C4708D}"/>
+              </a:ext>
+            </a:extLst>
+          </p:cNvPr>
+          <p:cNvSpPr txBox="1"/>
+          <p:nvPr/>
+        </p:nvSpPr>
+        <p:spPr>
+          <a:xfrm>
+            <a:off x="5319361" y="4560979"/>
+            <a:ext cx="1107996" cy="369332"/>
+          </a:xfrm>
+          <a:prstGeom prst="rect">
+            <a:avLst/>
+          </a:prstGeom>
+          <a:noFill/>
+          <a:ln>
+            <a:solidFill>
+              <a:schemeClr val="tx1"/>
+            </a:solidFill>
+          </a:ln>
+        </p:spPr>
+        <p:txBody>
+          <a:bodyPr wrap="none" rtlCol="0">
+            <a:spAutoFit/>
+          </a:bodyPr>
+          <a:lstStyle/>
+          <a:p>
+            <a:r>
+              <a:rPr lang="zh-TW" altLang="en-US" dirty="0"/>
+              <a:t>資料處理</a:t>
+            </a:r>
+          </a:p>
+        </p:txBody>
+      </p:sp>
+      <p:sp>
+        <p:nvSpPr>
+          <p:cNvPr id="10" name="文字方塊 9">
+            <a:extLst>
+              <a:ext uri="{FF2B5EF4-FFF2-40B4-BE49-F238E27FC236}">
+                <a16:creationId xmlns:a16="http://schemas.microsoft.com/office/drawing/2014/main" id="{82CDA242-BC56-9D99-9779-00964B931424}"/>
+              </a:ext>
+            </a:extLst>
+          </p:cNvPr>
+          <p:cNvSpPr txBox="1"/>
+          <p:nvPr/>
+        </p:nvSpPr>
+        <p:spPr>
+          <a:xfrm>
+            <a:off x="7299476" y="4560979"/>
+            <a:ext cx="1107996" cy="369332"/>
+          </a:xfrm>
+          <a:prstGeom prst="rect">
+            <a:avLst/>
+          </a:prstGeom>
+          <a:noFill/>
+          <a:ln>
+            <a:solidFill>
+              <a:schemeClr val="tx1"/>
+            </a:solidFill>
+          </a:ln>
+        </p:spPr>
+        <p:txBody>
+          <a:bodyPr wrap="none" rtlCol="0">
+            <a:spAutoFit/>
+          </a:bodyPr>
+          <a:lstStyle/>
+          <a:p>
+            <a:r>
+              <a:rPr lang="zh-TW" altLang="en-US" dirty="0"/>
+              <a:t>模型預測</a:t>
+            </a:r>
+          </a:p>
+        </p:txBody>
+      </p:sp>
+      <p:cxnSp>
+        <p:nvCxnSpPr>
+          <p:cNvPr id="12" name="直線單箭頭接點 11">
+            <a:extLst>
+              <a:ext uri="{FF2B5EF4-FFF2-40B4-BE49-F238E27FC236}">
+                <a16:creationId xmlns:a16="http://schemas.microsoft.com/office/drawing/2014/main" id="{6EFA32DF-7998-B7B0-E2D8-E8CC2E055395}"/>
+              </a:ext>
+            </a:extLst>
+          </p:cNvPr>
+          <p:cNvCxnSpPr>
+            <a:cxnSpLocks/>
+            <a:stCxn id="23" idx="3"/>
+            <a:endCxn id="5" idx="1"/>
+          </p:cNvCxnSpPr>
+          <p:nvPr/>
+        </p:nvCxnSpPr>
+        <p:spPr>
+          <a:xfrm>
+            <a:off x="4953392" y="2600221"/>
+            <a:ext cx="1609101" cy="0"/>
+          </a:xfrm>
+          <a:prstGeom prst="straightConnector1">
+            <a:avLst/>
+          </a:prstGeom>
+          <a:ln w="28575">
+            <a:tailEnd type="triangle"/>
+          </a:ln>
+        </p:spPr>
+        <p:style>
+          <a:lnRef idx="1">
+            <a:schemeClr val="dk1"/>
+          </a:lnRef>
+          <a:fillRef idx="0">
+            <a:schemeClr val="dk1"/>
+          </a:fillRef>
+          <a:effectRef idx="0">
+            <a:schemeClr val="dk1"/>
+          </a:effectRef>
+          <a:fontRef idx="minor">
+            <a:schemeClr val="tx1"/>
+          </a:fontRef>
+        </p:style>
+      </p:cxnSp>
+      <p:cxnSp>
+        <p:nvCxnSpPr>
+          <p:cNvPr id="13" name="直線單箭頭接點 12">
+            <a:extLst>
+              <a:ext uri="{FF2B5EF4-FFF2-40B4-BE49-F238E27FC236}">
+                <a16:creationId xmlns:a16="http://schemas.microsoft.com/office/drawing/2014/main" id="{E2F5866E-4246-6130-CCE4-374374BEDA34}"/>
+              </a:ext>
+            </a:extLst>
+          </p:cNvPr>
+          <p:cNvCxnSpPr>
+            <a:cxnSpLocks/>
+            <a:stCxn id="5" idx="3"/>
+            <a:endCxn id="7" idx="1"/>
+          </p:cNvCxnSpPr>
+          <p:nvPr/>
+        </p:nvCxnSpPr>
+        <p:spPr>
+          <a:xfrm>
+            <a:off x="7670489" y="2600221"/>
+            <a:ext cx="1609102" cy="0"/>
+          </a:xfrm>
+          <a:prstGeom prst="straightConnector1">
+            <a:avLst/>
+          </a:prstGeom>
+          <a:ln w="28575">
+            <a:tailEnd type="triangle"/>
+          </a:ln>
+        </p:spPr>
+        <p:style>
+          <a:lnRef idx="1">
+            <a:schemeClr val="dk1"/>
+          </a:lnRef>
+          <a:fillRef idx="0">
+            <a:schemeClr val="dk1"/>
+          </a:fillRef>
+          <a:effectRef idx="0">
+            <a:schemeClr val="dk1"/>
+          </a:effectRef>
+          <a:fontRef idx="minor">
+            <a:schemeClr val="tx1"/>
+          </a:fontRef>
+        </p:style>
+      </p:cxnSp>
+      <p:cxnSp>
+        <p:nvCxnSpPr>
+          <p:cNvPr id="17" name="直線單箭頭接點 16">
+            <a:extLst>
+              <a:ext uri="{FF2B5EF4-FFF2-40B4-BE49-F238E27FC236}">
+                <a16:creationId xmlns:a16="http://schemas.microsoft.com/office/drawing/2014/main" id="{684A2449-E905-A4A2-0D97-6C3B9BA50884}"/>
+              </a:ext>
+            </a:extLst>
+          </p:cNvPr>
+          <p:cNvCxnSpPr>
+            <a:cxnSpLocks/>
+            <a:stCxn id="8" idx="3"/>
+            <a:endCxn id="36" idx="1"/>
+          </p:cNvCxnSpPr>
+          <p:nvPr/>
+        </p:nvCxnSpPr>
+        <p:spPr>
+          <a:xfrm>
+            <a:off x="2005463" y="4745645"/>
+            <a:ext cx="872119" cy="0"/>
+          </a:xfrm>
+          <a:prstGeom prst="straightConnector1">
+            <a:avLst/>
+          </a:prstGeom>
+          <a:ln w="28575">
+            <a:tailEnd type="triangle"/>
+          </a:ln>
+        </p:spPr>
+        <p:style>
+          <a:lnRef idx="1">
+            <a:schemeClr val="dk1"/>
+          </a:lnRef>
+          <a:fillRef idx="0">
+            <a:schemeClr val="dk1"/>
+          </a:fillRef>
+          <a:effectRef idx="0">
+            <a:schemeClr val="dk1"/>
+          </a:effectRef>
+          <a:fontRef idx="minor">
+            <a:schemeClr val="tx1"/>
+          </a:fontRef>
+        </p:style>
+      </p:cxnSp>
+      <p:cxnSp>
+        <p:nvCxnSpPr>
+          <p:cNvPr id="20" name="直線單箭頭接點 19">
+            <a:extLst>
+              <a:ext uri="{FF2B5EF4-FFF2-40B4-BE49-F238E27FC236}">
+                <a16:creationId xmlns:a16="http://schemas.microsoft.com/office/drawing/2014/main" id="{77EA87BF-AADA-75E7-1EF4-BE066F2F4168}"/>
+              </a:ext>
+            </a:extLst>
+          </p:cNvPr>
+          <p:cNvCxnSpPr>
+            <a:cxnSpLocks/>
+            <a:stCxn id="9" idx="3"/>
+            <a:endCxn id="10" idx="1"/>
+          </p:cNvCxnSpPr>
+          <p:nvPr/>
+        </p:nvCxnSpPr>
+        <p:spPr>
+          <a:xfrm>
+            <a:off x="6427357" y="4745645"/>
+            <a:ext cx="872119" cy="0"/>
+          </a:xfrm>
+          <a:prstGeom prst="straightConnector1">
+            <a:avLst/>
+          </a:prstGeom>
+          <a:ln w="28575">
+            <a:tailEnd type="triangle"/>
+          </a:ln>
+        </p:spPr>
+        <p:style>
+          <a:lnRef idx="1">
+            <a:schemeClr val="dk1"/>
+          </a:lnRef>
+          <a:fillRef idx="0">
+            <a:schemeClr val="dk1"/>
+          </a:fillRef>
+          <a:effectRef idx="0">
+            <a:schemeClr val="dk1"/>
+          </a:effectRef>
+          <a:fontRef idx="minor">
+            <a:schemeClr val="tx1"/>
+          </a:fontRef>
+        </p:style>
+      </p:cxnSp>
+      <p:sp>
+        <p:nvSpPr>
+          <p:cNvPr id="23" name="文字方塊 22">
+            <a:extLst>
+              <a:ext uri="{FF2B5EF4-FFF2-40B4-BE49-F238E27FC236}">
+                <a16:creationId xmlns:a16="http://schemas.microsoft.com/office/drawing/2014/main" id="{4093E40A-31E0-C0E9-94A6-A60544C939EB}"/>
+              </a:ext>
+            </a:extLst>
+          </p:cNvPr>
+          <p:cNvSpPr txBox="1"/>
+          <p:nvPr/>
+        </p:nvSpPr>
+        <p:spPr>
+          <a:xfrm>
+            <a:off x="3614564" y="2415555"/>
+            <a:ext cx="1338828" cy="369332"/>
+          </a:xfrm>
+          <a:prstGeom prst="rect">
+            <a:avLst/>
+          </a:prstGeom>
+          <a:noFill/>
+          <a:ln>
+            <a:solidFill>
+              <a:schemeClr val="tx1"/>
+            </a:solidFill>
+          </a:ln>
+        </p:spPr>
+        <p:txBody>
+          <a:bodyPr wrap="none" rtlCol="0">
+            <a:spAutoFit/>
+          </a:bodyPr>
+          <a:lstStyle/>
+          <a:p>
+            <a:r>
+              <a:rPr lang="zh-TW" altLang="en-US" dirty="0"/>
+              <a:t>資料預處理</a:t>
+            </a:r>
+          </a:p>
+        </p:txBody>
+      </p:sp>
+      <p:cxnSp>
+        <p:nvCxnSpPr>
+          <p:cNvPr id="29" name="直線單箭頭接點 28">
+            <a:extLst>
+              <a:ext uri="{FF2B5EF4-FFF2-40B4-BE49-F238E27FC236}">
+                <a16:creationId xmlns:a16="http://schemas.microsoft.com/office/drawing/2014/main" id="{F602A290-C45B-8BC4-44EE-743995FB1EBE}"/>
+              </a:ext>
+            </a:extLst>
+          </p:cNvPr>
+          <p:cNvCxnSpPr>
+            <a:cxnSpLocks/>
+            <a:stCxn id="4" idx="3"/>
+            <a:endCxn id="23" idx="1"/>
+          </p:cNvCxnSpPr>
+          <p:nvPr/>
+        </p:nvCxnSpPr>
+        <p:spPr>
+          <a:xfrm>
+            <a:off x="2005463" y="2600221"/>
+            <a:ext cx="1609101" cy="0"/>
+          </a:xfrm>
+          <a:prstGeom prst="straightConnector1">
+            <a:avLst/>
+          </a:prstGeom>
+          <a:ln w="28575">
+            <a:tailEnd type="triangle"/>
+          </a:ln>
+        </p:spPr>
+        <p:style>
+          <a:lnRef idx="1">
+            <a:schemeClr val="dk1"/>
+          </a:lnRef>
+          <a:fillRef idx="0">
+            <a:schemeClr val="dk1"/>
+          </a:fillRef>
+          <a:effectRef idx="0">
+            <a:schemeClr val="dk1"/>
+          </a:effectRef>
+          <a:fontRef idx="minor">
+            <a:schemeClr val="tx1"/>
+          </a:fontRef>
+        </p:style>
+      </p:cxnSp>
+      <p:sp>
+        <p:nvSpPr>
+          <p:cNvPr id="36" name="文字方塊 35">
+            <a:extLst>
+              <a:ext uri="{FF2B5EF4-FFF2-40B4-BE49-F238E27FC236}">
+                <a16:creationId xmlns:a16="http://schemas.microsoft.com/office/drawing/2014/main" id="{8871B3CB-711E-8EBB-23A6-4E1315976D83}"/>
+              </a:ext>
+            </a:extLst>
+          </p:cNvPr>
+          <p:cNvSpPr txBox="1"/>
+          <p:nvPr/>
+        </p:nvSpPr>
+        <p:spPr>
+          <a:xfrm>
+            <a:off x="2877582" y="4560979"/>
+            <a:ext cx="1569660" cy="369332"/>
+          </a:xfrm>
+          <a:prstGeom prst="rect">
+            <a:avLst/>
+          </a:prstGeom>
+          <a:noFill/>
+          <a:ln>
+            <a:solidFill>
+              <a:schemeClr val="tx1"/>
+            </a:solidFill>
+          </a:ln>
+        </p:spPr>
+        <p:txBody>
+          <a:bodyPr wrap="none" rtlCol="0">
+            <a:spAutoFit/>
+          </a:bodyPr>
+          <a:lstStyle/>
+          <a:p>
+            <a:r>
+              <a:rPr lang="zh-TW" altLang="en-US" dirty="0"/>
+              <a:t>錄製即時聲音</a:t>
+            </a:r>
+          </a:p>
+        </p:txBody>
+      </p:sp>
+      <p:cxnSp>
+        <p:nvCxnSpPr>
+          <p:cNvPr id="42" name="直線單箭頭接點 41">
+            <a:extLst>
+              <a:ext uri="{FF2B5EF4-FFF2-40B4-BE49-F238E27FC236}">
+                <a16:creationId xmlns:a16="http://schemas.microsoft.com/office/drawing/2014/main" id="{964C6BE0-409F-40A9-9DE8-74F4DBFD17A3}"/>
+              </a:ext>
+            </a:extLst>
+          </p:cNvPr>
+          <p:cNvCxnSpPr>
+            <a:cxnSpLocks/>
+            <a:stCxn id="36" idx="3"/>
+            <a:endCxn id="9" idx="1"/>
+          </p:cNvCxnSpPr>
+          <p:nvPr/>
+        </p:nvCxnSpPr>
+        <p:spPr>
+          <a:xfrm>
+            <a:off x="4447242" y="4745645"/>
+            <a:ext cx="872119" cy="0"/>
+          </a:xfrm>
+          <a:prstGeom prst="straightConnector1">
+            <a:avLst/>
+          </a:prstGeom>
+          <a:ln w="28575">
+            <a:tailEnd type="triangle"/>
+          </a:ln>
+        </p:spPr>
+        <p:style>
+          <a:lnRef idx="1">
+            <a:schemeClr val="dk1"/>
+          </a:lnRef>
+          <a:fillRef idx="0">
+            <a:schemeClr val="dk1"/>
+          </a:fillRef>
+          <a:effectRef idx="0">
+            <a:schemeClr val="dk1"/>
+          </a:effectRef>
+          <a:fontRef idx="minor">
+            <a:schemeClr val="tx1"/>
+          </a:fontRef>
+        </p:style>
+      </p:cxnSp>
+      <p:sp>
+        <p:nvSpPr>
+          <p:cNvPr id="46" name="文字方塊 45">
+            <a:extLst>
+              <a:ext uri="{FF2B5EF4-FFF2-40B4-BE49-F238E27FC236}">
+                <a16:creationId xmlns:a16="http://schemas.microsoft.com/office/drawing/2014/main" id="{01DC44A1-22F1-0D9F-5586-AE823B3FF6F6}"/>
+              </a:ext>
+            </a:extLst>
+          </p:cNvPr>
+          <p:cNvSpPr txBox="1"/>
+          <p:nvPr/>
+        </p:nvSpPr>
+        <p:spPr>
+          <a:xfrm>
+            <a:off x="6447077" y="5428238"/>
+            <a:ext cx="1338828" cy="369332"/>
+          </a:xfrm>
+          <a:prstGeom prst="rect">
+            <a:avLst/>
+          </a:prstGeom>
+          <a:noFill/>
+          <a:ln>
+            <a:solidFill>
+              <a:schemeClr val="tx1"/>
+            </a:solidFill>
+          </a:ln>
+        </p:spPr>
+        <p:txBody>
+          <a:bodyPr wrap="none" rtlCol="0">
+            <a:spAutoFit/>
+          </a:bodyPr>
+          <a:lstStyle/>
+          <a:p>
+            <a:r>
+              <a:rPr lang="zh-TW" altLang="en-US" dirty="0"/>
+              <a:t>語音轉文字</a:t>
+            </a:r>
+          </a:p>
+        </p:txBody>
+      </p:sp>
+      <p:cxnSp>
+        <p:nvCxnSpPr>
+          <p:cNvPr id="52" name="直線單箭頭接點 51">
+            <a:extLst>
+              <a:ext uri="{FF2B5EF4-FFF2-40B4-BE49-F238E27FC236}">
+                <a16:creationId xmlns:a16="http://schemas.microsoft.com/office/drawing/2014/main" id="{D96DC549-0594-FB7B-E0F2-733F14EC03FE}"/>
+              </a:ext>
+            </a:extLst>
+          </p:cNvPr>
+          <p:cNvCxnSpPr>
+            <a:cxnSpLocks/>
+            <a:stCxn id="36" idx="3"/>
+            <a:endCxn id="46" idx="1"/>
+          </p:cNvCxnSpPr>
+          <p:nvPr/>
+        </p:nvCxnSpPr>
+        <p:spPr>
+          <a:xfrm>
+            <a:off x="4447242" y="4745645"/>
+            <a:ext cx="1999835" cy="867259"/>
+          </a:xfrm>
+          <a:prstGeom prst="straightConnector1">
+            <a:avLst/>
+          </a:prstGeom>
+          <a:ln w="28575">
+            <a:tailEnd type="triangle"/>
+          </a:ln>
+        </p:spPr>
+        <p:style>
+          <a:lnRef idx="1">
+            <a:schemeClr val="dk1"/>
+          </a:lnRef>
+          <a:fillRef idx="0">
+            <a:schemeClr val="dk1"/>
+          </a:fillRef>
+          <a:effectRef idx="0">
+            <a:schemeClr val="dk1"/>
+          </a:effectRef>
+          <a:fontRef idx="minor">
+            <a:schemeClr val="tx1"/>
+          </a:fontRef>
+        </p:style>
+      </p:cxnSp>
+      <p:sp>
+        <p:nvSpPr>
+          <p:cNvPr id="58" name="文字方塊 57">
+            <a:extLst>
+              <a:ext uri="{FF2B5EF4-FFF2-40B4-BE49-F238E27FC236}">
+                <a16:creationId xmlns:a16="http://schemas.microsoft.com/office/drawing/2014/main" id="{3C7973BE-A433-84BA-64A6-88886A70A3E7}"/>
+              </a:ext>
+            </a:extLst>
+          </p:cNvPr>
+          <p:cNvSpPr txBox="1"/>
+          <p:nvPr/>
+        </p:nvSpPr>
+        <p:spPr>
+          <a:xfrm>
+            <a:off x="9279591" y="4560979"/>
+            <a:ext cx="1107996" cy="369332"/>
+          </a:xfrm>
+          <a:prstGeom prst="rect">
+            <a:avLst/>
+          </a:prstGeom>
+          <a:noFill/>
+          <a:ln>
+            <a:solidFill>
+              <a:schemeClr val="tx1"/>
+            </a:solidFill>
+          </a:ln>
+        </p:spPr>
+        <p:txBody>
+          <a:bodyPr wrap="none" rtlCol="0">
+            <a:spAutoFit/>
+          </a:bodyPr>
+          <a:lstStyle/>
+          <a:p>
+            <a:r>
+              <a:rPr lang="zh-TW" altLang="en-US" dirty="0"/>
+              <a:t>結果判斷</a:t>
+            </a:r>
+          </a:p>
+        </p:txBody>
+      </p:sp>
+      <p:cxnSp>
+        <p:nvCxnSpPr>
+          <p:cNvPr id="59" name="直線單箭頭接點 58">
+            <a:extLst>
+              <a:ext uri="{FF2B5EF4-FFF2-40B4-BE49-F238E27FC236}">
+                <a16:creationId xmlns:a16="http://schemas.microsoft.com/office/drawing/2014/main" id="{D1C3E083-99DF-88E3-3497-967049C29CEC}"/>
+              </a:ext>
+            </a:extLst>
+          </p:cNvPr>
+          <p:cNvCxnSpPr>
+            <a:cxnSpLocks/>
+            <a:stCxn id="10" idx="3"/>
+            <a:endCxn id="58" idx="1"/>
+          </p:cNvCxnSpPr>
+          <p:nvPr/>
+        </p:nvCxnSpPr>
+        <p:spPr>
+          <a:xfrm>
+            <a:off x="8407472" y="4745645"/>
+            <a:ext cx="872119" cy="0"/>
+          </a:xfrm>
+          <a:prstGeom prst="straightConnector1">
+            <a:avLst/>
+          </a:prstGeom>
+          <a:ln w="28575">
+            <a:tailEnd type="triangle"/>
+          </a:ln>
+        </p:spPr>
+        <p:style>
+          <a:lnRef idx="1">
+            <a:schemeClr val="dk1"/>
+          </a:lnRef>
+          <a:fillRef idx="0">
+            <a:schemeClr val="dk1"/>
+          </a:fillRef>
+          <a:effectRef idx="0">
+            <a:schemeClr val="dk1"/>
+          </a:effectRef>
+          <a:fontRef idx="minor">
+            <a:schemeClr val="tx1"/>
+          </a:fontRef>
+        </p:style>
+      </p:cxnSp>
+      <p:cxnSp>
+        <p:nvCxnSpPr>
+          <p:cNvPr id="62" name="直線單箭頭接點 61">
+            <a:extLst>
+              <a:ext uri="{FF2B5EF4-FFF2-40B4-BE49-F238E27FC236}">
+                <a16:creationId xmlns:a16="http://schemas.microsoft.com/office/drawing/2014/main" id="{20074F51-A8DE-67A7-1FE8-C7D25A3D3A45}"/>
+              </a:ext>
+            </a:extLst>
+          </p:cNvPr>
+          <p:cNvCxnSpPr>
+            <a:cxnSpLocks/>
+            <a:stCxn id="46" idx="3"/>
+            <a:endCxn id="58" idx="1"/>
+          </p:cNvCxnSpPr>
+          <p:nvPr/>
+        </p:nvCxnSpPr>
+        <p:spPr>
+          <a:xfrm flipV="1">
+            <a:off x="7785905" y="4745645"/>
+            <a:ext cx="1493686" cy="867259"/>
+          </a:xfrm>
+          <a:prstGeom prst="straightConnector1">
+            <a:avLst/>
+          </a:prstGeom>
+          <a:ln w="28575">
+            <a:tailEnd type="triangle"/>
+          </a:ln>
+        </p:spPr>
+        <p:style>
+          <a:lnRef idx="1">
+            <a:schemeClr val="dk1"/>
+          </a:lnRef>
+          <a:fillRef idx="0">
+            <a:schemeClr val="dk1"/>
+          </a:fillRef>
+          <a:effectRef idx="0">
+            <a:schemeClr val="dk1"/>
+          </a:effectRef>
+          <a:fontRef idx="minor">
+            <a:schemeClr val="tx1"/>
+          </a:fontRef>
+        </p:style>
+      </p:cxnSp>
     </p:spTree>
     <p:extLst>
       <p:ext uri="{BB962C8B-B14F-4D97-AF65-F5344CB8AC3E}">
-        <p14:creationId xmlns:p14="http://schemas.microsoft.com/office/powerpoint/2010/main" val="1558763637"/>
+        <p14:creationId xmlns:p14="http://schemas.microsoft.com/office/powerpoint/2010/main" val="672530775"/>
       </p:ext>
     </p:extLst>
   </p:cSld>
@@ -4805,10 +5605,10 @@
       </p:grpSpPr>
       <p:sp>
         <p:nvSpPr>
-          <p:cNvPr id="2" name="標題 1">
-            <a:extLst>
-              <a:ext uri="{FF2B5EF4-FFF2-40B4-BE49-F238E27FC236}">
-                <a16:creationId xmlns:a16="http://schemas.microsoft.com/office/drawing/2014/main" id="{B1D676C5-9F0C-E862-04D7-E27B72D7CDBA}"/>
+          <p:cNvPr id="4" name="標題 1">
+            <a:extLst>
+              <a:ext uri="{FF2B5EF4-FFF2-40B4-BE49-F238E27FC236}">
+                <a16:creationId xmlns:a16="http://schemas.microsoft.com/office/drawing/2014/main" id="{9A1C579C-D948-4742-6B57-CB345583236A}"/>
               </a:ext>
             </a:extLst>
           </p:cNvPr>
@@ -4819,856 +5619,56 @@
             <p:ph type="title"/>
           </p:nvPr>
         </p:nvSpPr>
-        <p:spPr/>
+        <p:spPr>
+          <a:xfrm>
+            <a:off x="838200" y="365125"/>
+            <a:ext cx="10515600" cy="1325563"/>
+          </a:xfrm>
+        </p:spPr>
         <p:txBody>
           <a:bodyPr/>
           <a:lstStyle/>
           <a:p>
             <a:r>
               <a:rPr lang="zh-TW" altLang="en-US" dirty="0"/>
-              <a:t>流程</a:t>
-            </a:r>
-          </a:p>
-        </p:txBody>
-      </p:sp>
-      <p:sp>
-        <p:nvSpPr>
-          <p:cNvPr id="3" name="內容版面配置區 2">
-            <a:extLst>
-              <a:ext uri="{FF2B5EF4-FFF2-40B4-BE49-F238E27FC236}">
-                <a16:creationId xmlns:a16="http://schemas.microsoft.com/office/drawing/2014/main" id="{77B7FBB2-3AB5-09ED-6016-3AC2CFD7E70F}"/>
-              </a:ext>
-            </a:extLst>
-          </p:cNvPr>
-          <p:cNvSpPr>
-            <a:spLocks noGrp="1"/>
-          </p:cNvSpPr>
+              <a:t>架構</a:t>
+            </a:r>
+          </a:p>
+        </p:txBody>
+      </p:sp>
+      <p:pic>
+        <p:nvPicPr>
+          <p:cNvPr id="9" name="內容版面配置區 8">
+            <a:extLst>
+              <a:ext uri="{FF2B5EF4-FFF2-40B4-BE49-F238E27FC236}">
+                <a16:creationId xmlns:a16="http://schemas.microsoft.com/office/drawing/2014/main" id="{4A26E8F7-3629-F52B-DD98-7367C9194617}"/>
+              </a:ext>
+            </a:extLst>
+          </p:cNvPr>
+          <p:cNvPicPr>
+            <a:picLocks noGrp="1" noChangeAspect="1"/>
+          </p:cNvPicPr>
           <p:nvPr>
             <p:ph idx="1"/>
           </p:nvPr>
-        </p:nvSpPr>
-        <p:spPr/>
-        <p:txBody>
-          <a:bodyPr/>
-          <a:lstStyle/>
-          <a:p>
-            <a:r>
-              <a:rPr lang="zh-TW" altLang="en-US" dirty="0"/>
-              <a:t>讀取資料訓練模型</a:t>
-            </a:r>
-            <a:endParaRPr lang="en-US" altLang="zh-TW" dirty="0"/>
-          </a:p>
-          <a:p>
-            <a:endParaRPr lang="en-US" altLang="zh-TW" dirty="0"/>
-          </a:p>
-          <a:p>
-            <a:endParaRPr lang="en-US" altLang="zh-TW" dirty="0"/>
-          </a:p>
-          <a:p>
-            <a:pPr marL="0" indent="0">
-              <a:buNone/>
-            </a:pPr>
-            <a:endParaRPr lang="en-US" altLang="zh-TW" dirty="0"/>
-          </a:p>
-          <a:p>
-            <a:r>
-              <a:rPr lang="zh-TW" altLang="en-US" dirty="0"/>
-              <a:t>即時錄製聲音進行文字辨識及危險判斷</a:t>
-            </a:r>
-          </a:p>
-        </p:txBody>
-      </p:sp>
-      <p:sp>
-        <p:nvSpPr>
-          <p:cNvPr id="4" name="文字方塊 3">
-            <a:extLst>
-              <a:ext uri="{FF2B5EF4-FFF2-40B4-BE49-F238E27FC236}">
-                <a16:creationId xmlns:a16="http://schemas.microsoft.com/office/drawing/2014/main" id="{DD4B72E0-3FA6-7706-0B6A-03C28395610E}"/>
-              </a:ext>
-            </a:extLst>
-          </p:cNvPr>
-          <p:cNvSpPr txBox="1"/>
-          <p:nvPr/>
-        </p:nvSpPr>
-        <p:spPr>
-          <a:xfrm>
-            <a:off x="897467" y="2415555"/>
-            <a:ext cx="1107996" cy="369332"/>
-          </a:xfrm>
-          <a:prstGeom prst="rect">
-            <a:avLst/>
-          </a:prstGeom>
-          <a:noFill/>
-          <a:ln>
-            <a:solidFill>
-              <a:schemeClr val="tx1"/>
-            </a:solidFill>
-          </a:ln>
-        </p:spPr>
-        <p:txBody>
-          <a:bodyPr wrap="none" rtlCol="0">
-            <a:spAutoFit/>
-          </a:bodyPr>
-          <a:lstStyle/>
-          <a:p>
-            <a:r>
-              <a:rPr lang="zh-TW" altLang="en-US" dirty="0"/>
-              <a:t>讀取資料</a:t>
-            </a:r>
-          </a:p>
-        </p:txBody>
-      </p:sp>
-      <p:sp>
-        <p:nvSpPr>
-          <p:cNvPr id="5" name="文字方塊 4">
-            <a:extLst>
-              <a:ext uri="{FF2B5EF4-FFF2-40B4-BE49-F238E27FC236}">
-                <a16:creationId xmlns:a16="http://schemas.microsoft.com/office/drawing/2014/main" id="{7736478D-2FEC-ED88-564A-6D5175433B45}"/>
-              </a:ext>
-            </a:extLst>
-          </p:cNvPr>
-          <p:cNvSpPr txBox="1"/>
-          <p:nvPr/>
-        </p:nvSpPr>
-        <p:spPr>
-          <a:xfrm>
-            <a:off x="6562493" y="2415555"/>
-            <a:ext cx="1107996" cy="369332"/>
-          </a:xfrm>
-          <a:prstGeom prst="rect">
-            <a:avLst/>
-          </a:prstGeom>
-          <a:noFill/>
-          <a:ln>
-            <a:solidFill>
-              <a:schemeClr val="tx1"/>
-            </a:solidFill>
-          </a:ln>
-        </p:spPr>
-        <p:txBody>
-          <a:bodyPr wrap="none" rtlCol="0">
-            <a:spAutoFit/>
-          </a:bodyPr>
-          <a:lstStyle/>
-          <a:p>
-            <a:r>
-              <a:rPr lang="zh-TW" altLang="en-US" dirty="0"/>
-              <a:t>訓練模型</a:t>
-            </a:r>
-          </a:p>
-        </p:txBody>
-      </p:sp>
-      <p:sp>
-        <p:nvSpPr>
-          <p:cNvPr id="7" name="文字方塊 6">
-            <a:extLst>
-              <a:ext uri="{FF2B5EF4-FFF2-40B4-BE49-F238E27FC236}">
-                <a16:creationId xmlns:a16="http://schemas.microsoft.com/office/drawing/2014/main" id="{56E41D6A-C647-4124-FBAF-B8FE69FBE72C}"/>
-              </a:ext>
-            </a:extLst>
-          </p:cNvPr>
-          <p:cNvSpPr txBox="1"/>
-          <p:nvPr/>
-        </p:nvSpPr>
-        <p:spPr>
-          <a:xfrm>
-            <a:off x="9279591" y="2415555"/>
-            <a:ext cx="1107996" cy="369332"/>
-          </a:xfrm>
-          <a:prstGeom prst="rect">
-            <a:avLst/>
-          </a:prstGeom>
-          <a:noFill/>
-          <a:ln>
-            <a:solidFill>
-              <a:schemeClr val="tx1"/>
-            </a:solidFill>
-          </a:ln>
-        </p:spPr>
-        <p:txBody>
-          <a:bodyPr wrap="none" rtlCol="0">
-            <a:spAutoFit/>
-          </a:bodyPr>
-          <a:lstStyle/>
-          <a:p>
-            <a:r>
-              <a:rPr lang="zh-TW" altLang="en-US" dirty="0"/>
-              <a:t>產生模型</a:t>
-            </a:r>
-          </a:p>
-        </p:txBody>
-      </p:sp>
-      <p:sp>
-        <p:nvSpPr>
-          <p:cNvPr id="8" name="文字方塊 7">
-            <a:extLst>
-              <a:ext uri="{FF2B5EF4-FFF2-40B4-BE49-F238E27FC236}">
-                <a16:creationId xmlns:a16="http://schemas.microsoft.com/office/drawing/2014/main" id="{C9DB8AA1-6341-430D-8798-B44C4CF21001}"/>
-              </a:ext>
-            </a:extLst>
-          </p:cNvPr>
-          <p:cNvSpPr txBox="1"/>
-          <p:nvPr/>
-        </p:nvSpPr>
-        <p:spPr>
-          <a:xfrm>
-            <a:off x="897467" y="4560979"/>
-            <a:ext cx="1107996" cy="369332"/>
-          </a:xfrm>
-          <a:prstGeom prst="rect">
-            <a:avLst/>
-          </a:prstGeom>
-          <a:noFill/>
-          <a:ln>
-            <a:solidFill>
-              <a:schemeClr val="tx1"/>
-            </a:solidFill>
-          </a:ln>
-        </p:spPr>
-        <p:txBody>
-          <a:bodyPr wrap="none" rtlCol="0">
-            <a:spAutoFit/>
-          </a:bodyPr>
-          <a:lstStyle/>
-          <a:p>
-            <a:r>
-              <a:rPr lang="zh-TW" altLang="en-US" dirty="0"/>
-              <a:t>讀取模型</a:t>
-            </a:r>
-          </a:p>
-        </p:txBody>
-      </p:sp>
-      <p:sp>
-        <p:nvSpPr>
-          <p:cNvPr id="9" name="文字方塊 8">
-            <a:extLst>
-              <a:ext uri="{FF2B5EF4-FFF2-40B4-BE49-F238E27FC236}">
-                <a16:creationId xmlns:a16="http://schemas.microsoft.com/office/drawing/2014/main" id="{105037FE-1E59-9421-60A8-EA8656C4708D}"/>
-              </a:ext>
-            </a:extLst>
-          </p:cNvPr>
-          <p:cNvSpPr txBox="1"/>
-          <p:nvPr/>
-        </p:nvSpPr>
-        <p:spPr>
-          <a:xfrm>
-            <a:off x="5319361" y="4560979"/>
-            <a:ext cx="1107996" cy="369332"/>
-          </a:xfrm>
-          <a:prstGeom prst="rect">
-            <a:avLst/>
-          </a:prstGeom>
-          <a:noFill/>
-          <a:ln>
-            <a:solidFill>
-              <a:schemeClr val="tx1"/>
-            </a:solidFill>
-          </a:ln>
-        </p:spPr>
-        <p:txBody>
-          <a:bodyPr wrap="none" rtlCol="0">
-            <a:spAutoFit/>
-          </a:bodyPr>
-          <a:lstStyle/>
-          <a:p>
-            <a:r>
-              <a:rPr lang="zh-TW" altLang="en-US" dirty="0"/>
-              <a:t>資料處理</a:t>
-            </a:r>
-          </a:p>
-        </p:txBody>
-      </p:sp>
-      <p:sp>
-        <p:nvSpPr>
-          <p:cNvPr id="10" name="文字方塊 9">
-            <a:extLst>
-              <a:ext uri="{FF2B5EF4-FFF2-40B4-BE49-F238E27FC236}">
-                <a16:creationId xmlns:a16="http://schemas.microsoft.com/office/drawing/2014/main" id="{82CDA242-BC56-9D99-9779-00964B931424}"/>
-              </a:ext>
-            </a:extLst>
-          </p:cNvPr>
-          <p:cNvSpPr txBox="1"/>
-          <p:nvPr/>
-        </p:nvSpPr>
-        <p:spPr>
-          <a:xfrm>
-            <a:off x="7299476" y="4560979"/>
-            <a:ext cx="1107996" cy="369332"/>
-          </a:xfrm>
-          <a:prstGeom prst="rect">
-            <a:avLst/>
-          </a:prstGeom>
-          <a:noFill/>
-          <a:ln>
-            <a:solidFill>
-              <a:schemeClr val="tx1"/>
-            </a:solidFill>
-          </a:ln>
-        </p:spPr>
-        <p:txBody>
-          <a:bodyPr wrap="none" rtlCol="0">
-            <a:spAutoFit/>
-          </a:bodyPr>
-          <a:lstStyle/>
-          <a:p>
-            <a:r>
-              <a:rPr lang="zh-TW" altLang="en-US" dirty="0"/>
-              <a:t>模型預測</a:t>
-            </a:r>
-          </a:p>
-        </p:txBody>
-      </p:sp>
-      <p:cxnSp>
-        <p:nvCxnSpPr>
-          <p:cNvPr id="12" name="直線單箭頭接點 11">
-            <a:extLst>
-              <a:ext uri="{FF2B5EF4-FFF2-40B4-BE49-F238E27FC236}">
-                <a16:creationId xmlns:a16="http://schemas.microsoft.com/office/drawing/2014/main" id="{6EFA32DF-7998-B7B0-E2D8-E8CC2E055395}"/>
-              </a:ext>
-            </a:extLst>
-          </p:cNvPr>
-          <p:cNvCxnSpPr>
-            <a:cxnSpLocks/>
-            <a:stCxn id="23" idx="3"/>
-            <a:endCxn id="5" idx="1"/>
-          </p:cNvCxnSpPr>
-          <p:nvPr/>
-        </p:nvCxnSpPr>
-        <p:spPr>
-          <a:xfrm>
-            <a:off x="4953392" y="2600221"/>
-            <a:ext cx="1609101" cy="0"/>
-          </a:xfrm>
-          <a:prstGeom prst="straightConnector1">
-            <a:avLst/>
-          </a:prstGeom>
-          <a:ln w="28575">
-            <a:tailEnd type="triangle"/>
-          </a:ln>
-        </p:spPr>
-        <p:style>
-          <a:lnRef idx="1">
-            <a:schemeClr val="dk1"/>
-          </a:lnRef>
-          <a:fillRef idx="0">
-            <a:schemeClr val="dk1"/>
-          </a:fillRef>
-          <a:effectRef idx="0">
-            <a:schemeClr val="dk1"/>
-          </a:effectRef>
-          <a:fontRef idx="minor">
-            <a:schemeClr val="tx1"/>
-          </a:fontRef>
-        </p:style>
-      </p:cxnSp>
-      <p:cxnSp>
-        <p:nvCxnSpPr>
-          <p:cNvPr id="13" name="直線單箭頭接點 12">
-            <a:extLst>
-              <a:ext uri="{FF2B5EF4-FFF2-40B4-BE49-F238E27FC236}">
-                <a16:creationId xmlns:a16="http://schemas.microsoft.com/office/drawing/2014/main" id="{E2F5866E-4246-6130-CCE4-374374BEDA34}"/>
-              </a:ext>
-            </a:extLst>
-          </p:cNvPr>
-          <p:cNvCxnSpPr>
-            <a:cxnSpLocks/>
-            <a:stCxn id="5" idx="3"/>
-            <a:endCxn id="7" idx="1"/>
-          </p:cNvCxnSpPr>
-          <p:nvPr/>
-        </p:nvCxnSpPr>
-        <p:spPr>
-          <a:xfrm>
-            <a:off x="7670489" y="2600221"/>
-            <a:ext cx="1609102" cy="0"/>
-          </a:xfrm>
-          <a:prstGeom prst="straightConnector1">
-            <a:avLst/>
-          </a:prstGeom>
-          <a:ln w="28575">
-            <a:tailEnd type="triangle"/>
-          </a:ln>
-        </p:spPr>
-        <p:style>
-          <a:lnRef idx="1">
-            <a:schemeClr val="dk1"/>
-          </a:lnRef>
-          <a:fillRef idx="0">
-            <a:schemeClr val="dk1"/>
-          </a:fillRef>
-          <a:effectRef idx="0">
-            <a:schemeClr val="dk1"/>
-          </a:effectRef>
-          <a:fontRef idx="minor">
-            <a:schemeClr val="tx1"/>
-          </a:fontRef>
-        </p:style>
-      </p:cxnSp>
-      <p:cxnSp>
-        <p:nvCxnSpPr>
-          <p:cNvPr id="17" name="直線單箭頭接點 16">
-            <a:extLst>
-              <a:ext uri="{FF2B5EF4-FFF2-40B4-BE49-F238E27FC236}">
-                <a16:creationId xmlns:a16="http://schemas.microsoft.com/office/drawing/2014/main" id="{684A2449-E905-A4A2-0D97-6C3B9BA50884}"/>
-              </a:ext>
-            </a:extLst>
-          </p:cNvPr>
-          <p:cNvCxnSpPr>
-            <a:cxnSpLocks/>
-            <a:stCxn id="8" idx="3"/>
-            <a:endCxn id="36" idx="1"/>
-          </p:cNvCxnSpPr>
-          <p:nvPr/>
-        </p:nvCxnSpPr>
-        <p:spPr>
-          <a:xfrm>
-            <a:off x="2005463" y="4745645"/>
-            <a:ext cx="872119" cy="0"/>
-          </a:xfrm>
-          <a:prstGeom prst="straightConnector1">
-            <a:avLst/>
-          </a:prstGeom>
-          <a:ln w="28575">
-            <a:tailEnd type="triangle"/>
-          </a:ln>
-        </p:spPr>
-        <p:style>
-          <a:lnRef idx="1">
-            <a:schemeClr val="dk1"/>
-          </a:lnRef>
-          <a:fillRef idx="0">
-            <a:schemeClr val="dk1"/>
-          </a:fillRef>
-          <a:effectRef idx="0">
-            <a:schemeClr val="dk1"/>
-          </a:effectRef>
-          <a:fontRef idx="minor">
-            <a:schemeClr val="tx1"/>
-          </a:fontRef>
-        </p:style>
-      </p:cxnSp>
-      <p:cxnSp>
-        <p:nvCxnSpPr>
-          <p:cNvPr id="20" name="直線單箭頭接點 19">
-            <a:extLst>
-              <a:ext uri="{FF2B5EF4-FFF2-40B4-BE49-F238E27FC236}">
-                <a16:creationId xmlns:a16="http://schemas.microsoft.com/office/drawing/2014/main" id="{77EA87BF-AADA-75E7-1EF4-BE066F2F4168}"/>
-              </a:ext>
-            </a:extLst>
-          </p:cNvPr>
-          <p:cNvCxnSpPr>
-            <a:cxnSpLocks/>
-            <a:stCxn id="9" idx="3"/>
-            <a:endCxn id="10" idx="1"/>
-          </p:cNvCxnSpPr>
-          <p:nvPr/>
-        </p:nvCxnSpPr>
-        <p:spPr>
-          <a:xfrm>
-            <a:off x="6427357" y="4745645"/>
-            <a:ext cx="872119" cy="0"/>
-          </a:xfrm>
-          <a:prstGeom prst="straightConnector1">
-            <a:avLst/>
-          </a:prstGeom>
-          <a:ln w="28575">
-            <a:tailEnd type="triangle"/>
-          </a:ln>
-        </p:spPr>
-        <p:style>
-          <a:lnRef idx="1">
-            <a:schemeClr val="dk1"/>
-          </a:lnRef>
-          <a:fillRef idx="0">
-            <a:schemeClr val="dk1"/>
-          </a:fillRef>
-          <a:effectRef idx="0">
-            <a:schemeClr val="dk1"/>
-          </a:effectRef>
-          <a:fontRef idx="minor">
-            <a:schemeClr val="tx1"/>
-          </a:fontRef>
-        </p:style>
-      </p:cxnSp>
-      <p:sp>
-        <p:nvSpPr>
-          <p:cNvPr id="23" name="文字方塊 22">
-            <a:extLst>
-              <a:ext uri="{FF2B5EF4-FFF2-40B4-BE49-F238E27FC236}">
-                <a16:creationId xmlns:a16="http://schemas.microsoft.com/office/drawing/2014/main" id="{4093E40A-31E0-C0E9-94A6-A60544C939EB}"/>
-              </a:ext>
-            </a:extLst>
-          </p:cNvPr>
-          <p:cNvSpPr txBox="1"/>
-          <p:nvPr/>
-        </p:nvSpPr>
-        <p:spPr>
-          <a:xfrm>
-            <a:off x="3614564" y="2415555"/>
-            <a:ext cx="1338828" cy="369332"/>
-          </a:xfrm>
-          <a:prstGeom prst="rect">
-            <a:avLst/>
-          </a:prstGeom>
-          <a:noFill/>
-          <a:ln>
-            <a:solidFill>
-              <a:schemeClr val="tx1"/>
-            </a:solidFill>
-          </a:ln>
-        </p:spPr>
-        <p:txBody>
-          <a:bodyPr wrap="none" rtlCol="0">
-            <a:spAutoFit/>
-          </a:bodyPr>
-          <a:lstStyle/>
-          <a:p>
-            <a:r>
-              <a:rPr lang="zh-TW" altLang="en-US" dirty="0"/>
-              <a:t>資料預處理</a:t>
-            </a:r>
-          </a:p>
-        </p:txBody>
-      </p:sp>
-      <p:cxnSp>
-        <p:nvCxnSpPr>
-          <p:cNvPr id="29" name="直線單箭頭接點 28">
-            <a:extLst>
-              <a:ext uri="{FF2B5EF4-FFF2-40B4-BE49-F238E27FC236}">
-                <a16:creationId xmlns:a16="http://schemas.microsoft.com/office/drawing/2014/main" id="{F602A290-C45B-8BC4-44EE-743995FB1EBE}"/>
-              </a:ext>
-            </a:extLst>
-          </p:cNvPr>
-          <p:cNvCxnSpPr>
-            <a:cxnSpLocks/>
-            <a:stCxn id="4" idx="3"/>
-            <a:endCxn id="23" idx="1"/>
-          </p:cNvCxnSpPr>
-          <p:nvPr/>
-        </p:nvCxnSpPr>
-        <p:spPr>
-          <a:xfrm>
-            <a:off x="2005463" y="2600221"/>
-            <a:ext cx="1609101" cy="0"/>
-          </a:xfrm>
-          <a:prstGeom prst="straightConnector1">
-            <a:avLst/>
-          </a:prstGeom>
-          <a:ln w="28575">
-            <a:tailEnd type="triangle"/>
-          </a:ln>
-        </p:spPr>
-        <p:style>
-          <a:lnRef idx="1">
-            <a:schemeClr val="dk1"/>
-          </a:lnRef>
-          <a:fillRef idx="0">
-            <a:schemeClr val="dk1"/>
-          </a:fillRef>
-          <a:effectRef idx="0">
-            <a:schemeClr val="dk1"/>
-          </a:effectRef>
-          <a:fontRef idx="minor">
-            <a:schemeClr val="tx1"/>
-          </a:fontRef>
-        </p:style>
-      </p:cxnSp>
-      <p:sp>
-        <p:nvSpPr>
-          <p:cNvPr id="36" name="文字方塊 35">
-            <a:extLst>
-              <a:ext uri="{FF2B5EF4-FFF2-40B4-BE49-F238E27FC236}">
-                <a16:creationId xmlns:a16="http://schemas.microsoft.com/office/drawing/2014/main" id="{8871B3CB-711E-8EBB-23A6-4E1315976D83}"/>
-              </a:ext>
-            </a:extLst>
-          </p:cNvPr>
-          <p:cNvSpPr txBox="1"/>
-          <p:nvPr/>
-        </p:nvSpPr>
-        <p:spPr>
-          <a:xfrm>
-            <a:off x="2877582" y="4560979"/>
-            <a:ext cx="1569660" cy="369332"/>
-          </a:xfrm>
-          <a:prstGeom prst="rect">
-            <a:avLst/>
-          </a:prstGeom>
-          <a:noFill/>
-          <a:ln>
-            <a:solidFill>
-              <a:schemeClr val="tx1"/>
-            </a:solidFill>
-          </a:ln>
-        </p:spPr>
-        <p:txBody>
-          <a:bodyPr wrap="none" rtlCol="0">
-            <a:spAutoFit/>
-          </a:bodyPr>
-          <a:lstStyle/>
-          <a:p>
-            <a:r>
-              <a:rPr lang="zh-TW" altLang="en-US" dirty="0"/>
-              <a:t>錄製即時聲音</a:t>
-            </a:r>
-          </a:p>
-        </p:txBody>
-      </p:sp>
-      <p:cxnSp>
-        <p:nvCxnSpPr>
-          <p:cNvPr id="42" name="直線單箭頭接點 41">
-            <a:extLst>
-              <a:ext uri="{FF2B5EF4-FFF2-40B4-BE49-F238E27FC236}">
-                <a16:creationId xmlns:a16="http://schemas.microsoft.com/office/drawing/2014/main" id="{964C6BE0-409F-40A9-9DE8-74F4DBFD17A3}"/>
-              </a:ext>
-            </a:extLst>
-          </p:cNvPr>
-          <p:cNvCxnSpPr>
-            <a:cxnSpLocks/>
-            <a:stCxn id="36" idx="3"/>
-            <a:endCxn id="9" idx="1"/>
-          </p:cNvCxnSpPr>
-          <p:nvPr/>
-        </p:nvCxnSpPr>
-        <p:spPr>
-          <a:xfrm>
-            <a:off x="4447242" y="4745645"/>
-            <a:ext cx="872119" cy="0"/>
-          </a:xfrm>
-          <a:prstGeom prst="straightConnector1">
-            <a:avLst/>
-          </a:prstGeom>
-          <a:ln w="28575">
-            <a:tailEnd type="triangle"/>
-          </a:ln>
-        </p:spPr>
-        <p:style>
-          <a:lnRef idx="1">
-            <a:schemeClr val="dk1"/>
-          </a:lnRef>
-          <a:fillRef idx="0">
-            <a:schemeClr val="dk1"/>
-          </a:fillRef>
-          <a:effectRef idx="0">
-            <a:schemeClr val="dk1"/>
-          </a:effectRef>
-          <a:fontRef idx="minor">
-            <a:schemeClr val="tx1"/>
-          </a:fontRef>
-        </p:style>
-      </p:cxnSp>
-      <p:sp>
-        <p:nvSpPr>
-          <p:cNvPr id="46" name="文字方塊 45">
-            <a:extLst>
-              <a:ext uri="{FF2B5EF4-FFF2-40B4-BE49-F238E27FC236}">
-                <a16:creationId xmlns:a16="http://schemas.microsoft.com/office/drawing/2014/main" id="{01DC44A1-22F1-0D9F-5586-AE823B3FF6F6}"/>
-              </a:ext>
-            </a:extLst>
-          </p:cNvPr>
-          <p:cNvSpPr txBox="1"/>
-          <p:nvPr/>
-        </p:nvSpPr>
-        <p:spPr>
-          <a:xfrm>
-            <a:off x="6447077" y="5428238"/>
-            <a:ext cx="1338828" cy="369332"/>
-          </a:xfrm>
-          <a:prstGeom prst="rect">
-            <a:avLst/>
-          </a:prstGeom>
-          <a:noFill/>
-          <a:ln>
-            <a:solidFill>
-              <a:schemeClr val="tx1"/>
-            </a:solidFill>
-          </a:ln>
-        </p:spPr>
-        <p:txBody>
-          <a:bodyPr wrap="none" rtlCol="0">
-            <a:spAutoFit/>
-          </a:bodyPr>
-          <a:lstStyle/>
-          <a:p>
-            <a:r>
-              <a:rPr lang="zh-TW" altLang="en-US" dirty="0"/>
-              <a:t>語音轉文字</a:t>
-            </a:r>
-          </a:p>
-        </p:txBody>
-      </p:sp>
-      <p:cxnSp>
-        <p:nvCxnSpPr>
-          <p:cNvPr id="52" name="直線單箭頭接點 51">
-            <a:extLst>
-              <a:ext uri="{FF2B5EF4-FFF2-40B4-BE49-F238E27FC236}">
-                <a16:creationId xmlns:a16="http://schemas.microsoft.com/office/drawing/2014/main" id="{D96DC549-0594-FB7B-E0F2-733F14EC03FE}"/>
-              </a:ext>
-            </a:extLst>
-          </p:cNvPr>
-          <p:cNvCxnSpPr>
-            <a:cxnSpLocks/>
-            <a:stCxn id="36" idx="3"/>
-            <a:endCxn id="46" idx="1"/>
-          </p:cNvCxnSpPr>
-          <p:nvPr/>
-        </p:nvCxnSpPr>
-        <p:spPr>
-          <a:xfrm>
-            <a:off x="4447242" y="4745645"/>
-            <a:ext cx="1999835" cy="867259"/>
-          </a:xfrm>
-          <a:prstGeom prst="straightConnector1">
-            <a:avLst/>
-          </a:prstGeom>
-          <a:ln w="28575">
-            <a:tailEnd type="triangle"/>
-          </a:ln>
-        </p:spPr>
-        <p:style>
-          <a:lnRef idx="1">
-            <a:schemeClr val="dk1"/>
-          </a:lnRef>
-          <a:fillRef idx="0">
-            <a:schemeClr val="dk1"/>
-          </a:fillRef>
-          <a:effectRef idx="0">
-            <a:schemeClr val="dk1"/>
-          </a:effectRef>
-          <a:fontRef idx="minor">
-            <a:schemeClr val="tx1"/>
-          </a:fontRef>
-        </p:style>
-      </p:cxnSp>
-      <p:sp>
-        <p:nvSpPr>
-          <p:cNvPr id="58" name="文字方塊 57">
-            <a:extLst>
-              <a:ext uri="{FF2B5EF4-FFF2-40B4-BE49-F238E27FC236}">
-                <a16:creationId xmlns:a16="http://schemas.microsoft.com/office/drawing/2014/main" id="{3C7973BE-A433-84BA-64A6-88886A70A3E7}"/>
-              </a:ext>
-            </a:extLst>
-          </p:cNvPr>
-          <p:cNvSpPr txBox="1"/>
-          <p:nvPr/>
-        </p:nvSpPr>
-        <p:spPr>
-          <a:xfrm>
-            <a:off x="9279591" y="4560979"/>
-            <a:ext cx="1107996" cy="369332"/>
-          </a:xfrm>
-          <a:prstGeom prst="rect">
-            <a:avLst/>
-          </a:prstGeom>
-          <a:noFill/>
-          <a:ln>
-            <a:solidFill>
-              <a:schemeClr val="tx1"/>
-            </a:solidFill>
-          </a:ln>
-        </p:spPr>
-        <p:txBody>
-          <a:bodyPr wrap="none" rtlCol="0">
-            <a:spAutoFit/>
-          </a:bodyPr>
-          <a:lstStyle/>
-          <a:p>
-            <a:r>
-              <a:rPr lang="zh-TW" altLang="en-US" dirty="0"/>
-              <a:t>結果判斷</a:t>
-            </a:r>
-          </a:p>
-        </p:txBody>
-      </p:sp>
-      <p:cxnSp>
-        <p:nvCxnSpPr>
-          <p:cNvPr id="59" name="直線單箭頭接點 58">
-            <a:extLst>
-              <a:ext uri="{FF2B5EF4-FFF2-40B4-BE49-F238E27FC236}">
-                <a16:creationId xmlns:a16="http://schemas.microsoft.com/office/drawing/2014/main" id="{D1C3E083-99DF-88E3-3497-967049C29CEC}"/>
-              </a:ext>
-            </a:extLst>
-          </p:cNvPr>
-          <p:cNvCxnSpPr>
-            <a:cxnSpLocks/>
-            <a:stCxn id="10" idx="3"/>
-            <a:endCxn id="58" idx="1"/>
-          </p:cNvCxnSpPr>
-          <p:nvPr/>
-        </p:nvCxnSpPr>
-        <p:spPr>
-          <a:xfrm>
-            <a:off x="8407472" y="4745645"/>
-            <a:ext cx="872119" cy="0"/>
-          </a:xfrm>
-          <a:prstGeom prst="straightConnector1">
-            <a:avLst/>
-          </a:prstGeom>
-          <a:ln w="28575">
-            <a:tailEnd type="triangle"/>
-          </a:ln>
-        </p:spPr>
-        <p:style>
-          <a:lnRef idx="1">
-            <a:schemeClr val="dk1"/>
-          </a:lnRef>
-          <a:fillRef idx="0">
-            <a:schemeClr val="dk1"/>
-          </a:fillRef>
-          <a:effectRef idx="0">
-            <a:schemeClr val="dk1"/>
-          </a:effectRef>
-          <a:fontRef idx="minor">
-            <a:schemeClr val="tx1"/>
-          </a:fontRef>
-        </p:style>
-      </p:cxnSp>
-      <p:cxnSp>
-        <p:nvCxnSpPr>
-          <p:cNvPr id="62" name="直線單箭頭接點 61">
-            <a:extLst>
-              <a:ext uri="{FF2B5EF4-FFF2-40B4-BE49-F238E27FC236}">
-                <a16:creationId xmlns:a16="http://schemas.microsoft.com/office/drawing/2014/main" id="{20074F51-A8DE-67A7-1FE8-C7D25A3D3A45}"/>
-              </a:ext>
-            </a:extLst>
-          </p:cNvPr>
-          <p:cNvCxnSpPr>
-            <a:cxnSpLocks/>
-            <a:stCxn id="46" idx="3"/>
-            <a:endCxn id="58" idx="1"/>
-          </p:cNvCxnSpPr>
-          <p:nvPr/>
-        </p:nvCxnSpPr>
-        <p:spPr>
-          <a:xfrm flipV="1">
-            <a:off x="7785905" y="4745645"/>
-            <a:ext cx="1493686" cy="867259"/>
-          </a:xfrm>
-          <a:prstGeom prst="straightConnector1">
-            <a:avLst/>
-          </a:prstGeom>
-          <a:ln w="28575">
-            <a:tailEnd type="triangle"/>
-          </a:ln>
-        </p:spPr>
-        <p:style>
-          <a:lnRef idx="1">
-            <a:schemeClr val="dk1"/>
-          </a:lnRef>
-          <a:fillRef idx="0">
-            <a:schemeClr val="dk1"/>
-          </a:fillRef>
-          <a:effectRef idx="0">
-            <a:schemeClr val="dk1"/>
-          </a:effectRef>
-          <a:fontRef idx="minor">
-            <a:schemeClr val="tx1"/>
-          </a:fontRef>
-        </p:style>
-      </p:cxnSp>
+        </p:nvPicPr>
+        <p:blipFill>
+          <a:blip r:embed="rId2"/>
+          <a:stretch>
+            <a:fillRect/>
+          </a:stretch>
+        </p:blipFill>
+        <p:spPr>
+          <a:xfrm>
+            <a:off x="1647825" y="2134394"/>
+            <a:ext cx="8896350" cy="3733799"/>
+          </a:xfrm>
+        </p:spPr>
+      </p:pic>
     </p:spTree>
     <p:extLst>
       <p:ext uri="{BB962C8B-B14F-4D97-AF65-F5344CB8AC3E}">
-        <p14:creationId xmlns:p14="http://schemas.microsoft.com/office/powerpoint/2010/main" val="672530775"/>
+        <p14:creationId xmlns:p14="http://schemas.microsoft.com/office/powerpoint/2010/main" val="1558763637"/>
       </p:ext>
     </p:extLst>
   </p:cSld>

--- a/audio.pptx
+++ b/audio.pptx
@@ -14,6 +14,7 @@
     <p:sldId id="263" r:id="rId8"/>
     <p:sldId id="264" r:id="rId9"/>
     <p:sldId id="265" r:id="rId10"/>
+    <p:sldId id="267" r:id="rId11"/>
   </p:sldIdLst>
   <p:sldSz cx="12192000" cy="6858000"/>
   <p:notesSz cx="6858000" cy="9144000"/>
@@ -515,7 +516,7 @@
           <a:p>
             <a:fld id="{C90A5AA3-003B-4792-9309-656A3D43AED1}" type="datetimeFigureOut">
               <a:rPr lang="zh-TW" altLang="en-US" smtClean="0"/>
-              <a:t>2022/6/4</a:t>
+              <a:t>2022/6/12</a:t>
             </a:fld>
             <a:endParaRPr lang="zh-TW" altLang="en-US"/>
           </a:p>
@@ -713,7 +714,7 @@
           <a:p>
             <a:fld id="{C90A5AA3-003B-4792-9309-656A3D43AED1}" type="datetimeFigureOut">
               <a:rPr lang="zh-TW" altLang="en-US" smtClean="0"/>
-              <a:t>2022/6/4</a:t>
+              <a:t>2022/6/12</a:t>
             </a:fld>
             <a:endParaRPr lang="zh-TW" altLang="en-US"/>
           </a:p>
@@ -921,7 +922,7 @@
           <a:p>
             <a:fld id="{C90A5AA3-003B-4792-9309-656A3D43AED1}" type="datetimeFigureOut">
               <a:rPr lang="zh-TW" altLang="en-US" smtClean="0"/>
-              <a:t>2022/6/4</a:t>
+              <a:t>2022/6/12</a:t>
             </a:fld>
             <a:endParaRPr lang="zh-TW" altLang="en-US"/>
           </a:p>
@@ -1119,7 +1120,7 @@
           <a:p>
             <a:fld id="{C90A5AA3-003B-4792-9309-656A3D43AED1}" type="datetimeFigureOut">
               <a:rPr lang="zh-TW" altLang="en-US" smtClean="0"/>
-              <a:t>2022/6/4</a:t>
+              <a:t>2022/6/12</a:t>
             </a:fld>
             <a:endParaRPr lang="zh-TW" altLang="en-US"/>
           </a:p>
@@ -1394,7 +1395,7 @@
           <a:p>
             <a:fld id="{C90A5AA3-003B-4792-9309-656A3D43AED1}" type="datetimeFigureOut">
               <a:rPr lang="zh-TW" altLang="en-US" smtClean="0"/>
-              <a:t>2022/6/4</a:t>
+              <a:t>2022/6/12</a:t>
             </a:fld>
             <a:endParaRPr lang="zh-TW" altLang="en-US"/>
           </a:p>
@@ -1659,7 +1660,7 @@
           <a:p>
             <a:fld id="{C90A5AA3-003B-4792-9309-656A3D43AED1}" type="datetimeFigureOut">
               <a:rPr lang="zh-TW" altLang="en-US" smtClean="0"/>
-              <a:t>2022/6/4</a:t>
+              <a:t>2022/6/12</a:t>
             </a:fld>
             <a:endParaRPr lang="zh-TW" altLang="en-US"/>
           </a:p>
@@ -2071,7 +2072,7 @@
           <a:p>
             <a:fld id="{C90A5AA3-003B-4792-9309-656A3D43AED1}" type="datetimeFigureOut">
               <a:rPr lang="zh-TW" altLang="en-US" smtClean="0"/>
-              <a:t>2022/6/4</a:t>
+              <a:t>2022/6/12</a:t>
             </a:fld>
             <a:endParaRPr lang="zh-TW" altLang="en-US"/>
           </a:p>
@@ -2212,7 +2213,7 @@
           <a:p>
             <a:fld id="{C90A5AA3-003B-4792-9309-656A3D43AED1}" type="datetimeFigureOut">
               <a:rPr lang="zh-TW" altLang="en-US" smtClean="0"/>
-              <a:t>2022/6/4</a:t>
+              <a:t>2022/6/12</a:t>
             </a:fld>
             <a:endParaRPr lang="zh-TW" altLang="en-US"/>
           </a:p>
@@ -2325,7 +2326,7 @@
           <a:p>
             <a:fld id="{C90A5AA3-003B-4792-9309-656A3D43AED1}" type="datetimeFigureOut">
               <a:rPr lang="zh-TW" altLang="en-US" smtClean="0"/>
-              <a:t>2022/6/4</a:t>
+              <a:t>2022/6/12</a:t>
             </a:fld>
             <a:endParaRPr lang="zh-TW" altLang="en-US"/>
           </a:p>
@@ -2636,7 +2637,7 @@
           <a:p>
             <a:fld id="{C90A5AA3-003B-4792-9309-656A3D43AED1}" type="datetimeFigureOut">
               <a:rPr lang="zh-TW" altLang="en-US" smtClean="0"/>
-              <a:t>2022/6/4</a:t>
+              <a:t>2022/6/12</a:t>
             </a:fld>
             <a:endParaRPr lang="zh-TW" altLang="en-US"/>
           </a:p>
@@ -2924,7 +2925,7 @@
           <a:p>
             <a:fld id="{C90A5AA3-003B-4792-9309-656A3D43AED1}" type="datetimeFigureOut">
               <a:rPr lang="zh-TW" altLang="en-US" smtClean="0"/>
-              <a:t>2022/6/4</a:t>
+              <a:t>2022/6/12</a:t>
             </a:fld>
             <a:endParaRPr lang="zh-TW" altLang="en-US"/>
           </a:p>
@@ -3165,7 +3166,7 @@
           <a:p>
             <a:fld id="{C90A5AA3-003B-4792-9309-656A3D43AED1}" type="datetimeFigureOut">
               <a:rPr lang="zh-TW" altLang="en-US" smtClean="0"/>
-              <a:t>2022/6/4</a:t>
+              <a:t>2022/6/12</a:t>
             </a:fld>
             <a:endParaRPr lang="zh-TW" altLang="en-US"/>
           </a:p>
@@ -3647,6 +3648,678 @@
     <p:extLst>
       <p:ext uri="{BB962C8B-B14F-4D97-AF65-F5344CB8AC3E}">
         <p14:creationId xmlns:p14="http://schemas.microsoft.com/office/powerpoint/2010/main" val="2762613569"/>
+      </p:ext>
+    </p:extLst>
+  </p:cSld>
+  <p:clrMapOvr>
+    <a:masterClrMapping/>
+  </p:clrMapOvr>
+</p:sld>
+</file>
+
+<file path=ppt/slides/slide10.xml><?xml version="1.0" encoding="utf-8"?>
+<p:sld xmlns:a="http://schemas.openxmlformats.org/drawingml/2006/main" xmlns:r="http://schemas.openxmlformats.org/officeDocument/2006/relationships" xmlns:p="http://schemas.openxmlformats.org/presentationml/2006/main">
+  <p:cSld>
+    <p:spTree>
+      <p:nvGrpSpPr>
+        <p:cNvPr id="1" name=""/>
+        <p:cNvGrpSpPr/>
+        <p:nvPr/>
+      </p:nvGrpSpPr>
+      <p:grpSpPr>
+        <a:xfrm>
+          <a:off x="0" y="0"/>
+          <a:ext cx="0" cy="0"/>
+          <a:chOff x="0" y="0"/>
+          <a:chExt cx="0" cy="0"/>
+        </a:xfrm>
+      </p:grpSpPr>
+      <p:sp>
+        <p:nvSpPr>
+          <p:cNvPr id="6" name="文字方塊 5">
+            <a:extLst>
+              <a:ext uri="{FF2B5EF4-FFF2-40B4-BE49-F238E27FC236}">
+                <a16:creationId xmlns:a16="http://schemas.microsoft.com/office/drawing/2014/main" id="{6EBA5133-2A32-E5F3-22D0-3E607C4DA005}"/>
+              </a:ext>
+            </a:extLst>
+          </p:cNvPr>
+          <p:cNvSpPr txBox="1"/>
+          <p:nvPr/>
+        </p:nvSpPr>
+        <p:spPr>
+          <a:xfrm>
+            <a:off x="3847923" y="535829"/>
+            <a:ext cx="1415772" cy="461665"/>
+          </a:xfrm>
+          <a:prstGeom prst="rect">
+            <a:avLst/>
+          </a:prstGeom>
+          <a:noFill/>
+          <a:ln>
+            <a:solidFill>
+              <a:schemeClr val="tx1"/>
+            </a:solidFill>
+          </a:ln>
+        </p:spPr>
+        <p:txBody>
+          <a:bodyPr wrap="none" rtlCol="0">
+            <a:spAutoFit/>
+          </a:bodyPr>
+          <a:lstStyle/>
+          <a:p>
+            <a:r>
+              <a:rPr lang="zh-TW" altLang="en-US" sz="2400" dirty="0">
+                <a:latin typeface="標楷體" panose="03000509000000000000" pitchFamily="65" charset="-120"/>
+                <a:ea typeface="標楷體" panose="03000509000000000000" pitchFamily="65" charset="-120"/>
+              </a:rPr>
+              <a:t>讀取模型</a:t>
+            </a:r>
+          </a:p>
+        </p:txBody>
+      </p:sp>
+      <p:sp>
+        <p:nvSpPr>
+          <p:cNvPr id="8" name="文字方塊 7">
+            <a:extLst>
+              <a:ext uri="{FF2B5EF4-FFF2-40B4-BE49-F238E27FC236}">
+                <a16:creationId xmlns:a16="http://schemas.microsoft.com/office/drawing/2014/main" id="{BB14424A-57BB-0BA5-4E67-85C81135B054}"/>
+              </a:ext>
+            </a:extLst>
+          </p:cNvPr>
+          <p:cNvSpPr txBox="1"/>
+          <p:nvPr/>
+        </p:nvSpPr>
+        <p:spPr>
+          <a:xfrm>
+            <a:off x="3847923" y="1392775"/>
+            <a:ext cx="1415772" cy="461665"/>
+          </a:xfrm>
+          <a:prstGeom prst="rect">
+            <a:avLst/>
+          </a:prstGeom>
+          <a:noFill/>
+          <a:ln>
+            <a:solidFill>
+              <a:schemeClr val="tx1"/>
+            </a:solidFill>
+          </a:ln>
+        </p:spPr>
+        <p:txBody>
+          <a:bodyPr wrap="none" rtlCol="0">
+            <a:spAutoFit/>
+          </a:bodyPr>
+          <a:lstStyle/>
+          <a:p>
+            <a:r>
+              <a:rPr lang="zh-TW" altLang="en-US" sz="2400" dirty="0">
+                <a:latin typeface="標楷體" panose="03000509000000000000" pitchFamily="65" charset="-120"/>
+                <a:ea typeface="標楷體" panose="03000509000000000000" pitchFamily="65" charset="-120"/>
+              </a:rPr>
+              <a:t>錄製聲音</a:t>
+            </a:r>
+          </a:p>
+        </p:txBody>
+      </p:sp>
+      <p:cxnSp>
+        <p:nvCxnSpPr>
+          <p:cNvPr id="9" name="直線單箭頭接點 8">
+            <a:extLst>
+              <a:ext uri="{FF2B5EF4-FFF2-40B4-BE49-F238E27FC236}">
+                <a16:creationId xmlns:a16="http://schemas.microsoft.com/office/drawing/2014/main" id="{063CB37B-0A84-CC11-6D72-5DDD16150212}"/>
+              </a:ext>
+            </a:extLst>
+          </p:cNvPr>
+          <p:cNvCxnSpPr>
+            <a:cxnSpLocks/>
+            <a:stCxn id="8" idx="2"/>
+          </p:cNvCxnSpPr>
+          <p:nvPr/>
+        </p:nvCxnSpPr>
+        <p:spPr>
+          <a:xfrm>
+            <a:off x="4555809" y="1854440"/>
+            <a:ext cx="0" cy="395281"/>
+          </a:xfrm>
+          <a:prstGeom prst="straightConnector1">
+            <a:avLst/>
+          </a:prstGeom>
+          <a:ln w="28575">
+            <a:tailEnd type="triangle"/>
+          </a:ln>
+        </p:spPr>
+        <p:style>
+          <a:lnRef idx="1">
+            <a:schemeClr val="dk1"/>
+          </a:lnRef>
+          <a:fillRef idx="0">
+            <a:schemeClr val="dk1"/>
+          </a:fillRef>
+          <a:effectRef idx="0">
+            <a:schemeClr val="dk1"/>
+          </a:effectRef>
+          <a:fontRef idx="minor">
+            <a:schemeClr val="tx1"/>
+          </a:fontRef>
+        </p:style>
+      </p:cxnSp>
+      <p:cxnSp>
+        <p:nvCxnSpPr>
+          <p:cNvPr id="10" name="直線單箭頭接點 9">
+            <a:extLst>
+              <a:ext uri="{FF2B5EF4-FFF2-40B4-BE49-F238E27FC236}">
+                <a16:creationId xmlns:a16="http://schemas.microsoft.com/office/drawing/2014/main" id="{CF51B458-A6C6-3EA5-7636-53FE0AD7D0C2}"/>
+              </a:ext>
+            </a:extLst>
+          </p:cNvPr>
+          <p:cNvCxnSpPr>
+            <a:cxnSpLocks/>
+          </p:cNvCxnSpPr>
+          <p:nvPr/>
+        </p:nvCxnSpPr>
+        <p:spPr>
+          <a:xfrm>
+            <a:off x="4555809" y="997494"/>
+            <a:ext cx="0" cy="395281"/>
+          </a:xfrm>
+          <a:prstGeom prst="straightConnector1">
+            <a:avLst/>
+          </a:prstGeom>
+          <a:ln w="28575">
+            <a:tailEnd type="triangle"/>
+          </a:ln>
+        </p:spPr>
+        <p:style>
+          <a:lnRef idx="1">
+            <a:schemeClr val="dk1"/>
+          </a:lnRef>
+          <a:fillRef idx="0">
+            <a:schemeClr val="dk1"/>
+          </a:fillRef>
+          <a:effectRef idx="0">
+            <a:schemeClr val="dk1"/>
+          </a:effectRef>
+          <a:fontRef idx="minor">
+            <a:schemeClr val="tx1"/>
+          </a:fontRef>
+        </p:style>
+      </p:cxnSp>
+      <p:cxnSp>
+        <p:nvCxnSpPr>
+          <p:cNvPr id="13" name="直線單箭頭接點 12">
+            <a:extLst>
+              <a:ext uri="{FF2B5EF4-FFF2-40B4-BE49-F238E27FC236}">
+                <a16:creationId xmlns:a16="http://schemas.microsoft.com/office/drawing/2014/main" id="{8F2AAFCD-E34A-DCA1-71BE-A96E380F8B43}"/>
+              </a:ext>
+            </a:extLst>
+          </p:cNvPr>
+          <p:cNvCxnSpPr>
+            <a:cxnSpLocks/>
+            <a:stCxn id="18" idx="2"/>
+            <a:endCxn id="20" idx="0"/>
+          </p:cNvCxnSpPr>
+          <p:nvPr/>
+        </p:nvCxnSpPr>
+        <p:spPr>
+          <a:xfrm>
+            <a:off x="4555809" y="3568332"/>
+            <a:ext cx="1" cy="395282"/>
+          </a:xfrm>
+          <a:prstGeom prst="straightConnector1">
+            <a:avLst/>
+          </a:prstGeom>
+          <a:ln w="28575">
+            <a:tailEnd type="triangle"/>
+          </a:ln>
+        </p:spPr>
+        <p:style>
+          <a:lnRef idx="1">
+            <a:schemeClr val="dk1"/>
+          </a:lnRef>
+          <a:fillRef idx="0">
+            <a:schemeClr val="dk1"/>
+          </a:fillRef>
+          <a:effectRef idx="0">
+            <a:schemeClr val="dk1"/>
+          </a:effectRef>
+          <a:fontRef idx="minor">
+            <a:schemeClr val="tx1"/>
+          </a:fontRef>
+        </p:style>
+      </p:cxnSp>
+      <p:pic>
+        <p:nvPicPr>
+          <p:cNvPr id="16" name="圖片 15">
+            <a:extLst>
+              <a:ext uri="{FF2B5EF4-FFF2-40B4-BE49-F238E27FC236}">
+                <a16:creationId xmlns:a16="http://schemas.microsoft.com/office/drawing/2014/main" id="{67C35EFE-7C5F-1C3F-4009-F8E95EABCC4A}"/>
+              </a:ext>
+            </a:extLst>
+          </p:cNvPr>
+          <p:cNvPicPr>
+            <a:picLocks noChangeAspect="1"/>
+          </p:cNvPicPr>
+          <p:nvPr/>
+        </p:nvPicPr>
+        <p:blipFill>
+          <a:blip r:embed="rId2"/>
+          <a:stretch>
+            <a:fillRect/>
+          </a:stretch>
+        </p:blipFill>
+        <p:spPr>
+          <a:xfrm>
+            <a:off x="2792330" y="4803895"/>
+            <a:ext cx="1495634" cy="333422"/>
+          </a:xfrm>
+          <a:prstGeom prst="rect">
+            <a:avLst/>
+          </a:prstGeom>
+        </p:spPr>
+      </p:pic>
+      <p:cxnSp>
+        <p:nvCxnSpPr>
+          <p:cNvPr id="17" name="直線單箭頭接點 16">
+            <a:extLst>
+              <a:ext uri="{FF2B5EF4-FFF2-40B4-BE49-F238E27FC236}">
+                <a16:creationId xmlns:a16="http://schemas.microsoft.com/office/drawing/2014/main" id="{4357606C-24BF-BF04-5EF4-9DF32C9C5A1C}"/>
+              </a:ext>
+            </a:extLst>
+          </p:cNvPr>
+          <p:cNvCxnSpPr>
+            <a:cxnSpLocks/>
+          </p:cNvCxnSpPr>
+          <p:nvPr/>
+        </p:nvCxnSpPr>
+        <p:spPr>
+          <a:xfrm>
+            <a:off x="4555809" y="2711386"/>
+            <a:ext cx="0" cy="395281"/>
+          </a:xfrm>
+          <a:prstGeom prst="straightConnector1">
+            <a:avLst/>
+          </a:prstGeom>
+          <a:ln w="28575">
+            <a:tailEnd type="triangle"/>
+          </a:ln>
+        </p:spPr>
+        <p:style>
+          <a:lnRef idx="1">
+            <a:schemeClr val="dk1"/>
+          </a:lnRef>
+          <a:fillRef idx="0">
+            <a:schemeClr val="dk1"/>
+          </a:fillRef>
+          <a:effectRef idx="0">
+            <a:schemeClr val="dk1"/>
+          </a:effectRef>
+          <a:fontRef idx="minor">
+            <a:schemeClr val="tx1"/>
+          </a:fontRef>
+        </p:style>
+      </p:cxnSp>
+      <p:sp>
+        <p:nvSpPr>
+          <p:cNvPr id="18" name="文字方塊 17">
+            <a:extLst>
+              <a:ext uri="{FF2B5EF4-FFF2-40B4-BE49-F238E27FC236}">
+                <a16:creationId xmlns:a16="http://schemas.microsoft.com/office/drawing/2014/main" id="{FACA671D-DAA1-9926-5F29-0969889D60E9}"/>
+              </a:ext>
+            </a:extLst>
+          </p:cNvPr>
+          <p:cNvSpPr txBox="1"/>
+          <p:nvPr/>
+        </p:nvSpPr>
+        <p:spPr>
+          <a:xfrm>
+            <a:off x="3847923" y="3106667"/>
+            <a:ext cx="1415772" cy="461665"/>
+          </a:xfrm>
+          <a:prstGeom prst="rect">
+            <a:avLst/>
+          </a:prstGeom>
+          <a:noFill/>
+          <a:ln>
+            <a:solidFill>
+              <a:schemeClr val="tx1"/>
+            </a:solidFill>
+          </a:ln>
+        </p:spPr>
+        <p:txBody>
+          <a:bodyPr wrap="none" rtlCol="0">
+            <a:spAutoFit/>
+          </a:bodyPr>
+          <a:lstStyle/>
+          <a:p>
+            <a:r>
+              <a:rPr lang="zh-TW" altLang="en-US" sz="2400" dirty="0">
+                <a:latin typeface="標楷體" panose="03000509000000000000" pitchFamily="65" charset="-120"/>
+                <a:ea typeface="標楷體" panose="03000509000000000000" pitchFamily="65" charset="-120"/>
+              </a:rPr>
+              <a:t>模型預測</a:t>
+            </a:r>
+          </a:p>
+        </p:txBody>
+      </p:sp>
+      <p:sp>
+        <p:nvSpPr>
+          <p:cNvPr id="19" name="文字方塊 18">
+            <a:extLst>
+              <a:ext uri="{FF2B5EF4-FFF2-40B4-BE49-F238E27FC236}">
+                <a16:creationId xmlns:a16="http://schemas.microsoft.com/office/drawing/2014/main" id="{85E87FA6-9B40-B079-B657-723CE4FC0A68}"/>
+              </a:ext>
+            </a:extLst>
+          </p:cNvPr>
+          <p:cNvSpPr txBox="1"/>
+          <p:nvPr/>
+        </p:nvSpPr>
+        <p:spPr>
+          <a:xfrm>
+            <a:off x="3847923" y="2249721"/>
+            <a:ext cx="1415772" cy="461665"/>
+          </a:xfrm>
+          <a:prstGeom prst="rect">
+            <a:avLst/>
+          </a:prstGeom>
+          <a:noFill/>
+          <a:ln>
+            <a:solidFill>
+              <a:schemeClr val="tx1"/>
+            </a:solidFill>
+          </a:ln>
+        </p:spPr>
+        <p:txBody>
+          <a:bodyPr wrap="none" rtlCol="0">
+            <a:spAutoFit/>
+          </a:bodyPr>
+          <a:lstStyle/>
+          <a:p>
+            <a:r>
+              <a:rPr lang="zh-TW" altLang="en-US" sz="2400" dirty="0">
+                <a:latin typeface="標楷體" panose="03000509000000000000" pitchFamily="65" charset="-120"/>
+                <a:ea typeface="標楷體" panose="03000509000000000000" pitchFamily="65" charset="-120"/>
+              </a:rPr>
+              <a:t>資料處理</a:t>
+            </a:r>
+          </a:p>
+        </p:txBody>
+      </p:sp>
+      <p:sp>
+        <p:nvSpPr>
+          <p:cNvPr id="20" name="文字方塊 19">
+            <a:extLst>
+              <a:ext uri="{FF2B5EF4-FFF2-40B4-BE49-F238E27FC236}">
+                <a16:creationId xmlns:a16="http://schemas.microsoft.com/office/drawing/2014/main" id="{5966E78A-1B12-E34B-2EC5-FA95ED15D042}"/>
+              </a:ext>
+            </a:extLst>
+          </p:cNvPr>
+          <p:cNvSpPr txBox="1"/>
+          <p:nvPr/>
+        </p:nvSpPr>
+        <p:spPr>
+          <a:xfrm>
+            <a:off x="3540147" y="3963614"/>
+            <a:ext cx="2031325" cy="461665"/>
+          </a:xfrm>
+          <a:prstGeom prst="rect">
+            <a:avLst/>
+          </a:prstGeom>
+          <a:noFill/>
+          <a:ln>
+            <a:solidFill>
+              <a:schemeClr val="tx1"/>
+            </a:solidFill>
+          </a:ln>
+        </p:spPr>
+        <p:txBody>
+          <a:bodyPr wrap="none" rtlCol="0">
+            <a:spAutoFit/>
+          </a:bodyPr>
+          <a:lstStyle/>
+          <a:p>
+            <a:r>
+              <a:rPr lang="zh-TW" altLang="en-US" sz="2400" dirty="0">
+                <a:latin typeface="標楷體" panose="03000509000000000000" pitchFamily="65" charset="-120"/>
+                <a:ea typeface="標楷體" panose="03000509000000000000" pitchFamily="65" charset="-120"/>
+              </a:rPr>
+              <a:t>產生判斷結果</a:t>
+            </a:r>
+          </a:p>
+        </p:txBody>
+      </p:sp>
+      <p:sp>
+        <p:nvSpPr>
+          <p:cNvPr id="25" name="文字方塊 24">
+            <a:extLst>
+              <a:ext uri="{FF2B5EF4-FFF2-40B4-BE49-F238E27FC236}">
+                <a16:creationId xmlns:a16="http://schemas.microsoft.com/office/drawing/2014/main" id="{113CA2ED-0CD2-EC71-8349-9B80CA152F1A}"/>
+              </a:ext>
+            </a:extLst>
+          </p:cNvPr>
+          <p:cNvSpPr txBox="1"/>
+          <p:nvPr/>
+        </p:nvSpPr>
+        <p:spPr>
+          <a:xfrm>
+            <a:off x="6555104" y="682763"/>
+            <a:ext cx="2411096" cy="369332"/>
+          </a:xfrm>
+          <a:prstGeom prst="rect">
+            <a:avLst/>
+          </a:prstGeom>
+          <a:noFill/>
+          <a:ln>
+            <a:solidFill>
+              <a:schemeClr val="tx1"/>
+            </a:solidFill>
+          </a:ln>
+        </p:spPr>
+        <p:txBody>
+          <a:bodyPr wrap="square" rtlCol="0">
+            <a:spAutoFit/>
+          </a:bodyPr>
+          <a:lstStyle/>
+          <a:p>
+            <a:r>
+              <a:rPr lang="zh-TW" altLang="en-US" b="0" i="0" u="none" strike="noStrike" dirty="0">
+                <a:solidFill>
+                  <a:srgbClr val="000000"/>
+                </a:solidFill>
+                <a:effectLst/>
+                <a:latin typeface="標楷體" panose="03000509000000000000" pitchFamily="65" charset="-120"/>
+                <a:ea typeface="標楷體" panose="03000509000000000000" pitchFamily="65" charset="-120"/>
+              </a:rPr>
+              <a:t>錄製三秒鐘的</a:t>
+            </a:r>
+            <a:r>
+              <a:rPr lang="en-US" altLang="zh-TW" b="0" i="0" u="none" strike="noStrike" dirty="0">
+                <a:solidFill>
+                  <a:srgbClr val="000000"/>
+                </a:solidFill>
+                <a:effectLst/>
+                <a:latin typeface="標楷體" panose="03000509000000000000" pitchFamily="65" charset="-120"/>
+                <a:ea typeface="標楷體" panose="03000509000000000000" pitchFamily="65" charset="-120"/>
+              </a:rPr>
+              <a:t>wav</a:t>
+            </a:r>
+            <a:r>
+              <a:rPr lang="zh-TW" altLang="en-US" b="0" i="0" u="none" strike="noStrike" dirty="0">
+                <a:solidFill>
+                  <a:srgbClr val="000000"/>
+                </a:solidFill>
+                <a:effectLst/>
+                <a:latin typeface="標楷體" panose="03000509000000000000" pitchFamily="65" charset="-120"/>
+                <a:ea typeface="標楷體" panose="03000509000000000000" pitchFamily="65" charset="-120"/>
+              </a:rPr>
+              <a:t>音檔</a:t>
+            </a:r>
+            <a:endParaRPr lang="en-US" altLang="zh-TW" dirty="0">
+              <a:latin typeface="標楷體" panose="03000509000000000000" pitchFamily="65" charset="-120"/>
+              <a:ea typeface="標楷體" panose="03000509000000000000" pitchFamily="65" charset="-120"/>
+            </a:endParaRPr>
+          </a:p>
+        </p:txBody>
+      </p:sp>
+      <p:sp>
+        <p:nvSpPr>
+          <p:cNvPr id="26" name="文字方塊 25">
+            <a:extLst>
+              <a:ext uri="{FF2B5EF4-FFF2-40B4-BE49-F238E27FC236}">
+                <a16:creationId xmlns:a16="http://schemas.microsoft.com/office/drawing/2014/main" id="{4DD5D094-7505-1156-403C-7C22AD339237}"/>
+              </a:ext>
+            </a:extLst>
+          </p:cNvPr>
+          <p:cNvSpPr txBox="1"/>
+          <p:nvPr/>
+        </p:nvSpPr>
+        <p:spPr>
+          <a:xfrm>
+            <a:off x="6435793" y="1405749"/>
+            <a:ext cx="2262158" cy="369332"/>
+          </a:xfrm>
+          <a:prstGeom prst="rect">
+            <a:avLst/>
+          </a:prstGeom>
+          <a:noFill/>
+          <a:ln>
+            <a:solidFill>
+              <a:schemeClr val="tx1"/>
+            </a:solidFill>
+          </a:ln>
+        </p:spPr>
+        <p:txBody>
+          <a:bodyPr wrap="none" rtlCol="0">
+            <a:spAutoFit/>
+          </a:bodyPr>
+          <a:lstStyle/>
+          <a:p>
+            <a:r>
+              <a:rPr lang="zh-TW" altLang="en-US" dirty="0">
+                <a:latin typeface="標楷體" panose="03000509000000000000" pitchFamily="65" charset="-120"/>
+                <a:ea typeface="標楷體" panose="03000509000000000000" pitchFamily="65" charset="-120"/>
+              </a:rPr>
+              <a:t>讀取音檔的值為陣列</a:t>
+            </a:r>
+          </a:p>
+        </p:txBody>
+      </p:sp>
+      <p:sp>
+        <p:nvSpPr>
+          <p:cNvPr id="27" name="文字方塊 26">
+            <a:extLst>
+              <a:ext uri="{FF2B5EF4-FFF2-40B4-BE49-F238E27FC236}">
+                <a16:creationId xmlns:a16="http://schemas.microsoft.com/office/drawing/2014/main" id="{26963D03-15D8-AD67-BD15-A9412EF17E82}"/>
+              </a:ext>
+            </a:extLst>
+          </p:cNvPr>
+          <p:cNvSpPr txBox="1"/>
+          <p:nvPr/>
+        </p:nvSpPr>
+        <p:spPr>
+          <a:xfrm>
+            <a:off x="6593666" y="2342054"/>
+            <a:ext cx="2610169" cy="369332"/>
+          </a:xfrm>
+          <a:prstGeom prst="rect">
+            <a:avLst/>
+          </a:prstGeom>
+          <a:noFill/>
+          <a:ln>
+            <a:solidFill>
+              <a:schemeClr val="tx1"/>
+            </a:solidFill>
+          </a:ln>
+        </p:spPr>
+        <p:txBody>
+          <a:bodyPr wrap="square" rtlCol="0">
+            <a:spAutoFit/>
+          </a:bodyPr>
+          <a:lstStyle/>
+          <a:p>
+            <a:r>
+              <a:rPr lang="zh-TW" altLang="en-US" dirty="0">
+                <a:latin typeface="標楷體" panose="03000509000000000000" pitchFamily="65" charset="-120"/>
+                <a:ea typeface="標楷體" panose="03000509000000000000" pitchFamily="65" charset="-120"/>
+              </a:rPr>
+              <a:t>按照時間順序求</a:t>
+            </a:r>
+            <a:r>
+              <a:rPr lang="en-US" altLang="zh-TW" dirty="0">
+                <a:latin typeface="標楷體" panose="03000509000000000000" pitchFamily="65" charset="-120"/>
+                <a:ea typeface="標楷體" panose="03000509000000000000" pitchFamily="65" charset="-120"/>
+              </a:rPr>
+              <a:t>Mel</a:t>
+            </a:r>
+            <a:r>
+              <a:rPr lang="zh-TW" altLang="en-US" dirty="0">
+                <a:latin typeface="標楷體" panose="03000509000000000000" pitchFamily="65" charset="-120"/>
+                <a:ea typeface="標楷體" panose="03000509000000000000" pitchFamily="65" charset="-120"/>
+              </a:rPr>
+              <a:t>頻譜</a:t>
+            </a:r>
+          </a:p>
+        </p:txBody>
+      </p:sp>
+      <p:sp>
+        <p:nvSpPr>
+          <p:cNvPr id="28" name="文字方塊 27">
+            <a:extLst>
+              <a:ext uri="{FF2B5EF4-FFF2-40B4-BE49-F238E27FC236}">
+                <a16:creationId xmlns:a16="http://schemas.microsoft.com/office/drawing/2014/main" id="{4E5AD12A-1698-D284-7C54-A505804B77A9}"/>
+              </a:ext>
+            </a:extLst>
+          </p:cNvPr>
+          <p:cNvSpPr txBox="1"/>
+          <p:nvPr/>
+        </p:nvSpPr>
+        <p:spPr>
+          <a:xfrm>
+            <a:off x="6204960" y="3059668"/>
+            <a:ext cx="3300904" cy="369332"/>
+          </a:xfrm>
+          <a:prstGeom prst="rect">
+            <a:avLst/>
+          </a:prstGeom>
+          <a:noFill/>
+          <a:ln>
+            <a:solidFill>
+              <a:schemeClr val="tx1"/>
+            </a:solidFill>
+          </a:ln>
+        </p:spPr>
+        <p:txBody>
+          <a:bodyPr wrap="none" rtlCol="0">
+            <a:spAutoFit/>
+          </a:bodyPr>
+          <a:lstStyle/>
+          <a:p>
+            <a:r>
+              <a:rPr lang="zh-TW" altLang="en-US" dirty="0">
+                <a:latin typeface="標楷體" panose="03000509000000000000" pitchFamily="65" charset="-120"/>
+                <a:ea typeface="標楷體" panose="03000509000000000000" pitchFamily="65" charset="-120"/>
+              </a:rPr>
+              <a:t>將轉換好的頻譜用</a:t>
+            </a:r>
+            <a:r>
+              <a:rPr lang="en-US" altLang="zh-TW" dirty="0">
+                <a:latin typeface="標楷體" panose="03000509000000000000" pitchFamily="65" charset="-120"/>
+                <a:ea typeface="標楷體" panose="03000509000000000000" pitchFamily="65" charset="-120"/>
+              </a:rPr>
+              <a:t>CNN</a:t>
+            </a:r>
+            <a:r>
+              <a:rPr lang="zh-TW" altLang="en-US" dirty="0">
+                <a:latin typeface="標楷體" panose="03000509000000000000" pitchFamily="65" charset="-120"/>
+                <a:ea typeface="標楷體" panose="03000509000000000000" pitchFamily="65" charset="-120"/>
+              </a:rPr>
+              <a:t>模型訓練</a:t>
+            </a:r>
+          </a:p>
+        </p:txBody>
+      </p:sp>
+    </p:spTree>
+    <p:extLst>
+      <p:ext uri="{BB962C8B-B14F-4D97-AF65-F5344CB8AC3E}">
+        <p14:creationId xmlns:p14="http://schemas.microsoft.com/office/powerpoint/2010/main" val="2055843386"/>
       </p:ext>
     </p:extLst>
   </p:cSld>
@@ -4733,7 +5406,10 @@
           <a:lstStyle/>
           <a:p>
             <a:r>
-              <a:rPr lang="zh-TW" altLang="en-US" dirty="0"/>
+              <a:rPr lang="zh-TW" altLang="en-US" dirty="0">
+                <a:latin typeface="標楷體" panose="03000509000000000000" pitchFamily="65" charset="-120"/>
+                <a:ea typeface="標楷體" panose="03000509000000000000" pitchFamily="65" charset="-120"/>
+              </a:rPr>
               <a:t>流程</a:t>
             </a:r>
           </a:p>
@@ -4761,26 +5437,44 @@
           <a:lstStyle/>
           <a:p>
             <a:r>
-              <a:rPr lang="zh-TW" altLang="en-US" dirty="0"/>
+              <a:rPr lang="zh-TW" altLang="en-US" dirty="0">
+                <a:latin typeface="標楷體" panose="03000509000000000000" pitchFamily="65" charset="-120"/>
+                <a:ea typeface="標楷體" panose="03000509000000000000" pitchFamily="65" charset="-120"/>
+              </a:rPr>
               <a:t>讀取資料訓練模型</a:t>
             </a:r>
-            <a:endParaRPr lang="en-US" altLang="zh-TW" dirty="0"/>
-          </a:p>
-          <a:p>
-            <a:endParaRPr lang="en-US" altLang="zh-TW" dirty="0"/>
-          </a:p>
-          <a:p>
-            <a:endParaRPr lang="en-US" altLang="zh-TW" dirty="0"/>
+            <a:endParaRPr lang="en-US" altLang="zh-TW" dirty="0">
+              <a:latin typeface="標楷體" panose="03000509000000000000" pitchFamily="65" charset="-120"/>
+              <a:ea typeface="標楷體" panose="03000509000000000000" pitchFamily="65" charset="-120"/>
+            </a:endParaRPr>
+          </a:p>
+          <a:p>
+            <a:endParaRPr lang="en-US" altLang="zh-TW" dirty="0">
+              <a:latin typeface="標楷體" panose="03000509000000000000" pitchFamily="65" charset="-120"/>
+              <a:ea typeface="標楷體" panose="03000509000000000000" pitchFamily="65" charset="-120"/>
+            </a:endParaRPr>
+          </a:p>
+          <a:p>
+            <a:endParaRPr lang="en-US" altLang="zh-TW" dirty="0">
+              <a:latin typeface="標楷體" panose="03000509000000000000" pitchFamily="65" charset="-120"/>
+              <a:ea typeface="標楷體" panose="03000509000000000000" pitchFamily="65" charset="-120"/>
+            </a:endParaRPr>
           </a:p>
           <a:p>
             <a:pPr marL="0" indent="0">
               <a:buNone/>
             </a:pPr>
-            <a:endParaRPr lang="en-US" altLang="zh-TW" dirty="0"/>
-          </a:p>
-          <a:p>
-            <a:r>
-              <a:rPr lang="zh-TW" altLang="en-US" dirty="0"/>
+            <a:endParaRPr lang="en-US" altLang="zh-TW" dirty="0">
+              <a:latin typeface="標楷體" panose="03000509000000000000" pitchFamily="65" charset="-120"/>
+              <a:ea typeface="標楷體" panose="03000509000000000000" pitchFamily="65" charset="-120"/>
+            </a:endParaRPr>
+          </a:p>
+          <a:p>
+            <a:r>
+              <a:rPr lang="zh-TW" altLang="en-US" dirty="0">
+                <a:latin typeface="標楷體" panose="03000509000000000000" pitchFamily="65" charset="-120"/>
+                <a:ea typeface="標楷體" panose="03000509000000000000" pitchFamily="65" charset="-120"/>
+              </a:rPr>
               <a:t>即時錄製聲音進行文字辨識及危險判斷</a:t>
             </a:r>
           </a:p>
@@ -4801,7 +5495,7 @@
         <p:spPr>
           <a:xfrm>
             <a:off x="897467" y="2415555"/>
-            <a:ext cx="1107996" cy="369332"/>
+            <a:ext cx="1415772" cy="461665"/>
           </a:xfrm>
           <a:prstGeom prst="rect">
             <a:avLst/>
@@ -4820,7 +5514,10 @@
           <a:lstStyle/>
           <a:p>
             <a:r>
-              <a:rPr lang="zh-TW" altLang="en-US" dirty="0"/>
+              <a:rPr lang="zh-TW" altLang="en-US" sz="2400" dirty="0">
+                <a:latin typeface="標楷體" panose="03000509000000000000" pitchFamily="65" charset="-120"/>
+                <a:ea typeface="標楷體" panose="03000509000000000000" pitchFamily="65" charset="-120"/>
+              </a:rPr>
               <a:t>讀取資料</a:t>
             </a:r>
           </a:p>
@@ -4841,7 +5538,7 @@
         <p:spPr>
           <a:xfrm>
             <a:off x="6562493" y="2415555"/>
-            <a:ext cx="1107996" cy="369332"/>
+            <a:ext cx="1415772" cy="461665"/>
           </a:xfrm>
           <a:prstGeom prst="rect">
             <a:avLst/>
@@ -4860,7 +5557,10 @@
           <a:lstStyle/>
           <a:p>
             <a:r>
-              <a:rPr lang="zh-TW" altLang="en-US" dirty="0"/>
+              <a:rPr lang="zh-TW" altLang="en-US" sz="2400" dirty="0">
+                <a:latin typeface="標楷體" panose="03000509000000000000" pitchFamily="65" charset="-120"/>
+                <a:ea typeface="標楷體" panose="03000509000000000000" pitchFamily="65" charset="-120"/>
+              </a:rPr>
               <a:t>訓練模型</a:t>
             </a:r>
           </a:p>
@@ -4881,7 +5581,7 @@
         <p:spPr>
           <a:xfrm>
             <a:off x="9279591" y="2415555"/>
-            <a:ext cx="1107996" cy="369332"/>
+            <a:ext cx="1415772" cy="461665"/>
           </a:xfrm>
           <a:prstGeom prst="rect">
             <a:avLst/>
@@ -4900,7 +5600,10 @@
           <a:lstStyle/>
           <a:p>
             <a:r>
-              <a:rPr lang="zh-TW" altLang="en-US" dirty="0"/>
+              <a:rPr lang="zh-TW" altLang="en-US" sz="2400" dirty="0">
+                <a:latin typeface="標楷體" panose="03000509000000000000" pitchFamily="65" charset="-120"/>
+                <a:ea typeface="標楷體" panose="03000509000000000000" pitchFamily="65" charset="-120"/>
+              </a:rPr>
               <a:t>產生模型</a:t>
             </a:r>
           </a:p>
@@ -4908,10 +5611,10 @@
       </p:sp>
       <p:sp>
         <p:nvSpPr>
-          <p:cNvPr id="8" name="文字方塊 7">
-            <a:extLst>
-              <a:ext uri="{FF2B5EF4-FFF2-40B4-BE49-F238E27FC236}">
-                <a16:creationId xmlns:a16="http://schemas.microsoft.com/office/drawing/2014/main" id="{C9DB8AA1-6341-430D-8798-B44C4CF21001}"/>
+          <p:cNvPr id="9" name="文字方塊 8">
+            <a:extLst>
+              <a:ext uri="{FF2B5EF4-FFF2-40B4-BE49-F238E27FC236}">
+                <a16:creationId xmlns:a16="http://schemas.microsoft.com/office/drawing/2014/main" id="{105037FE-1E59-9421-60A8-EA8656C4708D}"/>
               </a:ext>
             </a:extLst>
           </p:cNvPr>
@@ -4920,8 +5623,8 @@
         </p:nvSpPr>
         <p:spPr>
           <a:xfrm>
-            <a:off x="897467" y="4560979"/>
-            <a:ext cx="1107996" cy="369332"/>
+            <a:off x="2877582" y="4569857"/>
+            <a:ext cx="1415772" cy="461665"/>
           </a:xfrm>
           <a:prstGeom prst="rect">
             <a:avLst/>
@@ -4940,18 +5643,21 @@
           <a:lstStyle/>
           <a:p>
             <a:r>
-              <a:rPr lang="zh-TW" altLang="en-US" dirty="0"/>
-              <a:t>讀取模型</a:t>
-            </a:r>
-          </a:p>
-        </p:txBody>
-      </p:sp>
-      <p:sp>
-        <p:nvSpPr>
-          <p:cNvPr id="9" name="文字方塊 8">
-            <a:extLst>
-              <a:ext uri="{FF2B5EF4-FFF2-40B4-BE49-F238E27FC236}">
-                <a16:creationId xmlns:a16="http://schemas.microsoft.com/office/drawing/2014/main" id="{105037FE-1E59-9421-60A8-EA8656C4708D}"/>
+              <a:rPr lang="zh-TW" altLang="en-US" sz="2400" dirty="0">
+                <a:latin typeface="標楷體" panose="03000509000000000000" pitchFamily="65" charset="-120"/>
+                <a:ea typeface="標楷體" panose="03000509000000000000" pitchFamily="65" charset="-120"/>
+              </a:rPr>
+              <a:t>資料處理</a:t>
+            </a:r>
+          </a:p>
+        </p:txBody>
+      </p:sp>
+      <p:sp>
+        <p:nvSpPr>
+          <p:cNvPr id="10" name="文字方塊 9">
+            <a:extLst>
+              <a:ext uri="{FF2B5EF4-FFF2-40B4-BE49-F238E27FC236}">
+                <a16:creationId xmlns:a16="http://schemas.microsoft.com/office/drawing/2014/main" id="{82CDA242-BC56-9D99-9779-00964B931424}"/>
               </a:ext>
             </a:extLst>
           </p:cNvPr>
@@ -4960,8 +5666,8 @@
         </p:nvSpPr>
         <p:spPr>
           <a:xfrm>
-            <a:off x="5319361" y="4560979"/>
-            <a:ext cx="1107996" cy="369332"/>
+            <a:off x="4857697" y="4569857"/>
+            <a:ext cx="1415772" cy="461665"/>
           </a:xfrm>
           <a:prstGeom prst="rect">
             <a:avLst/>
@@ -4980,47 +5686,10 @@
           <a:lstStyle/>
           <a:p>
             <a:r>
-              <a:rPr lang="zh-TW" altLang="en-US" dirty="0"/>
-              <a:t>資料處理</a:t>
-            </a:r>
-          </a:p>
-        </p:txBody>
-      </p:sp>
-      <p:sp>
-        <p:nvSpPr>
-          <p:cNvPr id="10" name="文字方塊 9">
-            <a:extLst>
-              <a:ext uri="{FF2B5EF4-FFF2-40B4-BE49-F238E27FC236}">
-                <a16:creationId xmlns:a16="http://schemas.microsoft.com/office/drawing/2014/main" id="{82CDA242-BC56-9D99-9779-00964B931424}"/>
-              </a:ext>
-            </a:extLst>
-          </p:cNvPr>
-          <p:cNvSpPr txBox="1"/>
-          <p:nvPr/>
-        </p:nvSpPr>
-        <p:spPr>
-          <a:xfrm>
-            <a:off x="7299476" y="4560979"/>
-            <a:ext cx="1107996" cy="369332"/>
-          </a:xfrm>
-          <a:prstGeom prst="rect">
-            <a:avLst/>
-          </a:prstGeom>
-          <a:noFill/>
-          <a:ln>
-            <a:solidFill>
-              <a:schemeClr val="tx1"/>
-            </a:solidFill>
-          </a:ln>
-        </p:spPr>
-        <p:txBody>
-          <a:bodyPr wrap="none" rtlCol="0">
-            <a:spAutoFit/>
-          </a:bodyPr>
-          <a:lstStyle/>
-          <a:p>
-            <a:r>
-              <a:rPr lang="zh-TW" altLang="en-US" dirty="0"/>
+              <a:rPr lang="zh-TW" altLang="en-US" sz="2400" dirty="0">
+                <a:latin typeface="標楷體" panose="03000509000000000000" pitchFamily="65" charset="-120"/>
+                <a:ea typeface="標楷體" panose="03000509000000000000" pitchFamily="65" charset="-120"/>
+              </a:rPr>
               <a:t>模型預測</a:t>
             </a:r>
           </a:p>
@@ -5043,9 +5712,9 @@
           <p:nvPr/>
         </p:nvCxnSpPr>
         <p:spPr>
-          <a:xfrm>
-            <a:off x="4953392" y="2600221"/>
-            <a:ext cx="1609101" cy="0"/>
+          <a:xfrm flipV="1">
+            <a:off x="5338113" y="2646388"/>
+            <a:ext cx="1224380" cy="8878"/>
           </a:xfrm>
           <a:prstGeom prst="straightConnector1">
             <a:avLst/>
@@ -5087,51 +5756,8 @@
         </p:nvCxnSpPr>
         <p:spPr>
           <a:xfrm>
-            <a:off x="7670489" y="2600221"/>
-            <a:ext cx="1609102" cy="0"/>
-          </a:xfrm>
-          <a:prstGeom prst="straightConnector1">
-            <a:avLst/>
-          </a:prstGeom>
-          <a:ln w="28575">
-            <a:tailEnd type="triangle"/>
-          </a:ln>
-        </p:spPr>
-        <p:style>
-          <a:lnRef idx="1">
-            <a:schemeClr val="dk1"/>
-          </a:lnRef>
-          <a:fillRef idx="0">
-            <a:schemeClr val="dk1"/>
-          </a:fillRef>
-          <a:effectRef idx="0">
-            <a:schemeClr val="dk1"/>
-          </a:effectRef>
-          <a:fontRef idx="minor">
-            <a:schemeClr val="tx1"/>
-          </a:fontRef>
-        </p:style>
-      </p:cxnSp>
-      <p:cxnSp>
-        <p:nvCxnSpPr>
-          <p:cNvPr id="17" name="直線單箭頭接點 16">
-            <a:extLst>
-              <a:ext uri="{FF2B5EF4-FFF2-40B4-BE49-F238E27FC236}">
-                <a16:creationId xmlns:a16="http://schemas.microsoft.com/office/drawing/2014/main" id="{684A2449-E905-A4A2-0D97-6C3B9BA50884}"/>
-              </a:ext>
-            </a:extLst>
-          </p:cNvPr>
-          <p:cNvCxnSpPr>
-            <a:cxnSpLocks/>
-            <a:stCxn id="8" idx="3"/>
-            <a:endCxn id="36" idx="1"/>
-          </p:cNvCxnSpPr>
-          <p:nvPr/>
-        </p:nvCxnSpPr>
-        <p:spPr>
-          <a:xfrm>
-            <a:off x="2005463" y="4745645"/>
-            <a:ext cx="872119" cy="0"/>
+            <a:off x="7978265" y="2646388"/>
+            <a:ext cx="1301326" cy="0"/>
           </a:xfrm>
           <a:prstGeom prst="straightConnector1">
             <a:avLst/>
@@ -5173,8 +5799,8 @@
         </p:nvCxnSpPr>
         <p:spPr>
           <a:xfrm>
-            <a:off x="6427357" y="4745645"/>
-            <a:ext cx="872119" cy="0"/>
+            <a:off x="4293354" y="4800690"/>
+            <a:ext cx="564343" cy="0"/>
           </a:xfrm>
           <a:prstGeom prst="straightConnector1">
             <a:avLst/>
@@ -5212,8 +5838,8 @@
         </p:nvSpPr>
         <p:spPr>
           <a:xfrm>
-            <a:off x="3614564" y="2415555"/>
-            <a:ext cx="1338828" cy="369332"/>
+            <a:off x="3614564" y="2424433"/>
+            <a:ext cx="1723549" cy="461665"/>
           </a:xfrm>
           <a:prstGeom prst="rect">
             <a:avLst/>
@@ -5232,7 +5858,10 @@
           <a:lstStyle/>
           <a:p>
             <a:r>
-              <a:rPr lang="zh-TW" altLang="en-US" dirty="0"/>
+              <a:rPr lang="zh-TW" altLang="en-US" sz="2400" dirty="0">
+                <a:latin typeface="標楷體" panose="03000509000000000000" pitchFamily="65" charset="-120"/>
+                <a:ea typeface="標楷體" panose="03000509000000000000" pitchFamily="65" charset="-120"/>
+              </a:rPr>
               <a:t>資料預處理</a:t>
             </a:r>
           </a:p>
@@ -5256,8 +5885,8 @@
         </p:nvCxnSpPr>
         <p:spPr>
           <a:xfrm>
-            <a:off x="2005463" y="2600221"/>
-            <a:ext cx="1609101" cy="0"/>
+            <a:off x="2313239" y="2646388"/>
+            <a:ext cx="1301325" cy="8878"/>
           </a:xfrm>
           <a:prstGeom prst="straightConnector1">
             <a:avLst/>
@@ -5295,8 +5924,8 @@
         </p:nvSpPr>
         <p:spPr>
           <a:xfrm>
-            <a:off x="2877582" y="4560979"/>
-            <a:ext cx="1569660" cy="369332"/>
+            <a:off x="897467" y="4569857"/>
+            <a:ext cx="1415772" cy="461665"/>
           </a:xfrm>
           <a:prstGeom prst="rect">
             <a:avLst/>
@@ -5315,8 +5944,11 @@
           <a:lstStyle/>
           <a:p>
             <a:r>
-              <a:rPr lang="zh-TW" altLang="en-US" dirty="0"/>
-              <a:t>錄製即時聲音</a:t>
+              <a:rPr lang="zh-TW" altLang="en-US" sz="2400" dirty="0">
+                <a:latin typeface="標楷體" panose="03000509000000000000" pitchFamily="65" charset="-120"/>
+                <a:ea typeface="標楷體" panose="03000509000000000000" pitchFamily="65" charset="-120"/>
+              </a:rPr>
+              <a:t>錄製聲音</a:t>
             </a:r>
           </a:p>
         </p:txBody>
@@ -5339,8 +5971,8 @@
         </p:nvCxnSpPr>
         <p:spPr>
           <a:xfrm>
-            <a:off x="4447242" y="4745645"/>
-            <a:ext cx="872119" cy="0"/>
+            <a:off x="2313239" y="4800690"/>
+            <a:ext cx="564343" cy="0"/>
           </a:xfrm>
           <a:prstGeom prst="straightConnector1">
             <a:avLst/>
@@ -5366,10 +5998,10 @@
       </p:cxnSp>
       <p:sp>
         <p:nvSpPr>
-          <p:cNvPr id="46" name="文字方塊 45">
-            <a:extLst>
-              <a:ext uri="{FF2B5EF4-FFF2-40B4-BE49-F238E27FC236}">
-                <a16:creationId xmlns:a16="http://schemas.microsoft.com/office/drawing/2014/main" id="{01DC44A1-22F1-0D9F-5586-AE823B3FF6F6}"/>
+          <p:cNvPr id="58" name="文字方塊 57">
+            <a:extLst>
+              <a:ext uri="{FF2B5EF4-FFF2-40B4-BE49-F238E27FC236}">
+                <a16:creationId xmlns:a16="http://schemas.microsoft.com/office/drawing/2014/main" id="{3C7973BE-A433-84BA-64A6-88886A70A3E7}"/>
               </a:ext>
             </a:extLst>
           </p:cNvPr>
@@ -5378,8 +6010,8 @@
         </p:nvSpPr>
         <p:spPr>
           <a:xfrm>
-            <a:off x="6447077" y="5428238"/>
-            <a:ext cx="1338828" cy="369332"/>
+            <a:off x="6837812" y="4569857"/>
+            <a:ext cx="1415772" cy="461665"/>
           </a:xfrm>
           <a:prstGeom prst="rect">
             <a:avLst/>
@@ -5398,90 +6030,10 @@
           <a:lstStyle/>
           <a:p>
             <a:r>
-              <a:rPr lang="zh-TW" altLang="en-US" dirty="0"/>
-              <a:t>語音轉文字</a:t>
-            </a:r>
-          </a:p>
-        </p:txBody>
-      </p:sp>
-      <p:cxnSp>
-        <p:nvCxnSpPr>
-          <p:cNvPr id="52" name="直線單箭頭接點 51">
-            <a:extLst>
-              <a:ext uri="{FF2B5EF4-FFF2-40B4-BE49-F238E27FC236}">
-                <a16:creationId xmlns:a16="http://schemas.microsoft.com/office/drawing/2014/main" id="{D96DC549-0594-FB7B-E0F2-733F14EC03FE}"/>
-              </a:ext>
-            </a:extLst>
-          </p:cNvPr>
-          <p:cNvCxnSpPr>
-            <a:cxnSpLocks/>
-            <a:stCxn id="36" idx="3"/>
-            <a:endCxn id="46" idx="1"/>
-          </p:cNvCxnSpPr>
-          <p:nvPr/>
-        </p:nvCxnSpPr>
-        <p:spPr>
-          <a:xfrm>
-            <a:off x="4447242" y="4745645"/>
-            <a:ext cx="1999835" cy="867259"/>
-          </a:xfrm>
-          <a:prstGeom prst="straightConnector1">
-            <a:avLst/>
-          </a:prstGeom>
-          <a:ln w="28575">
-            <a:tailEnd type="triangle"/>
-          </a:ln>
-        </p:spPr>
-        <p:style>
-          <a:lnRef idx="1">
-            <a:schemeClr val="dk1"/>
-          </a:lnRef>
-          <a:fillRef idx="0">
-            <a:schemeClr val="dk1"/>
-          </a:fillRef>
-          <a:effectRef idx="0">
-            <a:schemeClr val="dk1"/>
-          </a:effectRef>
-          <a:fontRef idx="minor">
-            <a:schemeClr val="tx1"/>
-          </a:fontRef>
-        </p:style>
-      </p:cxnSp>
-      <p:sp>
-        <p:nvSpPr>
-          <p:cNvPr id="58" name="文字方塊 57">
-            <a:extLst>
-              <a:ext uri="{FF2B5EF4-FFF2-40B4-BE49-F238E27FC236}">
-                <a16:creationId xmlns:a16="http://schemas.microsoft.com/office/drawing/2014/main" id="{3C7973BE-A433-84BA-64A6-88886A70A3E7}"/>
-              </a:ext>
-            </a:extLst>
-          </p:cNvPr>
-          <p:cNvSpPr txBox="1"/>
-          <p:nvPr/>
-        </p:nvSpPr>
-        <p:spPr>
-          <a:xfrm>
-            <a:off x="9279591" y="4560979"/>
-            <a:ext cx="1107996" cy="369332"/>
-          </a:xfrm>
-          <a:prstGeom prst="rect">
-            <a:avLst/>
-          </a:prstGeom>
-          <a:noFill/>
-          <a:ln>
-            <a:solidFill>
-              <a:schemeClr val="tx1"/>
-            </a:solidFill>
-          </a:ln>
-        </p:spPr>
-        <p:txBody>
-          <a:bodyPr wrap="none" rtlCol="0">
-            <a:spAutoFit/>
-          </a:bodyPr>
-          <a:lstStyle/>
-          <a:p>
-            <a:r>
-              <a:rPr lang="zh-TW" altLang="en-US" dirty="0"/>
+              <a:rPr lang="zh-TW" altLang="en-US" sz="2400" dirty="0">
+                <a:latin typeface="標楷體" panose="03000509000000000000" pitchFamily="65" charset="-120"/>
+                <a:ea typeface="標楷體" panose="03000509000000000000" pitchFamily="65" charset="-120"/>
+              </a:rPr>
               <a:t>結果判斷</a:t>
             </a:r>
           </a:p>
@@ -5505,51 +6057,8 @@
         </p:nvCxnSpPr>
         <p:spPr>
           <a:xfrm>
-            <a:off x="8407472" y="4745645"/>
-            <a:ext cx="872119" cy="0"/>
-          </a:xfrm>
-          <a:prstGeom prst="straightConnector1">
-            <a:avLst/>
-          </a:prstGeom>
-          <a:ln w="28575">
-            <a:tailEnd type="triangle"/>
-          </a:ln>
-        </p:spPr>
-        <p:style>
-          <a:lnRef idx="1">
-            <a:schemeClr val="dk1"/>
-          </a:lnRef>
-          <a:fillRef idx="0">
-            <a:schemeClr val="dk1"/>
-          </a:fillRef>
-          <a:effectRef idx="0">
-            <a:schemeClr val="dk1"/>
-          </a:effectRef>
-          <a:fontRef idx="minor">
-            <a:schemeClr val="tx1"/>
-          </a:fontRef>
-        </p:style>
-      </p:cxnSp>
-      <p:cxnSp>
-        <p:nvCxnSpPr>
-          <p:cNvPr id="62" name="直線單箭頭接點 61">
-            <a:extLst>
-              <a:ext uri="{FF2B5EF4-FFF2-40B4-BE49-F238E27FC236}">
-                <a16:creationId xmlns:a16="http://schemas.microsoft.com/office/drawing/2014/main" id="{20074F51-A8DE-67A7-1FE8-C7D25A3D3A45}"/>
-              </a:ext>
-            </a:extLst>
-          </p:cNvPr>
-          <p:cNvCxnSpPr>
-            <a:cxnSpLocks/>
-            <a:stCxn id="46" idx="3"/>
-            <a:endCxn id="58" idx="1"/>
-          </p:cNvCxnSpPr>
-          <p:nvPr/>
-        </p:nvCxnSpPr>
-        <p:spPr>
-          <a:xfrm flipV="1">
-            <a:off x="7785905" y="4745645"/>
-            <a:ext cx="1493686" cy="867259"/>
+            <a:off x="6273469" y="4800690"/>
+            <a:ext cx="564343" cy="0"/>
           </a:xfrm>
           <a:prstGeom prst="straightConnector1">
             <a:avLst/>
@@ -5985,7 +6494,10 @@
           <a:lstStyle/>
           <a:p>
             <a:r>
-              <a:rPr lang="zh-TW" altLang="en-US" dirty="0"/>
+              <a:rPr lang="zh-TW" altLang="en-US" dirty="0">
+                <a:latin typeface="標楷體" panose="03000509000000000000" pitchFamily="65" charset="-120"/>
+                <a:ea typeface="標楷體" panose="03000509000000000000" pitchFamily="65" charset="-120"/>
+              </a:rPr>
               <a:t>模型的訓練</a:t>
             </a:r>
           </a:p>
@@ -6273,15 +6785,24 @@
           <a:lstStyle/>
           <a:p>
             <a:r>
-              <a:rPr lang="zh-TW" altLang="en-US" dirty="0"/>
+              <a:rPr lang="zh-TW" altLang="en-US" dirty="0">
+                <a:latin typeface="標楷體" panose="03000509000000000000" pitchFamily="65" charset="-120"/>
+                <a:ea typeface="標楷體" panose="03000509000000000000" pitchFamily="65" charset="-120"/>
+              </a:rPr>
               <a:t>讀取存放在</a:t>
             </a:r>
             <a:r>
-              <a:rPr lang="en-US" altLang="zh-TW" dirty="0"/>
+              <a:rPr lang="en-US" altLang="zh-TW" dirty="0">
+                <a:latin typeface="標楷體" panose="03000509000000000000" pitchFamily="65" charset="-120"/>
+                <a:ea typeface="標楷體" panose="03000509000000000000" pitchFamily="65" charset="-120"/>
+              </a:rPr>
               <a:t>csv</a:t>
             </a:r>
             <a:r>
-              <a:rPr lang="zh-TW" altLang="en-US" dirty="0"/>
+              <a:rPr lang="zh-TW" altLang="en-US" dirty="0">
+                <a:latin typeface="標楷體" panose="03000509000000000000" pitchFamily="65" charset="-120"/>
+                <a:ea typeface="標楷體" panose="03000509000000000000" pitchFamily="65" charset="-120"/>
+              </a:rPr>
               <a:t>檔裡的資料</a:t>
             </a:r>
           </a:p>
@@ -6302,7 +6823,7 @@
         <p:spPr>
           <a:xfrm>
             <a:off x="1042097" y="3029640"/>
-            <a:ext cx="3249227" cy="369332"/>
+            <a:ext cx="3249227" cy="646331"/>
           </a:xfrm>
           <a:prstGeom prst="rect">
             <a:avLst/>
@@ -6321,26 +6842,44 @@
           <a:lstStyle/>
           <a:p>
             <a:r>
-              <a:rPr lang="zh-TW" altLang="en-US" dirty="0"/>
+              <a:rPr lang="zh-TW" altLang="en-US" dirty="0">
+                <a:latin typeface="標楷體" panose="03000509000000000000" pitchFamily="65" charset="-120"/>
+                <a:ea typeface="標楷體" panose="03000509000000000000" pitchFamily="65" charset="-120"/>
+              </a:rPr>
               <a:t>依照</a:t>
             </a:r>
             <a:r>
-              <a:rPr lang="en-US" altLang="zh-TW" dirty="0"/>
+              <a:rPr lang="en-US" altLang="zh-TW" dirty="0">
+                <a:latin typeface="標楷體" panose="03000509000000000000" pitchFamily="65" charset="-120"/>
+                <a:ea typeface="標楷體" panose="03000509000000000000" pitchFamily="65" charset="-120"/>
+              </a:rPr>
               <a:t>csv</a:t>
             </a:r>
             <a:r>
-              <a:rPr lang="zh-TW" altLang="en-US" dirty="0"/>
+              <a:rPr lang="zh-TW" altLang="en-US" dirty="0">
+                <a:latin typeface="標楷體" panose="03000509000000000000" pitchFamily="65" charset="-120"/>
+                <a:ea typeface="標楷體" panose="03000509000000000000" pitchFamily="65" charset="-120"/>
+              </a:rPr>
               <a:t>檔的資料讀取</a:t>
             </a:r>
             <a:r>
-              <a:rPr lang="en-US" altLang="zh-TW" dirty="0"/>
+              <a:rPr lang="en-US" altLang="zh-TW" dirty="0">
+                <a:latin typeface="標楷體" panose="03000509000000000000" pitchFamily="65" charset="-120"/>
+                <a:ea typeface="標楷體" panose="03000509000000000000" pitchFamily="65" charset="-120"/>
+              </a:rPr>
               <a:t>wave</a:t>
             </a:r>
             <a:r>
-              <a:rPr lang="zh-TW" altLang="en-US" dirty="0"/>
+              <a:rPr lang="zh-TW" altLang="en-US" dirty="0">
+                <a:latin typeface="標楷體" panose="03000509000000000000" pitchFamily="65" charset="-120"/>
+                <a:ea typeface="標楷體" panose="03000509000000000000" pitchFamily="65" charset="-120"/>
+              </a:rPr>
               <a:t>音檔</a:t>
             </a:r>
-            <a:endParaRPr lang="en-US" altLang="zh-TW" dirty="0"/>
+            <a:endParaRPr lang="en-US" altLang="zh-TW" dirty="0">
+              <a:latin typeface="標楷體" panose="03000509000000000000" pitchFamily="65" charset="-120"/>
+              <a:ea typeface="標楷體" panose="03000509000000000000" pitchFamily="65" charset="-120"/>
+            </a:endParaRPr>
           </a:p>
         </p:txBody>
       </p:sp>
@@ -6359,7 +6898,7 @@
         <p:spPr>
           <a:xfrm>
             <a:off x="8790484" y="2406725"/>
-            <a:ext cx="2327881" cy="369332"/>
+            <a:ext cx="2377574" cy="369332"/>
           </a:xfrm>
           <a:prstGeom prst="rect">
             <a:avLst/>
@@ -6378,18 +6917,30 @@
           <a:lstStyle/>
           <a:p>
             <a:r>
-              <a:rPr lang="zh-TW" altLang="en-US" dirty="0"/>
+              <a:rPr lang="zh-TW" altLang="en-US" dirty="0">
+                <a:latin typeface="標楷體" panose="03000509000000000000" pitchFamily="65" charset="-120"/>
+                <a:ea typeface="標楷體" panose="03000509000000000000" pitchFamily="65" charset="-120"/>
+              </a:rPr>
               <a:t>模型訓練完生成</a:t>
             </a:r>
             <a:r>
-              <a:rPr lang="en-US" altLang="zh-TW" dirty="0"/>
+              <a:rPr lang="en-US" altLang="zh-TW" dirty="0">
+                <a:latin typeface="標楷體" panose="03000509000000000000" pitchFamily="65" charset="-120"/>
+                <a:ea typeface="標楷體" panose="03000509000000000000" pitchFamily="65" charset="-120"/>
+              </a:rPr>
               <a:t>.h5</a:t>
             </a:r>
             <a:r>
-              <a:rPr lang="zh-TW" altLang="en-US" dirty="0"/>
+              <a:rPr lang="zh-TW" altLang="en-US" dirty="0">
+                <a:latin typeface="標楷體" panose="03000509000000000000" pitchFamily="65" charset="-120"/>
+                <a:ea typeface="標楷體" panose="03000509000000000000" pitchFamily="65" charset="-120"/>
+              </a:rPr>
               <a:t>檔</a:t>
             </a:r>
-            <a:endParaRPr lang="en-US" altLang="zh-TW" dirty="0"/>
+            <a:endParaRPr lang="en-US" altLang="zh-TW" dirty="0">
+              <a:latin typeface="標楷體" panose="03000509000000000000" pitchFamily="65" charset="-120"/>
+              <a:ea typeface="標楷體" panose="03000509000000000000" pitchFamily="65" charset="-120"/>
+            </a:endParaRPr>
           </a:p>
         </p:txBody>
       </p:sp>
@@ -6407,7 +6958,7 @@
         </p:nvSpPr>
         <p:spPr>
           <a:xfrm>
-            <a:off x="4811194" y="3656688"/>
+            <a:off x="4993503" y="3656688"/>
             <a:ext cx="2753019" cy="369332"/>
           </a:xfrm>
           <a:prstGeom prst="rect">
@@ -6427,10 +6978,16 @@
           <a:lstStyle/>
           <a:p>
             <a:r>
-              <a:rPr lang="zh-TW" altLang="en-US" dirty="0"/>
+              <a:rPr lang="zh-TW" altLang="en-US" dirty="0">
+                <a:latin typeface="標楷體" panose="03000509000000000000" pitchFamily="65" charset="-120"/>
+                <a:ea typeface="標楷體" panose="03000509000000000000" pitchFamily="65" charset="-120"/>
+              </a:rPr>
               <a:t>保留長度大於三秒的資料</a:t>
             </a:r>
-            <a:endParaRPr lang="en-US" altLang="zh-TW" dirty="0"/>
+            <a:endParaRPr lang="en-US" altLang="zh-TW" dirty="0">
+              <a:latin typeface="標楷體" panose="03000509000000000000" pitchFamily="65" charset="-120"/>
+              <a:ea typeface="標楷體" panose="03000509000000000000" pitchFamily="65" charset="-120"/>
+            </a:endParaRPr>
           </a:p>
         </p:txBody>
       </p:sp>
@@ -6448,8 +7005,8 @@
         </p:nvSpPr>
         <p:spPr>
           <a:xfrm>
-            <a:off x="4152498" y="4272085"/>
-            <a:ext cx="4070410" cy="369332"/>
+            <a:off x="4950393" y="4295034"/>
+            <a:ext cx="2839239" cy="646331"/>
           </a:xfrm>
           <a:prstGeom prst="rect">
             <a:avLst/>
@@ -6468,16 +7025,38 @@
           <a:lstStyle/>
           <a:p>
             <a:r>
-              <a:rPr lang="zh-TW" altLang="en-US" dirty="0"/>
+              <a:rPr lang="zh-TW" altLang="en-US" dirty="0">
+                <a:latin typeface="標楷體" panose="03000509000000000000" pitchFamily="65" charset="-120"/>
+                <a:ea typeface="標楷體" panose="03000509000000000000" pitchFamily="65" charset="-120"/>
+              </a:rPr>
               <a:t>用</a:t>
             </a:r>
             <a:r>
-              <a:rPr lang="en-US" altLang="zh-TW" dirty="0" err="1"/>
+              <a:rPr lang="en-US" altLang="zh-TW" dirty="0" err="1">
+                <a:latin typeface="標楷體" panose="03000509000000000000" pitchFamily="65" charset="-120"/>
+                <a:ea typeface="標楷體" panose="03000509000000000000" pitchFamily="65" charset="-120"/>
+              </a:rPr>
               <a:t>librosa</a:t>
             </a:r>
             <a:r>
-              <a:rPr lang="zh-TW" altLang="en-US" dirty="0"/>
-              <a:t>讀取音檔的值，格式為</a:t>
+              <a:rPr lang="zh-TW" altLang="en-US" dirty="0">
+                <a:latin typeface="標楷體" panose="03000509000000000000" pitchFamily="65" charset="-120"/>
+                <a:ea typeface="標楷體" panose="03000509000000000000" pitchFamily="65" charset="-120"/>
+              </a:rPr>
+              <a:t>讀取音檔的值，</a:t>
+            </a:r>
+            <a:endParaRPr lang="en-US" altLang="zh-TW" dirty="0">
+              <a:latin typeface="標楷體" panose="03000509000000000000" pitchFamily="65" charset="-120"/>
+              <a:ea typeface="標楷體" panose="03000509000000000000" pitchFamily="65" charset="-120"/>
+            </a:endParaRPr>
+          </a:p>
+          <a:p>
+            <a:r>
+              <a:rPr lang="zh-TW" altLang="en-US" dirty="0">
+                <a:latin typeface="標楷體" panose="03000509000000000000" pitchFamily="65" charset="-120"/>
+                <a:ea typeface="標楷體" panose="03000509000000000000" pitchFamily="65" charset="-120"/>
+              </a:rPr>
+              <a:t>格式為</a:t>
             </a:r>
             <a:r>
               <a:rPr lang="en-US" altLang="zh-TW" b="0" i="0" dirty="0" err="1">
@@ -6485,11 +7064,48 @@
                   <a:srgbClr val="4D4D4D"/>
                 </a:solidFill>
                 <a:effectLst/>
-                <a:latin typeface="-apple-system"/>
+                <a:latin typeface="標楷體" panose="03000509000000000000" pitchFamily="65" charset="-120"/>
+                <a:ea typeface="標楷體" panose="03000509000000000000" pitchFamily="65" charset="-120"/>
               </a:rPr>
               <a:t>ndarray</a:t>
             </a:r>
-            <a:endParaRPr lang="zh-TW" altLang="en-US" dirty="0"/>
+            <a:r>
+              <a:rPr lang="en-US" altLang="zh-TW" b="0" i="0" dirty="0">
+                <a:solidFill>
+                  <a:srgbClr val="4D4D4D"/>
+                </a:solidFill>
+                <a:effectLst/>
+                <a:latin typeface="標楷體" panose="03000509000000000000" pitchFamily="65" charset="-120"/>
+                <a:ea typeface="標楷體" panose="03000509000000000000" pitchFamily="65" charset="-120"/>
+              </a:rPr>
+              <a:t>(</a:t>
+            </a:r>
+            <a:r>
+              <a:rPr lang="zh-TW" altLang="en-US" b="0" i="0" dirty="0">
+                <a:solidFill>
+                  <a:srgbClr val="4D4D4D"/>
+                </a:solidFill>
+                <a:effectLst/>
+                <a:latin typeface="標楷體" panose="03000509000000000000" pitchFamily="65" charset="-120"/>
+                <a:ea typeface="標楷體" panose="03000509000000000000" pitchFamily="65" charset="-120"/>
+              </a:rPr>
+              <a:t>陣列</a:t>
+            </a:r>
+            <a:r>
+              <a:rPr lang="en-US" altLang="zh-TW" b="0" i="0" dirty="0">
+                <a:solidFill>
+                  <a:srgbClr val="4D4D4D"/>
+                </a:solidFill>
+                <a:effectLst/>
+                <a:latin typeface="標楷體" panose="03000509000000000000" pitchFamily="65" charset="-120"/>
+                <a:ea typeface="標楷體" panose="03000509000000000000" pitchFamily="65" charset="-120"/>
+              </a:rPr>
+              <a:t>)</a:t>
+            </a:r>
+            <a:endParaRPr lang="zh-TW" altLang="en-US" dirty="0">
+              <a:latin typeface="標楷體" panose="03000509000000000000" pitchFamily="65" charset="-120"/>
+              <a:ea typeface="標楷體" panose="03000509000000000000" pitchFamily="65" charset="-120"/>
+            </a:endParaRPr>
           </a:p>
         </p:txBody>
       </p:sp>
@@ -6507,7 +7123,7 @@
         </p:nvSpPr>
         <p:spPr>
           <a:xfrm>
-            <a:off x="4882619" y="4887482"/>
+            <a:off x="5064928" y="5210379"/>
             <a:ext cx="2610169" cy="369332"/>
           </a:xfrm>
           <a:prstGeom prst="rect">
@@ -6527,15 +7143,24 @@
           <a:lstStyle/>
           <a:p>
             <a:r>
-              <a:rPr lang="zh-TW" altLang="en-US" dirty="0"/>
-              <a:t>使用時間順序求</a:t>
-            </a:r>
-            <a:r>
-              <a:rPr lang="en-US" altLang="zh-TW" dirty="0"/>
+              <a:rPr lang="zh-TW" altLang="en-US" dirty="0">
+                <a:latin typeface="標楷體" panose="03000509000000000000" pitchFamily="65" charset="-120"/>
+                <a:ea typeface="標楷體" panose="03000509000000000000" pitchFamily="65" charset="-120"/>
+              </a:rPr>
+              <a:t>按照時間順序求</a:t>
+            </a:r>
+            <a:r>
+              <a:rPr lang="en-US" altLang="zh-TW" dirty="0">
+                <a:latin typeface="標楷體" panose="03000509000000000000" pitchFamily="65" charset="-120"/>
+                <a:ea typeface="標楷體" panose="03000509000000000000" pitchFamily="65" charset="-120"/>
+              </a:rPr>
               <a:t>Mel</a:t>
             </a:r>
             <a:r>
-              <a:rPr lang="zh-TW" altLang="en-US" dirty="0"/>
+              <a:rPr lang="zh-TW" altLang="en-US" dirty="0">
+                <a:latin typeface="標楷體" panose="03000509000000000000" pitchFamily="65" charset="-120"/>
+                <a:ea typeface="標楷體" panose="03000509000000000000" pitchFamily="65" charset="-120"/>
+              </a:rPr>
               <a:t>頻譜</a:t>
             </a:r>
           </a:p>
@@ -6555,7 +7180,7 @@
         </p:nvSpPr>
         <p:spPr>
           <a:xfrm>
-            <a:off x="4268748" y="5502880"/>
+            <a:off x="4451057" y="5848725"/>
             <a:ext cx="3837910" cy="369332"/>
           </a:xfrm>
           <a:prstGeom prst="rect">
@@ -6575,20 +7200,158 @@
           <a:lstStyle/>
           <a:p>
             <a:r>
-              <a:rPr lang="zh-TW" altLang="en-US" dirty="0"/>
+              <a:rPr lang="zh-TW" altLang="en-US" dirty="0">
+                <a:latin typeface="標楷體" panose="03000509000000000000" pitchFamily="65" charset="-120"/>
+                <a:ea typeface="標楷體" panose="03000509000000000000" pitchFamily="65" charset="-120"/>
+              </a:rPr>
               <a:t>最後用轉換好的頻譜用</a:t>
             </a:r>
             <a:r>
-              <a:rPr lang="en-US" altLang="zh-TW" dirty="0"/>
+              <a:rPr lang="en-US" altLang="zh-TW" dirty="0">
+                <a:latin typeface="標楷體" panose="03000509000000000000" pitchFamily="65" charset="-120"/>
+                <a:ea typeface="標楷體" panose="03000509000000000000" pitchFamily="65" charset="-120"/>
+              </a:rPr>
               <a:t>CNN</a:t>
             </a:r>
             <a:r>
-              <a:rPr lang="zh-TW" altLang="en-US" dirty="0"/>
+              <a:rPr lang="zh-TW" altLang="en-US" dirty="0">
+                <a:latin typeface="標楷體" panose="03000509000000000000" pitchFamily="65" charset="-120"/>
+                <a:ea typeface="標楷體" panose="03000509000000000000" pitchFamily="65" charset="-120"/>
+              </a:rPr>
               <a:t>模型訓練</a:t>
             </a:r>
           </a:p>
         </p:txBody>
       </p:sp>
+      <p:cxnSp>
+        <p:nvCxnSpPr>
+          <p:cNvPr id="17" name="直線單箭頭接點 16">
+            <a:extLst>
+              <a:ext uri="{FF2B5EF4-FFF2-40B4-BE49-F238E27FC236}">
+                <a16:creationId xmlns:a16="http://schemas.microsoft.com/office/drawing/2014/main" id="{C198E564-DC2C-D90E-7AEE-787C0F1F25FC}"/>
+              </a:ext>
+            </a:extLst>
+          </p:cNvPr>
+          <p:cNvCxnSpPr>
+            <a:cxnSpLocks/>
+            <a:stCxn id="9" idx="2"/>
+            <a:endCxn id="11" idx="0"/>
+          </p:cNvCxnSpPr>
+          <p:nvPr/>
+        </p:nvCxnSpPr>
+        <p:spPr>
+          <a:xfrm>
+            <a:off x="6370013" y="4941365"/>
+            <a:ext cx="0" cy="269014"/>
+          </a:xfrm>
+          <a:prstGeom prst="straightConnector1">
+            <a:avLst/>
+          </a:prstGeom>
+          <a:ln w="28575">
+            <a:tailEnd type="triangle"/>
+          </a:ln>
+        </p:spPr>
+        <p:style>
+          <a:lnRef idx="1">
+            <a:schemeClr val="dk1"/>
+          </a:lnRef>
+          <a:fillRef idx="0">
+            <a:schemeClr val="dk1"/>
+          </a:fillRef>
+          <a:effectRef idx="0">
+            <a:schemeClr val="dk1"/>
+          </a:effectRef>
+          <a:fontRef idx="minor">
+            <a:schemeClr val="tx1"/>
+          </a:fontRef>
+        </p:style>
+      </p:cxnSp>
+      <p:cxnSp>
+        <p:nvCxnSpPr>
+          <p:cNvPr id="23" name="直線單箭頭接點 22">
+            <a:extLst>
+              <a:ext uri="{FF2B5EF4-FFF2-40B4-BE49-F238E27FC236}">
+                <a16:creationId xmlns:a16="http://schemas.microsoft.com/office/drawing/2014/main" id="{C6BB57AD-7FAB-9962-3842-FCC5696389BF}"/>
+              </a:ext>
+            </a:extLst>
+          </p:cNvPr>
+          <p:cNvCxnSpPr>
+            <a:cxnSpLocks/>
+            <a:stCxn id="11" idx="2"/>
+            <a:endCxn id="15" idx="0"/>
+          </p:cNvCxnSpPr>
+          <p:nvPr/>
+        </p:nvCxnSpPr>
+        <p:spPr>
+          <a:xfrm flipH="1">
+            <a:off x="6370012" y="5579711"/>
+            <a:ext cx="1" cy="269014"/>
+          </a:xfrm>
+          <a:prstGeom prst="straightConnector1">
+            <a:avLst/>
+          </a:prstGeom>
+          <a:ln w="28575">
+            <a:tailEnd type="triangle"/>
+          </a:ln>
+        </p:spPr>
+        <p:style>
+          <a:lnRef idx="1">
+            <a:schemeClr val="dk1"/>
+          </a:lnRef>
+          <a:fillRef idx="0">
+            <a:schemeClr val="dk1"/>
+          </a:fillRef>
+          <a:effectRef idx="0">
+            <a:schemeClr val="dk1"/>
+          </a:effectRef>
+          <a:fontRef idx="minor">
+            <a:schemeClr val="tx1"/>
+          </a:fontRef>
+        </p:style>
+      </p:cxnSp>
+      <p:cxnSp>
+        <p:nvCxnSpPr>
+          <p:cNvPr id="25" name="直線單箭頭接點 24">
+            <a:extLst>
+              <a:ext uri="{FF2B5EF4-FFF2-40B4-BE49-F238E27FC236}">
+                <a16:creationId xmlns:a16="http://schemas.microsoft.com/office/drawing/2014/main" id="{327DB554-D11B-FA2D-5B5A-40224C226CDF}"/>
+              </a:ext>
+            </a:extLst>
+          </p:cNvPr>
+          <p:cNvCxnSpPr>
+            <a:cxnSpLocks/>
+            <a:stCxn id="22" idx="2"/>
+            <a:endCxn id="9" idx="0"/>
+          </p:cNvCxnSpPr>
+          <p:nvPr/>
+        </p:nvCxnSpPr>
+        <p:spPr>
+          <a:xfrm>
+            <a:off x="6370013" y="4026020"/>
+            <a:ext cx="0" cy="269014"/>
+          </a:xfrm>
+          <a:prstGeom prst="straightConnector1">
+            <a:avLst/>
+          </a:prstGeom>
+          <a:ln w="28575">
+            <a:tailEnd type="triangle"/>
+          </a:ln>
+        </p:spPr>
+        <p:style>
+          <a:lnRef idx="1">
+            <a:schemeClr val="dk1"/>
+          </a:lnRef>
+          <a:fillRef idx="0">
+            <a:schemeClr val="dk1"/>
+          </a:fillRef>
+          <a:effectRef idx="0">
+            <a:schemeClr val="dk1"/>
+          </a:effectRef>
+          <a:fontRef idx="minor">
+            <a:schemeClr val="tx1"/>
+          </a:fontRef>
+        </p:style>
+      </p:cxnSp>
     </p:spTree>
     <p:extLst>
       <p:ext uri="{BB962C8B-B14F-4D97-AF65-F5344CB8AC3E}">

--- a/audio.pptx
+++ b/audio.pptx
@@ -516,7 +516,7 @@
           <a:p>
             <a:fld id="{C90A5AA3-003B-4792-9309-656A3D43AED1}" type="datetimeFigureOut">
               <a:rPr lang="zh-TW" altLang="en-US" smtClean="0"/>
-              <a:t>2022/6/12</a:t>
+              <a:t>2022/6/18</a:t>
             </a:fld>
             <a:endParaRPr lang="zh-TW" altLang="en-US"/>
           </a:p>
@@ -714,7 +714,7 @@
           <a:p>
             <a:fld id="{C90A5AA3-003B-4792-9309-656A3D43AED1}" type="datetimeFigureOut">
               <a:rPr lang="zh-TW" altLang="en-US" smtClean="0"/>
-              <a:t>2022/6/12</a:t>
+              <a:t>2022/6/18</a:t>
             </a:fld>
             <a:endParaRPr lang="zh-TW" altLang="en-US"/>
           </a:p>
@@ -922,7 +922,7 @@
           <a:p>
             <a:fld id="{C90A5AA3-003B-4792-9309-656A3D43AED1}" type="datetimeFigureOut">
               <a:rPr lang="zh-TW" altLang="en-US" smtClean="0"/>
-              <a:t>2022/6/12</a:t>
+              <a:t>2022/6/18</a:t>
             </a:fld>
             <a:endParaRPr lang="zh-TW" altLang="en-US"/>
           </a:p>
@@ -1120,7 +1120,7 @@
           <a:p>
             <a:fld id="{C90A5AA3-003B-4792-9309-656A3D43AED1}" type="datetimeFigureOut">
               <a:rPr lang="zh-TW" altLang="en-US" smtClean="0"/>
-              <a:t>2022/6/12</a:t>
+              <a:t>2022/6/18</a:t>
             </a:fld>
             <a:endParaRPr lang="zh-TW" altLang="en-US"/>
           </a:p>
@@ -1395,7 +1395,7 @@
           <a:p>
             <a:fld id="{C90A5AA3-003B-4792-9309-656A3D43AED1}" type="datetimeFigureOut">
               <a:rPr lang="zh-TW" altLang="en-US" smtClean="0"/>
-              <a:t>2022/6/12</a:t>
+              <a:t>2022/6/18</a:t>
             </a:fld>
             <a:endParaRPr lang="zh-TW" altLang="en-US"/>
           </a:p>
@@ -1660,7 +1660,7 @@
           <a:p>
             <a:fld id="{C90A5AA3-003B-4792-9309-656A3D43AED1}" type="datetimeFigureOut">
               <a:rPr lang="zh-TW" altLang="en-US" smtClean="0"/>
-              <a:t>2022/6/12</a:t>
+              <a:t>2022/6/18</a:t>
             </a:fld>
             <a:endParaRPr lang="zh-TW" altLang="en-US"/>
           </a:p>
@@ -2072,7 +2072,7 @@
           <a:p>
             <a:fld id="{C90A5AA3-003B-4792-9309-656A3D43AED1}" type="datetimeFigureOut">
               <a:rPr lang="zh-TW" altLang="en-US" smtClean="0"/>
-              <a:t>2022/6/12</a:t>
+              <a:t>2022/6/18</a:t>
             </a:fld>
             <a:endParaRPr lang="zh-TW" altLang="en-US"/>
           </a:p>
@@ -2213,7 +2213,7 @@
           <a:p>
             <a:fld id="{C90A5AA3-003B-4792-9309-656A3D43AED1}" type="datetimeFigureOut">
               <a:rPr lang="zh-TW" altLang="en-US" smtClean="0"/>
-              <a:t>2022/6/12</a:t>
+              <a:t>2022/6/18</a:t>
             </a:fld>
             <a:endParaRPr lang="zh-TW" altLang="en-US"/>
           </a:p>
@@ -2326,7 +2326,7 @@
           <a:p>
             <a:fld id="{C90A5AA3-003B-4792-9309-656A3D43AED1}" type="datetimeFigureOut">
               <a:rPr lang="zh-TW" altLang="en-US" smtClean="0"/>
-              <a:t>2022/6/12</a:t>
+              <a:t>2022/6/18</a:t>
             </a:fld>
             <a:endParaRPr lang="zh-TW" altLang="en-US"/>
           </a:p>
@@ -2637,7 +2637,7 @@
           <a:p>
             <a:fld id="{C90A5AA3-003B-4792-9309-656A3D43AED1}" type="datetimeFigureOut">
               <a:rPr lang="zh-TW" altLang="en-US" smtClean="0"/>
-              <a:t>2022/6/12</a:t>
+              <a:t>2022/6/18</a:t>
             </a:fld>
             <a:endParaRPr lang="zh-TW" altLang="en-US"/>
           </a:p>
@@ -2925,7 +2925,7 @@
           <a:p>
             <a:fld id="{C90A5AA3-003B-4792-9309-656A3D43AED1}" type="datetimeFigureOut">
               <a:rPr lang="zh-TW" altLang="en-US" smtClean="0"/>
-              <a:t>2022/6/12</a:t>
+              <a:t>2022/6/18</a:t>
             </a:fld>
             <a:endParaRPr lang="zh-TW" altLang="en-US"/>
           </a:p>
@@ -3166,7 +3166,7 @@
           <a:p>
             <a:fld id="{C90A5AA3-003B-4792-9309-656A3D43AED1}" type="datetimeFigureOut">
               <a:rPr lang="zh-TW" altLang="en-US" smtClean="0"/>
-              <a:t>2022/6/12</a:t>
+              <a:t>2022/6/18</a:t>
             </a:fld>
             <a:endParaRPr lang="zh-TW" altLang="en-US"/>
           </a:p>
@@ -6082,6 +6082,314 @@
           </a:fontRef>
         </p:style>
       </p:cxnSp>
+      <p:sp>
+        <p:nvSpPr>
+          <p:cNvPr id="18" name="文字方塊 17">
+            <a:extLst>
+              <a:ext uri="{FF2B5EF4-FFF2-40B4-BE49-F238E27FC236}">
+                <a16:creationId xmlns:a16="http://schemas.microsoft.com/office/drawing/2014/main" id="{001BC34B-E8E6-F20F-FD16-00136C2D3AF0}"/>
+              </a:ext>
+            </a:extLst>
+          </p:cNvPr>
+          <p:cNvSpPr txBox="1"/>
+          <p:nvPr/>
+        </p:nvSpPr>
+        <p:spPr>
+          <a:xfrm>
+            <a:off x="838200" y="5599882"/>
+            <a:ext cx="1723549" cy="461665"/>
+          </a:xfrm>
+          <a:prstGeom prst="rect">
+            <a:avLst/>
+          </a:prstGeom>
+          <a:noFill/>
+          <a:ln>
+            <a:solidFill>
+              <a:schemeClr val="tx1"/>
+            </a:solidFill>
+          </a:ln>
+        </p:spPr>
+        <p:txBody>
+          <a:bodyPr wrap="none" rtlCol="0">
+            <a:spAutoFit/>
+          </a:bodyPr>
+          <a:lstStyle>
+            <a:defPPr>
+              <a:defRPr lang="zh-TW"/>
+            </a:defPPr>
+            <a:lvl1pPr>
+              <a:defRPr sz="2400">
+                <a:latin typeface="標楷體" panose="03000509000000000000" pitchFamily="65" charset="-120"/>
+                <a:ea typeface="標楷體" panose="03000509000000000000" pitchFamily="65" charset="-120"/>
+              </a:defRPr>
+            </a:lvl1pPr>
+          </a:lstStyle>
+          <a:p>
+            <a:r>
+              <a:rPr lang="zh-TW" altLang="zh-TW" dirty="0"/>
+              <a:t>蒐集資料集</a:t>
+            </a:r>
+          </a:p>
+        </p:txBody>
+      </p:sp>
+      <p:sp>
+        <p:nvSpPr>
+          <p:cNvPr id="19" name="文字方塊 18">
+            <a:extLst>
+              <a:ext uri="{FF2B5EF4-FFF2-40B4-BE49-F238E27FC236}">
+                <a16:creationId xmlns:a16="http://schemas.microsoft.com/office/drawing/2014/main" id="{25F0BB73-71A3-7847-7A5B-65E189D07598}"/>
+              </a:ext>
+            </a:extLst>
+          </p:cNvPr>
+          <p:cNvSpPr txBox="1"/>
+          <p:nvPr/>
+        </p:nvSpPr>
+        <p:spPr>
+          <a:xfrm>
+            <a:off x="5086980" y="5599882"/>
+            <a:ext cx="1415772" cy="461665"/>
+          </a:xfrm>
+          <a:prstGeom prst="rect">
+            <a:avLst/>
+          </a:prstGeom>
+          <a:noFill/>
+          <a:ln>
+            <a:solidFill>
+              <a:schemeClr val="tx1"/>
+            </a:solidFill>
+          </a:ln>
+        </p:spPr>
+        <p:txBody>
+          <a:bodyPr wrap="none" rtlCol="0">
+            <a:spAutoFit/>
+          </a:bodyPr>
+          <a:lstStyle/>
+          <a:p>
+            <a:r>
+              <a:rPr lang="zh-TW" altLang="en-US" sz="2400" dirty="0">
+                <a:latin typeface="標楷體" panose="03000509000000000000" pitchFamily="65" charset="-120"/>
+                <a:ea typeface="標楷體" panose="03000509000000000000" pitchFamily="65" charset="-120"/>
+              </a:rPr>
+              <a:t>訓練模型</a:t>
+            </a:r>
+          </a:p>
+        </p:txBody>
+      </p:sp>
+      <p:sp>
+        <p:nvSpPr>
+          <p:cNvPr id="21" name="文字方塊 20">
+            <a:extLst>
+              <a:ext uri="{FF2B5EF4-FFF2-40B4-BE49-F238E27FC236}">
+                <a16:creationId xmlns:a16="http://schemas.microsoft.com/office/drawing/2014/main" id="{593D2128-F0D3-D919-7249-C4D6AF172273}"/>
+              </a:ext>
+            </a:extLst>
+          </p:cNvPr>
+          <p:cNvSpPr txBox="1"/>
+          <p:nvPr/>
+        </p:nvSpPr>
+        <p:spPr>
+          <a:xfrm>
+            <a:off x="6903592" y="5599882"/>
+            <a:ext cx="1415772" cy="461665"/>
+          </a:xfrm>
+          <a:prstGeom prst="rect">
+            <a:avLst/>
+          </a:prstGeom>
+          <a:noFill/>
+          <a:ln>
+            <a:solidFill>
+              <a:schemeClr val="tx1"/>
+            </a:solidFill>
+          </a:ln>
+        </p:spPr>
+        <p:txBody>
+          <a:bodyPr wrap="none" rtlCol="0">
+            <a:spAutoFit/>
+          </a:bodyPr>
+          <a:lstStyle/>
+          <a:p>
+            <a:r>
+              <a:rPr lang="zh-TW" altLang="en-US" sz="2400" dirty="0">
+                <a:latin typeface="標楷體" panose="03000509000000000000" pitchFamily="65" charset="-120"/>
+                <a:ea typeface="標楷體" panose="03000509000000000000" pitchFamily="65" charset="-120"/>
+              </a:rPr>
+              <a:t>產生模型</a:t>
+            </a:r>
+          </a:p>
+        </p:txBody>
+      </p:sp>
+      <p:sp>
+        <p:nvSpPr>
+          <p:cNvPr id="22" name="文字方塊 21">
+            <a:extLst>
+              <a:ext uri="{FF2B5EF4-FFF2-40B4-BE49-F238E27FC236}">
+                <a16:creationId xmlns:a16="http://schemas.microsoft.com/office/drawing/2014/main" id="{357FEFB8-F4B7-B67F-5065-F4B2507672B0}"/>
+              </a:ext>
+            </a:extLst>
+          </p:cNvPr>
+          <p:cNvSpPr txBox="1"/>
+          <p:nvPr/>
+        </p:nvSpPr>
+        <p:spPr>
+          <a:xfrm>
+            <a:off x="2962590" y="5599882"/>
+            <a:ext cx="1723549" cy="461665"/>
+          </a:xfrm>
+          <a:prstGeom prst="rect">
+            <a:avLst/>
+          </a:prstGeom>
+          <a:noFill/>
+          <a:ln>
+            <a:solidFill>
+              <a:schemeClr val="tx1"/>
+            </a:solidFill>
+          </a:ln>
+        </p:spPr>
+        <p:txBody>
+          <a:bodyPr wrap="none" rtlCol="0">
+            <a:spAutoFit/>
+          </a:bodyPr>
+          <a:lstStyle/>
+          <a:p>
+            <a:r>
+              <a:rPr lang="zh-TW" altLang="en-US" sz="2400" dirty="0">
+                <a:latin typeface="標楷體" panose="03000509000000000000" pitchFamily="65" charset="-120"/>
+                <a:ea typeface="標楷體" panose="03000509000000000000" pitchFamily="65" charset="-120"/>
+              </a:rPr>
+              <a:t>資料預處理</a:t>
+            </a:r>
+          </a:p>
+        </p:txBody>
+      </p:sp>
+      <p:cxnSp>
+        <p:nvCxnSpPr>
+          <p:cNvPr id="24" name="直線單箭頭接點 23">
+            <a:extLst>
+              <a:ext uri="{FF2B5EF4-FFF2-40B4-BE49-F238E27FC236}">
+                <a16:creationId xmlns:a16="http://schemas.microsoft.com/office/drawing/2014/main" id="{DEE021BF-0EC2-2F59-EF57-3A2E020ECDB8}"/>
+              </a:ext>
+            </a:extLst>
+          </p:cNvPr>
+          <p:cNvCxnSpPr>
+            <a:cxnSpLocks/>
+            <a:stCxn id="22" idx="3"/>
+            <a:endCxn id="19" idx="1"/>
+          </p:cNvCxnSpPr>
+          <p:nvPr/>
+        </p:nvCxnSpPr>
+        <p:spPr>
+          <a:xfrm>
+            <a:off x="4686139" y="5830715"/>
+            <a:ext cx="400841" cy="0"/>
+          </a:xfrm>
+          <a:prstGeom prst="straightConnector1">
+            <a:avLst/>
+          </a:prstGeom>
+          <a:ln w="28575">
+            <a:tailEnd type="triangle"/>
+          </a:ln>
+        </p:spPr>
+        <p:style>
+          <a:lnRef idx="1">
+            <a:schemeClr val="dk1"/>
+          </a:lnRef>
+          <a:fillRef idx="0">
+            <a:schemeClr val="dk1"/>
+          </a:fillRef>
+          <a:effectRef idx="0">
+            <a:schemeClr val="dk1"/>
+          </a:effectRef>
+          <a:fontRef idx="minor">
+            <a:schemeClr val="tx1"/>
+          </a:fontRef>
+        </p:style>
+      </p:cxnSp>
+      <p:cxnSp>
+        <p:nvCxnSpPr>
+          <p:cNvPr id="25" name="直線單箭頭接點 24">
+            <a:extLst>
+              <a:ext uri="{FF2B5EF4-FFF2-40B4-BE49-F238E27FC236}">
+                <a16:creationId xmlns:a16="http://schemas.microsoft.com/office/drawing/2014/main" id="{568604BC-3270-F342-8FD2-9623C5E01A41}"/>
+              </a:ext>
+            </a:extLst>
+          </p:cNvPr>
+          <p:cNvCxnSpPr>
+            <a:cxnSpLocks/>
+            <a:stCxn id="18" idx="3"/>
+            <a:endCxn id="22" idx="1"/>
+          </p:cNvCxnSpPr>
+          <p:nvPr/>
+        </p:nvCxnSpPr>
+        <p:spPr>
+          <a:xfrm>
+            <a:off x="2561749" y="5830715"/>
+            <a:ext cx="400841" cy="0"/>
+          </a:xfrm>
+          <a:prstGeom prst="straightConnector1">
+            <a:avLst/>
+          </a:prstGeom>
+          <a:ln w="28575">
+            <a:tailEnd type="triangle"/>
+          </a:ln>
+        </p:spPr>
+        <p:style>
+          <a:lnRef idx="1">
+            <a:schemeClr val="dk1"/>
+          </a:lnRef>
+          <a:fillRef idx="0">
+            <a:schemeClr val="dk1"/>
+          </a:fillRef>
+          <a:effectRef idx="0">
+            <a:schemeClr val="dk1"/>
+          </a:effectRef>
+          <a:fontRef idx="minor">
+            <a:schemeClr val="tx1"/>
+          </a:fontRef>
+        </p:style>
+      </p:cxnSp>
+      <p:cxnSp>
+        <p:nvCxnSpPr>
+          <p:cNvPr id="26" name="直線單箭頭接點 25">
+            <a:extLst>
+              <a:ext uri="{FF2B5EF4-FFF2-40B4-BE49-F238E27FC236}">
+                <a16:creationId xmlns:a16="http://schemas.microsoft.com/office/drawing/2014/main" id="{FFACA7EE-55C4-8C0F-0835-4807C80D83A2}"/>
+              </a:ext>
+            </a:extLst>
+          </p:cNvPr>
+          <p:cNvCxnSpPr>
+            <a:cxnSpLocks/>
+            <a:stCxn id="19" idx="3"/>
+            <a:endCxn id="21" idx="1"/>
+          </p:cNvCxnSpPr>
+          <p:nvPr/>
+        </p:nvCxnSpPr>
+        <p:spPr>
+          <a:xfrm>
+            <a:off x="6502752" y="5830715"/>
+            <a:ext cx="400840" cy="0"/>
+          </a:xfrm>
+          <a:prstGeom prst="straightConnector1">
+            <a:avLst/>
+          </a:prstGeom>
+          <a:ln w="28575">
+            <a:tailEnd type="triangle"/>
+          </a:ln>
+        </p:spPr>
+        <p:style>
+          <a:lnRef idx="1">
+            <a:schemeClr val="dk1"/>
+          </a:lnRef>
+          <a:fillRef idx="0">
+            <a:schemeClr val="dk1"/>
+          </a:fillRef>
+          <a:effectRef idx="0">
+            <a:schemeClr val="dk1"/>
+          </a:effectRef>
+          <a:fontRef idx="minor">
+            <a:schemeClr val="tx1"/>
+          </a:fontRef>
+        </p:style>
+      </p:cxnSp>
     </p:spTree>
     <p:extLst>
       <p:ext uri="{BB962C8B-B14F-4D97-AF65-F5344CB8AC3E}">
@@ -6592,36 +6900,6 @@
           </a:prstGeom>
         </p:spPr>
       </p:pic>
-      <p:pic>
-        <p:nvPicPr>
-          <p:cNvPr id="10" name="圖片 9">
-            <a:extLst>
-              <a:ext uri="{FF2B5EF4-FFF2-40B4-BE49-F238E27FC236}">
-                <a16:creationId xmlns:a16="http://schemas.microsoft.com/office/drawing/2014/main" id="{B11BB363-D0BD-91E5-8F8D-E032DCBCDCA2}"/>
-              </a:ext>
-            </a:extLst>
-          </p:cNvPr>
-          <p:cNvPicPr>
-            <a:picLocks noChangeAspect="1"/>
-          </p:cNvPicPr>
-          <p:nvPr/>
-        </p:nvPicPr>
-        <p:blipFill>
-          <a:blip r:embed="rId5"/>
-          <a:stretch>
-            <a:fillRect/>
-          </a:stretch>
-        </p:blipFill>
-        <p:spPr>
-          <a:xfrm>
-            <a:off x="2018472" y="3407096"/>
-            <a:ext cx="1019317" cy="1924319"/>
-          </a:xfrm>
-          <a:prstGeom prst="rect">
-            <a:avLst/>
-          </a:prstGeom>
-        </p:spPr>
-      </p:pic>
       <p:cxnSp>
         <p:nvCxnSpPr>
           <p:cNvPr id="12" name="直線單箭頭接點 11">
@@ -7352,6 +7630,36 @@
           </a:fontRef>
         </p:style>
       </p:cxnSp>
+      <p:pic>
+        <p:nvPicPr>
+          <p:cNvPr id="10" name="圖片 9">
+            <a:extLst>
+              <a:ext uri="{FF2B5EF4-FFF2-40B4-BE49-F238E27FC236}">
+                <a16:creationId xmlns:a16="http://schemas.microsoft.com/office/drawing/2014/main" id="{B11BB363-D0BD-91E5-8F8D-E032DCBCDCA2}"/>
+              </a:ext>
+            </a:extLst>
+          </p:cNvPr>
+          <p:cNvPicPr>
+            <a:picLocks noChangeAspect="1"/>
+          </p:cNvPicPr>
+          <p:nvPr/>
+        </p:nvPicPr>
+        <p:blipFill>
+          <a:blip r:embed="rId5"/>
+          <a:stretch>
+            <a:fillRect/>
+          </a:stretch>
+        </p:blipFill>
+        <p:spPr>
+          <a:xfrm>
+            <a:off x="2018472" y="3407096"/>
+            <a:ext cx="1019317" cy="1924319"/>
+          </a:xfrm>
+          <a:prstGeom prst="rect">
+            <a:avLst/>
+          </a:prstGeom>
+        </p:spPr>
+      </p:pic>
     </p:spTree>
     <p:extLst>
       <p:ext uri="{BB962C8B-B14F-4D97-AF65-F5344CB8AC3E}">

--- a/audio.pptx
+++ b/audio.pptx
@@ -516,7 +516,7 @@
           <a:p>
             <a:fld id="{C90A5AA3-003B-4792-9309-656A3D43AED1}" type="datetimeFigureOut">
               <a:rPr lang="zh-TW" altLang="en-US" smtClean="0"/>
-              <a:t>2022/6/18</a:t>
+              <a:t>2022/7/15</a:t>
             </a:fld>
             <a:endParaRPr lang="zh-TW" altLang="en-US"/>
           </a:p>
@@ -714,7 +714,7 @@
           <a:p>
             <a:fld id="{C90A5AA3-003B-4792-9309-656A3D43AED1}" type="datetimeFigureOut">
               <a:rPr lang="zh-TW" altLang="en-US" smtClean="0"/>
-              <a:t>2022/6/18</a:t>
+              <a:t>2022/7/15</a:t>
             </a:fld>
             <a:endParaRPr lang="zh-TW" altLang="en-US"/>
           </a:p>
@@ -922,7 +922,7 @@
           <a:p>
             <a:fld id="{C90A5AA3-003B-4792-9309-656A3D43AED1}" type="datetimeFigureOut">
               <a:rPr lang="zh-TW" altLang="en-US" smtClean="0"/>
-              <a:t>2022/6/18</a:t>
+              <a:t>2022/7/15</a:t>
             </a:fld>
             <a:endParaRPr lang="zh-TW" altLang="en-US"/>
           </a:p>
@@ -1120,7 +1120,7 @@
           <a:p>
             <a:fld id="{C90A5AA3-003B-4792-9309-656A3D43AED1}" type="datetimeFigureOut">
               <a:rPr lang="zh-TW" altLang="en-US" smtClean="0"/>
-              <a:t>2022/6/18</a:t>
+              <a:t>2022/7/15</a:t>
             </a:fld>
             <a:endParaRPr lang="zh-TW" altLang="en-US"/>
           </a:p>
@@ -1395,7 +1395,7 @@
           <a:p>
             <a:fld id="{C90A5AA3-003B-4792-9309-656A3D43AED1}" type="datetimeFigureOut">
               <a:rPr lang="zh-TW" altLang="en-US" smtClean="0"/>
-              <a:t>2022/6/18</a:t>
+              <a:t>2022/7/15</a:t>
             </a:fld>
             <a:endParaRPr lang="zh-TW" altLang="en-US"/>
           </a:p>
@@ -1660,7 +1660,7 @@
           <a:p>
             <a:fld id="{C90A5AA3-003B-4792-9309-656A3D43AED1}" type="datetimeFigureOut">
               <a:rPr lang="zh-TW" altLang="en-US" smtClean="0"/>
-              <a:t>2022/6/18</a:t>
+              <a:t>2022/7/15</a:t>
             </a:fld>
             <a:endParaRPr lang="zh-TW" altLang="en-US"/>
           </a:p>
@@ -2072,7 +2072,7 @@
           <a:p>
             <a:fld id="{C90A5AA3-003B-4792-9309-656A3D43AED1}" type="datetimeFigureOut">
               <a:rPr lang="zh-TW" altLang="en-US" smtClean="0"/>
-              <a:t>2022/6/18</a:t>
+              <a:t>2022/7/15</a:t>
             </a:fld>
             <a:endParaRPr lang="zh-TW" altLang="en-US"/>
           </a:p>
@@ -2213,7 +2213,7 @@
           <a:p>
             <a:fld id="{C90A5AA3-003B-4792-9309-656A3D43AED1}" type="datetimeFigureOut">
               <a:rPr lang="zh-TW" altLang="en-US" smtClean="0"/>
-              <a:t>2022/6/18</a:t>
+              <a:t>2022/7/15</a:t>
             </a:fld>
             <a:endParaRPr lang="zh-TW" altLang="en-US"/>
           </a:p>
@@ -2326,7 +2326,7 @@
           <a:p>
             <a:fld id="{C90A5AA3-003B-4792-9309-656A3D43AED1}" type="datetimeFigureOut">
               <a:rPr lang="zh-TW" altLang="en-US" smtClean="0"/>
-              <a:t>2022/6/18</a:t>
+              <a:t>2022/7/15</a:t>
             </a:fld>
             <a:endParaRPr lang="zh-TW" altLang="en-US"/>
           </a:p>
@@ -2637,7 +2637,7 @@
           <a:p>
             <a:fld id="{C90A5AA3-003B-4792-9309-656A3D43AED1}" type="datetimeFigureOut">
               <a:rPr lang="zh-TW" altLang="en-US" smtClean="0"/>
-              <a:t>2022/6/18</a:t>
+              <a:t>2022/7/15</a:t>
             </a:fld>
             <a:endParaRPr lang="zh-TW" altLang="en-US"/>
           </a:p>
@@ -2925,7 +2925,7 @@
           <a:p>
             <a:fld id="{C90A5AA3-003B-4792-9309-656A3D43AED1}" type="datetimeFigureOut">
               <a:rPr lang="zh-TW" altLang="en-US" smtClean="0"/>
-              <a:t>2022/6/18</a:t>
+              <a:t>2022/7/15</a:t>
             </a:fld>
             <a:endParaRPr lang="zh-TW" altLang="en-US"/>
           </a:p>
@@ -3166,7 +3166,7 @@
           <a:p>
             <a:fld id="{C90A5AA3-003B-4792-9309-656A3D43AED1}" type="datetimeFigureOut">
               <a:rPr lang="zh-TW" altLang="en-US" smtClean="0"/>
-              <a:t>2022/6/18</a:t>
+              <a:t>2022/7/15</a:t>
             </a:fld>
             <a:endParaRPr lang="zh-TW" altLang="en-US"/>
           </a:p>
@@ -4415,8 +4415,21 @@
             </a:r>
             <a:r>
               <a:rPr lang="en-US" altLang="zh-TW" dirty="0"/>
-              <a:t> create --name py39 python=3.9</a:t>
-            </a:r>
+              <a:t> create --</a:t>
+            </a:r>
+            <a:r>
+              <a:rPr lang="en-US" altLang="zh-TW"/>
+              <a:t>name py37 </a:t>
+            </a:r>
+            <a:r>
+              <a:rPr lang="en-US" altLang="zh-TW" dirty="0"/>
+              <a:t>python</a:t>
+            </a:r>
+            <a:r>
+              <a:rPr lang="en-US" altLang="zh-TW"/>
+              <a:t>=3.7</a:t>
+            </a:r>
+            <a:endParaRPr lang="en-US" altLang="zh-TW" dirty="0"/>
           </a:p>
           <a:p>
             <a:endParaRPr lang="en-US" altLang="zh-TW" dirty="0"/>
